--- a/Documents/Identity-Exercise.pptx
+++ b/Documents/Identity-Exercise.pptx
@@ -5,14 +5,28 @@
     <p:sldMasterId id="2147483648" r:id="rId1"/>
   </p:sldMasterIdLst>
   <p:notesMasterIdLst>
-    <p:notesMasterId r:id="rId4"/>
+    <p:notesMasterId r:id="rId18"/>
   </p:notesMasterIdLst>
   <p:handoutMasterIdLst>
-    <p:handoutMasterId r:id="rId5"/>
+    <p:handoutMasterId r:id="rId19"/>
   </p:handoutMasterIdLst>
   <p:sldIdLst>
     <p:sldId id="256" r:id="rId2"/>
     <p:sldId id="397" r:id="rId3"/>
+    <p:sldId id="398" r:id="rId4"/>
+    <p:sldId id="399" r:id="rId5"/>
+    <p:sldId id="400" r:id="rId6"/>
+    <p:sldId id="406" r:id="rId7"/>
+    <p:sldId id="401" r:id="rId8"/>
+    <p:sldId id="402" r:id="rId9"/>
+    <p:sldId id="403" r:id="rId10"/>
+    <p:sldId id="404" r:id="rId11"/>
+    <p:sldId id="405" r:id="rId12"/>
+    <p:sldId id="407" r:id="rId13"/>
+    <p:sldId id="408" r:id="rId14"/>
+    <p:sldId id="409" r:id="rId15"/>
+    <p:sldId id="410" r:id="rId16"/>
+    <p:sldId id="411" r:id="rId17"/>
   </p:sldIdLst>
   <p:sldSz cx="9144000" cy="6858000" type="screen4x3"/>
   <p:notesSz cx="6867525" cy="9994900"/>
@@ -212,7 +226,7 @@
           <a:p>
             <a:fld id="{B5922E6D-3451-482A-A64F-C89F139BA51A}" type="datetimeFigureOut">
               <a:rPr lang="en-US" smtClean="0"/>
-              <a:t>11/17/2014</a:t>
+              <a:t>11/18/2014</a:t>
             </a:fld>
             <a:endParaRPr lang="en-US"/>
           </a:p>
@@ -377,7 +391,7 @@
           <a:p>
             <a:fld id="{05247E74-41DE-40FA-A7A7-A655366ADCFA}" type="datetimeFigureOut">
               <a:rPr lang="sv-SE" smtClean="0"/>
-              <a:t>2014-11-17</a:t>
+              <a:t>2014-11-18</a:t>
             </a:fld>
             <a:endParaRPr lang="sv-SE"/>
           </a:p>
@@ -645,6 +659,406 @@
 </p:notesMaster>
 </file>
 
+<file path=ppt/notesSlides/notesSlide1.xml><?xml version="1.0" encoding="utf-8"?>
+<p:notes xmlns:a="http://schemas.openxmlformats.org/drawingml/2006/main" xmlns:r="http://schemas.openxmlformats.org/officeDocument/2006/relationships" xmlns:p="http://schemas.openxmlformats.org/presentationml/2006/main">
+  <p:cSld>
+    <p:spTree>
+      <p:nvGrpSpPr>
+        <p:cNvPr id="1" name=""/>
+        <p:cNvGrpSpPr/>
+        <p:nvPr/>
+      </p:nvGrpSpPr>
+      <p:grpSpPr>
+        <a:xfrm>
+          <a:off x="0" y="0"/>
+          <a:ext cx="0" cy="0"/>
+          <a:chOff x="0" y="0"/>
+          <a:chExt cx="0" cy="0"/>
+        </a:xfrm>
+      </p:grpSpPr>
+      <p:sp>
+        <p:nvSpPr>
+          <p:cNvPr id="2" name="Platshållare för bildobjekt 1"/>
+          <p:cNvSpPr>
+            <a:spLocks noGrp="1" noRot="1" noChangeAspect="1"/>
+          </p:cNvSpPr>
+          <p:nvPr>
+            <p:ph type="sldImg"/>
+          </p:nvPr>
+        </p:nvSpPr>
+        <p:spPr/>
+      </p:sp>
+      <p:sp>
+        <p:nvSpPr>
+          <p:cNvPr id="3" name="Platshållare för anteckningar 2"/>
+          <p:cNvSpPr>
+            <a:spLocks noGrp="1"/>
+          </p:cNvSpPr>
+          <p:nvPr>
+            <p:ph type="body" idx="1"/>
+          </p:nvPr>
+        </p:nvSpPr>
+        <p:spPr/>
+        <p:txBody>
+          <a:bodyPr/>
+          <a:lstStyle/>
+          <a:p>
+            <a:r>
+              <a:rPr lang="en-US" dirty="0" smtClean="0"/>
+              <a:t>IdentityDbContext&lt;IdentityUser&gt;() = default constructor which uses</a:t>
+            </a:r>
+            <a:r>
+              <a:rPr lang="en-US" baseline="0" dirty="0" smtClean="0"/>
+              <a:t> the “DefaultConnection” connectionstring, to create the database tables.</a:t>
+            </a:r>
+          </a:p>
+          <a:p>
+            <a:endParaRPr lang="en-US" baseline="0" dirty="0" smtClean="0"/>
+          </a:p>
+          <a:p>
+            <a:r>
+              <a:rPr lang="en-US" baseline="0" dirty="0" smtClean="0"/>
+              <a:t>IdentityUser = is a user………..</a:t>
+            </a:r>
+          </a:p>
+          <a:p>
+            <a:endParaRPr lang="en-US" baseline="0" dirty="0" smtClean="0"/>
+          </a:p>
+          <a:p>
+            <a:endParaRPr lang="en-US" dirty="0"/>
+          </a:p>
+        </p:txBody>
+      </p:sp>
+      <p:sp>
+        <p:nvSpPr>
+          <p:cNvPr id="4" name="Platshållare för bildnummer 3"/>
+          <p:cNvSpPr>
+            <a:spLocks noGrp="1"/>
+          </p:cNvSpPr>
+          <p:nvPr>
+            <p:ph type="sldNum" sz="quarter" idx="10"/>
+          </p:nvPr>
+        </p:nvSpPr>
+        <p:spPr/>
+        <p:txBody>
+          <a:bodyPr/>
+          <a:lstStyle/>
+          <a:p>
+            <a:fld id="{9C98CF53-5E26-4422-B9D8-E9A5474C1FAF}" type="slidenum">
+              <a:rPr lang="sv-SE" smtClean="0"/>
+              <a:t>7</a:t>
+            </a:fld>
+            <a:endParaRPr lang="sv-SE"/>
+          </a:p>
+        </p:txBody>
+      </p:sp>
+    </p:spTree>
+    <p:extLst>
+      <p:ext uri="{BB962C8B-B14F-4D97-AF65-F5344CB8AC3E}">
+        <p14:creationId xmlns:p14="http://schemas.microsoft.com/office/powerpoint/2010/main" val="415122682"/>
+      </p:ext>
+    </p:extLst>
+  </p:cSld>
+  <p:clrMapOvr>
+    <a:masterClrMapping/>
+  </p:clrMapOvr>
+</p:notes>
+</file>
+
+<file path=ppt/notesSlides/notesSlide2.xml><?xml version="1.0" encoding="utf-8"?>
+<p:notes xmlns:a="http://schemas.openxmlformats.org/drawingml/2006/main" xmlns:r="http://schemas.openxmlformats.org/officeDocument/2006/relationships" xmlns:p="http://schemas.openxmlformats.org/presentationml/2006/main">
+  <p:cSld>
+    <p:spTree>
+      <p:nvGrpSpPr>
+        <p:cNvPr id="1" name=""/>
+        <p:cNvGrpSpPr/>
+        <p:nvPr/>
+      </p:nvGrpSpPr>
+      <p:grpSpPr>
+        <a:xfrm>
+          <a:off x="0" y="0"/>
+          <a:ext cx="0" cy="0"/>
+          <a:chOff x="0" y="0"/>
+          <a:chExt cx="0" cy="0"/>
+        </a:xfrm>
+      </p:grpSpPr>
+      <p:sp>
+        <p:nvSpPr>
+          <p:cNvPr id="2" name="Platshållare för bildobjekt 1"/>
+          <p:cNvSpPr>
+            <a:spLocks noGrp="1" noRot="1" noChangeAspect="1"/>
+          </p:cNvSpPr>
+          <p:nvPr>
+            <p:ph type="sldImg"/>
+          </p:nvPr>
+        </p:nvSpPr>
+        <p:spPr/>
+      </p:sp>
+      <p:sp>
+        <p:nvSpPr>
+          <p:cNvPr id="3" name="Platshållare för anteckningar 2"/>
+          <p:cNvSpPr>
+            <a:spLocks noGrp="1"/>
+          </p:cNvSpPr>
+          <p:nvPr>
+            <p:ph type="body" idx="1"/>
+          </p:nvPr>
+        </p:nvSpPr>
+        <p:spPr/>
+        <p:txBody>
+          <a:bodyPr/>
+          <a:lstStyle/>
+          <a:p>
+            <a:endParaRPr lang="en-US" dirty="0"/>
+          </a:p>
+        </p:txBody>
+      </p:sp>
+      <p:sp>
+        <p:nvSpPr>
+          <p:cNvPr id="4" name="Platshållare för bildnummer 3"/>
+          <p:cNvSpPr>
+            <a:spLocks noGrp="1"/>
+          </p:cNvSpPr>
+          <p:nvPr>
+            <p:ph type="sldNum" sz="quarter" idx="10"/>
+          </p:nvPr>
+        </p:nvSpPr>
+        <p:spPr/>
+        <p:txBody>
+          <a:bodyPr/>
+          <a:lstStyle/>
+          <a:p>
+            <a:fld id="{9C98CF53-5E26-4422-B9D8-E9A5474C1FAF}" type="slidenum">
+              <a:rPr lang="sv-SE" smtClean="0"/>
+              <a:t>10</a:t>
+            </a:fld>
+            <a:endParaRPr lang="sv-SE"/>
+          </a:p>
+        </p:txBody>
+      </p:sp>
+    </p:spTree>
+    <p:extLst>
+      <p:ext uri="{BB962C8B-B14F-4D97-AF65-F5344CB8AC3E}">
+        <p14:creationId xmlns:p14="http://schemas.microsoft.com/office/powerpoint/2010/main" val="3289546320"/>
+      </p:ext>
+    </p:extLst>
+  </p:cSld>
+  <p:clrMapOvr>
+    <a:masterClrMapping/>
+  </p:clrMapOvr>
+</p:notes>
+</file>
+
+<file path=ppt/notesSlides/notesSlide3.xml><?xml version="1.0" encoding="utf-8"?>
+<p:notes xmlns:a="http://schemas.openxmlformats.org/drawingml/2006/main" xmlns:r="http://schemas.openxmlformats.org/officeDocument/2006/relationships" xmlns:p="http://schemas.openxmlformats.org/presentationml/2006/main">
+  <p:cSld>
+    <p:spTree>
+      <p:nvGrpSpPr>
+        <p:cNvPr id="1" name=""/>
+        <p:cNvGrpSpPr/>
+        <p:nvPr/>
+      </p:nvGrpSpPr>
+      <p:grpSpPr>
+        <a:xfrm>
+          <a:off x="0" y="0"/>
+          <a:ext cx="0" cy="0"/>
+          <a:chOff x="0" y="0"/>
+          <a:chExt cx="0" cy="0"/>
+        </a:xfrm>
+      </p:grpSpPr>
+      <p:sp>
+        <p:nvSpPr>
+          <p:cNvPr id="2" name="Platshållare för bildobjekt 1"/>
+          <p:cNvSpPr>
+            <a:spLocks noGrp="1" noRot="1" noChangeAspect="1"/>
+          </p:cNvSpPr>
+          <p:nvPr>
+            <p:ph type="sldImg"/>
+          </p:nvPr>
+        </p:nvSpPr>
+        <p:spPr/>
+      </p:sp>
+      <p:sp>
+        <p:nvSpPr>
+          <p:cNvPr id="3" name="Platshållare för anteckningar 2"/>
+          <p:cNvSpPr>
+            <a:spLocks noGrp="1"/>
+          </p:cNvSpPr>
+          <p:nvPr>
+            <p:ph type="body" idx="1"/>
+          </p:nvPr>
+        </p:nvSpPr>
+        <p:spPr/>
+        <p:txBody>
+          <a:bodyPr/>
+          <a:lstStyle/>
+          <a:p>
+            <a:r>
+              <a:rPr lang="en-US" dirty="0" smtClean="0"/>
+              <a:t>DropCreateDatabaseAlways&lt;IdentityDbContext&lt;IdentityUser&gt;&gt;() = </a:t>
+            </a:r>
+            <a:r>
+              <a:rPr lang="en-US" sz="1200" b="0" i="0" kern="1200" dirty="0" smtClean="0">
+                <a:solidFill>
+                  <a:schemeClr val="tx1"/>
+                </a:solidFill>
+                <a:effectLst/>
+                <a:latin typeface="+mn-lt"/>
+                <a:ea typeface="+mn-ea"/>
+                <a:cs typeface="+mn-cs"/>
+              </a:rPr>
+              <a:t>An implementation of IDatabaseInitializer that will always recreate and optionally re-seed the database the first time that a context is used in the app domain. To seed the database, create a derived class and override the Seed method.</a:t>
+            </a:r>
+            <a:endParaRPr lang="en-US" dirty="0"/>
+          </a:p>
+        </p:txBody>
+      </p:sp>
+      <p:sp>
+        <p:nvSpPr>
+          <p:cNvPr id="4" name="Platshållare för bildnummer 3"/>
+          <p:cNvSpPr>
+            <a:spLocks noGrp="1"/>
+          </p:cNvSpPr>
+          <p:nvPr>
+            <p:ph type="sldNum" sz="quarter" idx="10"/>
+          </p:nvPr>
+        </p:nvSpPr>
+        <p:spPr/>
+        <p:txBody>
+          <a:bodyPr/>
+          <a:lstStyle/>
+          <a:p>
+            <a:fld id="{9C98CF53-5E26-4422-B9D8-E9A5474C1FAF}" type="slidenum">
+              <a:rPr lang="sv-SE" smtClean="0"/>
+              <a:t>11</a:t>
+            </a:fld>
+            <a:endParaRPr lang="sv-SE"/>
+          </a:p>
+        </p:txBody>
+      </p:sp>
+    </p:spTree>
+    <p:extLst>
+      <p:ext uri="{BB962C8B-B14F-4D97-AF65-F5344CB8AC3E}">
+        <p14:creationId xmlns:p14="http://schemas.microsoft.com/office/powerpoint/2010/main" val="4032730926"/>
+      </p:ext>
+    </p:extLst>
+  </p:cSld>
+  <p:clrMapOvr>
+    <a:masterClrMapping/>
+  </p:clrMapOvr>
+</p:notes>
+</file>
+
+<file path=ppt/notesSlides/notesSlide4.xml><?xml version="1.0" encoding="utf-8"?>
+<p:notes xmlns:a="http://schemas.openxmlformats.org/drawingml/2006/main" xmlns:r="http://schemas.openxmlformats.org/officeDocument/2006/relationships" xmlns:p="http://schemas.openxmlformats.org/presentationml/2006/main">
+  <p:cSld>
+    <p:spTree>
+      <p:nvGrpSpPr>
+        <p:cNvPr id="1" name=""/>
+        <p:cNvGrpSpPr/>
+        <p:nvPr/>
+      </p:nvGrpSpPr>
+      <p:grpSpPr>
+        <a:xfrm>
+          <a:off x="0" y="0"/>
+          <a:ext cx="0" cy="0"/>
+          <a:chOff x="0" y="0"/>
+          <a:chExt cx="0" cy="0"/>
+        </a:xfrm>
+      </p:grpSpPr>
+      <p:sp>
+        <p:nvSpPr>
+          <p:cNvPr id="2" name="Platshållare för bildobjekt 1"/>
+          <p:cNvSpPr>
+            <a:spLocks noGrp="1" noRot="1" noChangeAspect="1"/>
+          </p:cNvSpPr>
+          <p:nvPr>
+            <p:ph type="sldImg"/>
+          </p:nvPr>
+        </p:nvSpPr>
+        <p:spPr/>
+      </p:sp>
+      <p:sp>
+        <p:nvSpPr>
+          <p:cNvPr id="3" name="Platshållare för anteckningar 2"/>
+          <p:cNvSpPr>
+            <a:spLocks noGrp="1"/>
+          </p:cNvSpPr>
+          <p:nvPr>
+            <p:ph type="body" idx="1"/>
+          </p:nvPr>
+        </p:nvSpPr>
+        <p:spPr/>
+        <p:txBody>
+          <a:bodyPr/>
+          <a:lstStyle/>
+          <a:p>
+            <a:r>
+              <a:rPr lang="en-US" dirty="0" smtClean="0"/>
+              <a:t>UserManager&lt;IdentityUser&gt; = handles the IdentityUser,</a:t>
+            </a:r>
+            <a:r>
+              <a:rPr lang="en-US" baseline="0" dirty="0" smtClean="0"/>
+              <a:t> CRUD</a:t>
+            </a:r>
+          </a:p>
+          <a:p>
+            <a:r>
+              <a:rPr lang="en-US" dirty="0" smtClean="0"/>
+              <a:t>UserStore&lt;IdentityUser&gt; = </a:t>
+            </a:r>
+            <a:r>
+              <a:rPr lang="en-US" sz="1200" b="0" i="0" kern="1200" dirty="0" smtClean="0">
+                <a:solidFill>
+                  <a:schemeClr val="tx1"/>
+                </a:solidFill>
+                <a:effectLst/>
+                <a:latin typeface="+mn-lt"/>
+                <a:ea typeface="+mn-ea"/>
+                <a:cs typeface="+mn-cs"/>
+              </a:rPr>
+              <a:t>commits changes to the database</a:t>
+            </a:r>
+            <a:endParaRPr lang="en-US" dirty="0"/>
+          </a:p>
+        </p:txBody>
+      </p:sp>
+      <p:sp>
+        <p:nvSpPr>
+          <p:cNvPr id="4" name="Platshållare för bildnummer 3"/>
+          <p:cNvSpPr>
+            <a:spLocks noGrp="1"/>
+          </p:cNvSpPr>
+          <p:nvPr>
+            <p:ph type="sldNum" sz="quarter" idx="10"/>
+          </p:nvPr>
+        </p:nvSpPr>
+        <p:spPr/>
+        <p:txBody>
+          <a:bodyPr/>
+          <a:lstStyle/>
+          <a:p>
+            <a:fld id="{9C98CF53-5E26-4422-B9D8-E9A5474C1FAF}" type="slidenum">
+              <a:rPr lang="sv-SE" smtClean="0"/>
+              <a:t>12</a:t>
+            </a:fld>
+            <a:endParaRPr lang="sv-SE"/>
+          </a:p>
+        </p:txBody>
+      </p:sp>
+    </p:spTree>
+    <p:extLst>
+      <p:ext uri="{BB962C8B-B14F-4D97-AF65-F5344CB8AC3E}">
+        <p14:creationId xmlns:p14="http://schemas.microsoft.com/office/powerpoint/2010/main" val="357328774"/>
+      </p:ext>
+    </p:extLst>
+  </p:cSld>
+  <p:clrMapOvr>
+    <a:masterClrMapping/>
+  </p:clrMapOvr>
+</p:notes>
+</file>
+
 <file path=ppt/slideLayouts/slideLayout1.xml><?xml version="1.0" encoding="utf-8"?>
 <p:sldLayout xmlns:a="http://schemas.openxmlformats.org/drawingml/2006/main" xmlns:r="http://schemas.openxmlformats.org/officeDocument/2006/relationships" xmlns:p="http://schemas.openxmlformats.org/presentationml/2006/main" type="title" preserve="1">
   <p:cSld name="Title Slide With Logo">
@@ -841,7 +1255,7 @@
           <a:p>
             <a:fld id="{DB41BBF1-8D56-4061-8DE2-461FDAC177EF}" type="datetimeFigureOut">
               <a:rPr lang="sv-SE" smtClean="0"/>
-              <a:t>2014-11-17</a:t>
+              <a:t>2014-11-18</a:t>
             </a:fld>
             <a:endParaRPr lang="sv-SE"/>
           </a:p>
@@ -1105,7 +1519,7 @@
           <a:p>
             <a:fld id="{DB41BBF1-8D56-4061-8DE2-461FDAC177EF}" type="datetimeFigureOut">
               <a:rPr lang="sv-SE" smtClean="0"/>
-              <a:t>2014-11-17</a:t>
+              <a:t>2014-11-18</a:t>
             </a:fld>
             <a:endParaRPr lang="sv-SE"/>
           </a:p>
@@ -1282,7 +1696,7 @@
           <a:p>
             <a:fld id="{DB41BBF1-8D56-4061-8DE2-461FDAC177EF}" type="datetimeFigureOut">
               <a:rPr lang="sv-SE" smtClean="0"/>
-              <a:t>2014-11-17</a:t>
+              <a:t>2014-11-18</a:t>
             </a:fld>
             <a:endParaRPr lang="sv-SE"/>
           </a:p>
@@ -1469,7 +1883,7 @@
           <a:p>
             <a:fld id="{DB41BBF1-8D56-4061-8DE2-461FDAC177EF}" type="datetimeFigureOut">
               <a:rPr lang="sv-SE" smtClean="0"/>
-              <a:t>2014-11-17</a:t>
+              <a:t>2014-11-18</a:t>
             </a:fld>
             <a:endParaRPr lang="sv-SE"/>
           </a:p>
@@ -1733,7 +2147,7 @@
           <a:p>
             <a:fld id="{DB41BBF1-8D56-4061-8DE2-461FDAC177EF}" type="datetimeFigureOut">
               <a:rPr lang="sv-SE" smtClean="0"/>
-              <a:t>2014-11-17</a:t>
+              <a:t>2014-11-18</a:t>
             </a:fld>
             <a:endParaRPr lang="sv-SE"/>
           </a:p>
@@ -1910,7 +2324,7 @@
           <a:p>
             <a:fld id="{DB41BBF1-8D56-4061-8DE2-461FDAC177EF}" type="datetimeFigureOut">
               <a:rPr lang="sv-SE" smtClean="0"/>
-              <a:t>2014-11-17</a:t>
+              <a:t>2014-11-18</a:t>
             </a:fld>
             <a:endParaRPr lang="sv-SE"/>
           </a:p>
@@ -2163,7 +2577,7 @@
           <a:p>
             <a:fld id="{DB41BBF1-8D56-4061-8DE2-461FDAC177EF}" type="datetimeFigureOut">
               <a:rPr lang="sv-SE" smtClean="0"/>
-              <a:t>2014-11-17</a:t>
+              <a:t>2014-11-18</a:t>
             </a:fld>
             <a:endParaRPr lang="sv-SE"/>
           </a:p>
@@ -2458,7 +2872,7 @@
           <a:p>
             <a:fld id="{DB41BBF1-8D56-4061-8DE2-461FDAC177EF}" type="datetimeFigureOut">
               <a:rPr lang="sv-SE" smtClean="0"/>
-              <a:t>2014-11-17</a:t>
+              <a:t>2014-11-18</a:t>
             </a:fld>
             <a:endParaRPr lang="sv-SE"/>
           </a:p>
@@ -2887,7 +3301,7 @@
           <a:p>
             <a:fld id="{DB41BBF1-8D56-4061-8DE2-461FDAC177EF}" type="datetimeFigureOut">
               <a:rPr lang="sv-SE" smtClean="0"/>
-              <a:t>2014-11-17</a:t>
+              <a:t>2014-11-18</a:t>
             </a:fld>
             <a:endParaRPr lang="sv-SE"/>
           </a:p>
@@ -3012,7 +3426,7 @@
           <a:p>
             <a:fld id="{DB41BBF1-8D56-4061-8DE2-461FDAC177EF}" type="datetimeFigureOut">
               <a:rPr lang="sv-SE" smtClean="0"/>
-              <a:t>2014-11-17</a:t>
+              <a:t>2014-11-18</a:t>
             </a:fld>
             <a:endParaRPr lang="sv-SE"/>
           </a:p>
@@ -3114,7 +3528,7 @@
           <a:p>
             <a:fld id="{DB41BBF1-8D56-4061-8DE2-461FDAC177EF}" type="datetimeFigureOut">
               <a:rPr lang="sv-SE" smtClean="0"/>
-              <a:t>2014-11-17</a:t>
+              <a:t>2014-11-18</a:t>
             </a:fld>
             <a:endParaRPr lang="sv-SE"/>
           </a:p>
@@ -3398,7 +3812,7 @@
           <a:p>
             <a:fld id="{DB41BBF1-8D56-4061-8DE2-461FDAC177EF}" type="datetimeFigureOut">
               <a:rPr lang="sv-SE" smtClean="0"/>
-              <a:t>2014-11-17</a:t>
+              <a:t>2014-11-18</a:t>
             </a:fld>
             <a:endParaRPr lang="sv-SE"/>
           </a:p>
@@ -3626,7 +4040,7 @@
           <a:p>
             <a:fld id="{DB41BBF1-8D56-4061-8DE2-461FDAC177EF}" type="datetimeFigureOut">
               <a:rPr lang="sv-SE" smtClean="0"/>
-              <a:t>2014-11-17</a:t>
+              <a:t>2014-11-18</a:t>
             </a:fld>
             <a:endParaRPr lang="sv-SE"/>
           </a:p>
@@ -4081,11 +4495,7 @@
           <a:p>
             <a:r>
               <a:rPr lang="en-US" sz="4500" dirty="0" smtClean="0"/>
-              <a:t>ASP.NET </a:t>
-            </a:r>
-            <a:r>
-              <a:rPr lang="en-US" sz="4500" dirty="0" smtClean="0"/>
-              <a:t>Identity</a:t>
+              <a:t>ASP.NET Identity</a:t>
             </a:r>
             <a:endParaRPr lang="en-US" sz="4500" dirty="0"/>
           </a:p>
@@ -4173,6 +4583,3409 @@
 </p:sld>
 </file>
 
+<file path=ppt/slides/slide10.xml><?xml version="1.0" encoding="utf-8"?>
+<p:sld xmlns:a="http://schemas.openxmlformats.org/drawingml/2006/main" xmlns:r="http://schemas.openxmlformats.org/officeDocument/2006/relationships" xmlns:p="http://schemas.openxmlformats.org/presentationml/2006/main">
+  <p:cSld>
+    <p:spTree>
+      <p:nvGrpSpPr>
+        <p:cNvPr id="1" name=""/>
+        <p:cNvGrpSpPr/>
+        <p:nvPr/>
+      </p:nvGrpSpPr>
+      <p:grpSpPr>
+        <a:xfrm>
+          <a:off x="0" y="0"/>
+          <a:ext cx="0" cy="0"/>
+          <a:chOff x="0" y="0"/>
+          <a:chExt cx="0" cy="0"/>
+        </a:xfrm>
+      </p:grpSpPr>
+      <p:sp>
+        <p:nvSpPr>
+          <p:cNvPr id="2" name="Rubrik 1"/>
+          <p:cNvSpPr>
+            <a:spLocks noGrp="1"/>
+          </p:cNvSpPr>
+          <p:nvPr>
+            <p:ph type="title"/>
+          </p:nvPr>
+        </p:nvSpPr>
+        <p:spPr/>
+        <p:txBody>
+          <a:bodyPr>
+            <a:normAutofit fontScale="90000"/>
+          </a:bodyPr>
+          <a:lstStyle/>
+          <a:p>
+            <a:r>
+              <a:rPr lang="en-US" sz="3200" b="1" dirty="0"/>
+              <a:t>ASP.NET Identity</a:t>
+            </a:r>
+            <a:endParaRPr lang="en-US" dirty="0"/>
+          </a:p>
+        </p:txBody>
+      </p:sp>
+      <p:pic>
+        <p:nvPicPr>
+          <p:cNvPr id="4" name="Platshållare för innehåll 3"/>
+          <p:cNvPicPr>
+            <a:picLocks noGrp="1" noChangeAspect="1"/>
+          </p:cNvPicPr>
+          <p:nvPr>
+            <p:ph idx="1"/>
+          </p:nvPr>
+        </p:nvPicPr>
+        <p:blipFill>
+          <a:blip r:embed="rId3">
+            <a:extLst>
+              <a:ext uri="{28A0092B-C50C-407E-A947-70E740481C1C}">
+                <a14:useLocalDpi xmlns:a14="http://schemas.microsoft.com/office/drawing/2010/main" val="0"/>
+              </a:ext>
+            </a:extLst>
+          </a:blip>
+          <a:stretch>
+            <a:fillRect/>
+          </a:stretch>
+        </p:blipFill>
+        <p:spPr>
+          <a:xfrm>
+            <a:off x="2281915" y="2653336"/>
+            <a:ext cx="3895272" cy="2935903"/>
+          </a:xfrm>
+        </p:spPr>
+      </p:pic>
+      <p:sp>
+        <p:nvSpPr>
+          <p:cNvPr id="6" name="textruta 5"/>
+          <p:cNvSpPr txBox="1"/>
+          <p:nvPr/>
+        </p:nvSpPr>
+        <p:spPr>
+          <a:xfrm>
+            <a:off x="1115616" y="1416342"/>
+            <a:ext cx="7416824" cy="1015663"/>
+          </a:xfrm>
+          <a:prstGeom prst="rect">
+            <a:avLst/>
+          </a:prstGeom>
+          <a:noFill/>
+        </p:spPr>
+        <p:txBody>
+          <a:bodyPr wrap="square" rtlCol="0">
+            <a:spAutoFit/>
+          </a:bodyPr>
+          <a:lstStyle/>
+          <a:p>
+            <a:r>
+              <a:rPr lang="en-US" sz="2000" dirty="0" smtClean="0"/>
+              <a:t>The table </a:t>
+            </a:r>
+            <a:r>
+              <a:rPr lang="en-US" sz="2000" dirty="0" err="1" smtClean="0"/>
+              <a:t>AspNetUsers</a:t>
+            </a:r>
+            <a:r>
+              <a:rPr lang="en-US" sz="2000" dirty="0" smtClean="0"/>
+              <a:t> contains several columns to handle a user</a:t>
+            </a:r>
+          </a:p>
+          <a:p>
+            <a:endParaRPr lang="en-US" sz="2000" dirty="0"/>
+          </a:p>
+          <a:p>
+            <a:r>
+              <a:rPr lang="en-US" sz="2000" dirty="0" smtClean="0"/>
+              <a:t>?? </a:t>
+            </a:r>
+            <a:r>
+              <a:rPr lang="en-US" sz="2000" dirty="0" err="1" smtClean="0"/>
+              <a:t>Fråga</a:t>
+            </a:r>
+            <a:r>
+              <a:rPr lang="en-US" sz="2000" dirty="0" smtClean="0"/>
+              <a:t> Tore</a:t>
+            </a:r>
+            <a:endParaRPr lang="en-US" sz="2000" dirty="0"/>
+          </a:p>
+        </p:txBody>
+      </p:sp>
+    </p:spTree>
+    <p:extLst>
+      <p:ext uri="{BB962C8B-B14F-4D97-AF65-F5344CB8AC3E}">
+        <p14:creationId xmlns:p14="http://schemas.microsoft.com/office/powerpoint/2010/main" val="2039107966"/>
+      </p:ext>
+    </p:extLst>
+  </p:cSld>
+  <p:clrMapOvr>
+    <a:masterClrMapping/>
+  </p:clrMapOvr>
+  <p:timing>
+    <p:tnLst>
+      <p:par>
+        <p:cTn id="1" dur="indefinite" restart="never" nodeType="tmRoot"/>
+      </p:par>
+    </p:tnLst>
+  </p:timing>
+</p:sld>
+</file>
+
+<file path=ppt/slides/slide11.xml><?xml version="1.0" encoding="utf-8"?>
+<p:sld xmlns:a="http://schemas.openxmlformats.org/drawingml/2006/main" xmlns:r="http://schemas.openxmlformats.org/officeDocument/2006/relationships" xmlns:p="http://schemas.openxmlformats.org/presentationml/2006/main">
+  <p:cSld>
+    <p:spTree>
+      <p:nvGrpSpPr>
+        <p:cNvPr id="1" name=""/>
+        <p:cNvGrpSpPr/>
+        <p:nvPr/>
+      </p:nvGrpSpPr>
+      <p:grpSpPr>
+        <a:xfrm>
+          <a:off x="0" y="0"/>
+          <a:ext cx="0" cy="0"/>
+          <a:chOff x="0" y="0"/>
+          <a:chExt cx="0" cy="0"/>
+        </a:xfrm>
+      </p:grpSpPr>
+      <p:sp>
+        <p:nvSpPr>
+          <p:cNvPr id="2" name="Rubrik 1"/>
+          <p:cNvSpPr>
+            <a:spLocks noGrp="1"/>
+          </p:cNvSpPr>
+          <p:nvPr>
+            <p:ph type="title"/>
+          </p:nvPr>
+        </p:nvSpPr>
+        <p:spPr/>
+        <p:txBody>
+          <a:bodyPr/>
+          <a:lstStyle/>
+          <a:p>
+            <a:r>
+              <a:rPr lang="en-US" sz="2800" b="1" dirty="0"/>
+              <a:t>ASP.NET Identity</a:t>
+            </a:r>
+            <a:endParaRPr lang="en-US" dirty="0"/>
+          </a:p>
+        </p:txBody>
+      </p:sp>
+      <p:sp>
+        <p:nvSpPr>
+          <p:cNvPr id="3" name="Platshållare för innehåll 2"/>
+          <p:cNvSpPr>
+            <a:spLocks noGrp="1"/>
+          </p:cNvSpPr>
+          <p:nvPr>
+            <p:ph idx="1"/>
+          </p:nvPr>
+        </p:nvSpPr>
+        <p:spPr>
+          <a:xfrm>
+            <a:off x="179512" y="1268760"/>
+            <a:ext cx="8802978" cy="4525963"/>
+          </a:xfrm>
+        </p:spPr>
+        <p:txBody>
+          <a:bodyPr/>
+          <a:lstStyle/>
+          <a:p>
+            <a:pPr marL="0" indent="0">
+              <a:buNone/>
+            </a:pPr>
+            <a:r>
+              <a:rPr lang="en-US" sz="2400" dirty="0" smtClean="0"/>
+              <a:t>We will now add logic to seed the database, which we do by creating a class that we will call </a:t>
+            </a:r>
+            <a:r>
+              <a:rPr lang="en-US" sz="2400" b="1" dirty="0" smtClean="0">
+                <a:solidFill>
+                  <a:srgbClr val="77933C"/>
+                </a:solidFill>
+              </a:rPr>
+              <a:t>ApplicationDbInitializer</a:t>
+            </a:r>
+            <a:r>
+              <a:rPr lang="en-US" sz="2400" b="1" dirty="0" smtClean="0">
+                <a:solidFill>
+                  <a:srgbClr val="92D050"/>
+                </a:solidFill>
+              </a:rPr>
+              <a:t> </a:t>
+            </a:r>
+            <a:r>
+              <a:rPr lang="en-US" sz="2400" dirty="0" smtClean="0"/>
+              <a:t>which inherits from the generic </a:t>
+            </a:r>
+            <a:r>
+              <a:rPr lang="en-US" sz="2400" b="1" dirty="0" smtClean="0">
+                <a:solidFill>
+                  <a:srgbClr val="77933C"/>
+                </a:solidFill>
+              </a:rPr>
+              <a:t>DropCreateDatabaseAlways</a:t>
+            </a:r>
+            <a:r>
+              <a:rPr lang="en-US" sz="2400" b="1" dirty="0" smtClean="0">
+                <a:solidFill>
+                  <a:srgbClr val="92D050"/>
+                </a:solidFill>
+              </a:rPr>
+              <a:t> </a:t>
+            </a:r>
+            <a:r>
+              <a:rPr lang="en-US" sz="2400" dirty="0" smtClean="0"/>
+              <a:t>class and will contain the seed method.</a:t>
+            </a:r>
+          </a:p>
+          <a:p>
+            <a:pPr marL="0" indent="0">
+              <a:buNone/>
+            </a:pPr>
+            <a:endParaRPr lang="en-US" sz="2400" dirty="0" smtClean="0"/>
+          </a:p>
+          <a:p>
+            <a:pPr marL="0" indent="0">
+              <a:buNone/>
+            </a:pPr>
+            <a:r>
+              <a:rPr lang="en-US" sz="2400" dirty="0" smtClean="0">
+                <a:solidFill>
+                  <a:srgbClr val="000000"/>
+                </a:solidFill>
+                <a:highlight>
+                  <a:srgbClr val="FFFFFF"/>
+                </a:highlight>
+                <a:latin typeface="Consolas" panose="020B0609020204030204" pitchFamily="49" charset="0"/>
+              </a:rPr>
+              <a:t>	</a:t>
+            </a:r>
+            <a:r>
+              <a:rPr lang="en-US" sz="1800" dirty="0" smtClean="0">
+                <a:solidFill>
+                  <a:srgbClr val="0000FF"/>
+                </a:solidFill>
+                <a:highlight>
+                  <a:srgbClr val="FFFFFF"/>
+                </a:highlight>
+                <a:latin typeface="Consolas" panose="020B0609020204030204" pitchFamily="49" charset="0"/>
+              </a:rPr>
+              <a:t>public</a:t>
+            </a:r>
+            <a:r>
+              <a:rPr lang="en-US" sz="1800" dirty="0" smtClean="0">
+                <a:solidFill>
+                  <a:srgbClr val="000000"/>
+                </a:solidFill>
+                <a:highlight>
+                  <a:srgbClr val="FFFFFF"/>
+                </a:highlight>
+                <a:latin typeface="Consolas" panose="020B0609020204030204" pitchFamily="49" charset="0"/>
+              </a:rPr>
+              <a:t> </a:t>
+            </a:r>
+            <a:r>
+              <a:rPr lang="en-US" sz="1800" dirty="0">
+                <a:solidFill>
+                  <a:srgbClr val="0000FF"/>
+                </a:solidFill>
+                <a:highlight>
+                  <a:srgbClr val="FFFFFF"/>
+                </a:highlight>
+                <a:latin typeface="Consolas" panose="020B0609020204030204" pitchFamily="49" charset="0"/>
+              </a:rPr>
+              <a:t>class</a:t>
+            </a:r>
+            <a:r>
+              <a:rPr lang="en-US" sz="1800" dirty="0">
+                <a:solidFill>
+                  <a:srgbClr val="000000"/>
+                </a:solidFill>
+                <a:highlight>
+                  <a:srgbClr val="FFFFFF"/>
+                </a:highlight>
+                <a:latin typeface="Consolas" panose="020B0609020204030204" pitchFamily="49" charset="0"/>
+              </a:rPr>
+              <a:t> </a:t>
+            </a:r>
+            <a:r>
+              <a:rPr lang="en-US" sz="1800" dirty="0">
+                <a:solidFill>
+                  <a:srgbClr val="2B91AF"/>
+                </a:solidFill>
+                <a:highlight>
+                  <a:srgbClr val="FFFFFF"/>
+                </a:highlight>
+                <a:latin typeface="Consolas" panose="020B0609020204030204" pitchFamily="49" charset="0"/>
+              </a:rPr>
+              <a:t>ApplicationDbInitializer</a:t>
+            </a:r>
+            <a:r>
+              <a:rPr lang="en-US" sz="1800" dirty="0">
+                <a:solidFill>
+                  <a:srgbClr val="000000"/>
+                </a:solidFill>
+                <a:highlight>
+                  <a:srgbClr val="FFFFFF"/>
+                </a:highlight>
+                <a:latin typeface="Consolas" panose="020B0609020204030204" pitchFamily="49" charset="0"/>
+              </a:rPr>
+              <a:t> : </a:t>
+            </a:r>
+            <a:r>
+              <a:rPr lang="en-US" sz="1800" dirty="0" smtClean="0">
+                <a:solidFill>
+                  <a:srgbClr val="000000"/>
+                </a:solidFill>
+                <a:highlight>
+                  <a:srgbClr val="FFFFFF"/>
+                </a:highlight>
+                <a:latin typeface="Consolas" panose="020B0609020204030204" pitchFamily="49" charset="0"/>
+              </a:rPr>
+              <a:t>	</a:t>
+            </a:r>
+            <a:r>
+              <a:rPr lang="en-US" sz="1800" dirty="0" smtClean="0">
+                <a:solidFill>
+                  <a:srgbClr val="2B91AF"/>
+                </a:solidFill>
+                <a:highlight>
+                  <a:srgbClr val="FFFFFF"/>
+                </a:highlight>
+                <a:latin typeface="Consolas" panose="020B0609020204030204" pitchFamily="49" charset="0"/>
+              </a:rPr>
+              <a:t>DropCreateDatabaseAlways</a:t>
+            </a:r>
+            <a:r>
+              <a:rPr lang="en-US" sz="1800" dirty="0" smtClean="0">
+                <a:solidFill>
+                  <a:srgbClr val="000000"/>
+                </a:solidFill>
+                <a:highlight>
+                  <a:srgbClr val="FFFFFF"/>
+                </a:highlight>
+                <a:latin typeface="Consolas" panose="020B0609020204030204" pitchFamily="49" charset="0"/>
+              </a:rPr>
+              <a:t>&lt;</a:t>
+            </a:r>
+            <a:r>
+              <a:rPr lang="en-US" sz="1800" dirty="0" smtClean="0">
+                <a:solidFill>
+                  <a:srgbClr val="2B91AF"/>
+                </a:solidFill>
+                <a:highlight>
+                  <a:srgbClr val="FFFFFF"/>
+                </a:highlight>
+                <a:latin typeface="Consolas" panose="020B0609020204030204" pitchFamily="49" charset="0"/>
+              </a:rPr>
+              <a:t>IdentityDbContext</a:t>
+            </a:r>
+            <a:r>
+              <a:rPr lang="en-US" sz="1800" dirty="0" smtClean="0">
+                <a:solidFill>
+                  <a:srgbClr val="000000"/>
+                </a:solidFill>
+                <a:highlight>
+                  <a:srgbClr val="FFFFFF"/>
+                </a:highlight>
+                <a:latin typeface="Consolas" panose="020B0609020204030204" pitchFamily="49" charset="0"/>
+              </a:rPr>
+              <a:t>&lt;</a:t>
+            </a:r>
+            <a:r>
+              <a:rPr lang="en-US" sz="1800" dirty="0" err="1" smtClean="0">
+                <a:solidFill>
+                  <a:srgbClr val="2B91AF"/>
+                </a:solidFill>
+                <a:highlight>
+                  <a:srgbClr val="FFFFFF"/>
+                </a:highlight>
+                <a:latin typeface="Consolas" panose="020B0609020204030204" pitchFamily="49" charset="0"/>
+              </a:rPr>
+              <a:t>IdentityUser</a:t>
+            </a:r>
+            <a:r>
+              <a:rPr lang="en-US" sz="1800" dirty="0" smtClean="0">
+                <a:solidFill>
+                  <a:srgbClr val="000000"/>
+                </a:solidFill>
+                <a:highlight>
+                  <a:srgbClr val="FFFFFF"/>
+                </a:highlight>
+                <a:latin typeface="Consolas" panose="020B0609020204030204" pitchFamily="49" charset="0"/>
+              </a:rPr>
+              <a:t>&gt;&gt;</a:t>
+            </a:r>
+          </a:p>
+          <a:p>
+            <a:pPr marL="0" indent="0">
+              <a:buNone/>
+            </a:pPr>
+            <a:r>
+              <a:rPr lang="en-US" sz="1800" b="1" dirty="0" smtClean="0">
+                <a:solidFill>
+                  <a:srgbClr val="000000"/>
+                </a:solidFill>
+                <a:highlight>
+                  <a:srgbClr val="FFFFFF"/>
+                </a:highlight>
+                <a:latin typeface="Consolas" panose="020B0609020204030204" pitchFamily="49" charset="0"/>
+              </a:rPr>
+              <a:t>	</a:t>
+            </a:r>
+            <a:endParaRPr lang="en-US" sz="1800" b="1" dirty="0"/>
+          </a:p>
+        </p:txBody>
+      </p:sp>
+    </p:spTree>
+    <p:extLst>
+      <p:ext uri="{BB962C8B-B14F-4D97-AF65-F5344CB8AC3E}">
+        <p14:creationId xmlns:p14="http://schemas.microsoft.com/office/powerpoint/2010/main" val="165042584"/>
+      </p:ext>
+    </p:extLst>
+  </p:cSld>
+  <p:clrMapOvr>
+    <a:masterClrMapping/>
+  </p:clrMapOvr>
+  <p:timing>
+    <p:tnLst>
+      <p:par>
+        <p:cTn id="1" dur="indefinite" restart="never" nodeType="tmRoot"/>
+      </p:par>
+    </p:tnLst>
+  </p:timing>
+</p:sld>
+</file>
+
+<file path=ppt/slides/slide12.xml><?xml version="1.0" encoding="utf-8"?>
+<p:sld xmlns:a="http://schemas.openxmlformats.org/drawingml/2006/main" xmlns:r="http://schemas.openxmlformats.org/officeDocument/2006/relationships" xmlns:p="http://schemas.openxmlformats.org/presentationml/2006/main">
+  <p:cSld>
+    <p:spTree>
+      <p:nvGrpSpPr>
+        <p:cNvPr id="1" name=""/>
+        <p:cNvGrpSpPr/>
+        <p:nvPr/>
+      </p:nvGrpSpPr>
+      <p:grpSpPr>
+        <a:xfrm>
+          <a:off x="0" y="0"/>
+          <a:ext cx="0" cy="0"/>
+          <a:chOff x="0" y="0"/>
+          <a:chExt cx="0" cy="0"/>
+        </a:xfrm>
+      </p:grpSpPr>
+      <p:sp>
+        <p:nvSpPr>
+          <p:cNvPr id="2" name="Rubrik 1"/>
+          <p:cNvSpPr>
+            <a:spLocks noGrp="1"/>
+          </p:cNvSpPr>
+          <p:nvPr>
+            <p:ph type="title"/>
+          </p:nvPr>
+        </p:nvSpPr>
+        <p:spPr/>
+        <p:txBody>
+          <a:bodyPr/>
+          <a:lstStyle/>
+          <a:p>
+            <a:r>
+              <a:rPr lang="en-US" sz="2800" b="1" dirty="0"/>
+              <a:t>ASP.NET Identity</a:t>
+            </a:r>
+            <a:endParaRPr lang="en-US" dirty="0"/>
+          </a:p>
+        </p:txBody>
+      </p:sp>
+      <p:sp>
+        <p:nvSpPr>
+          <p:cNvPr id="3" name="Platshållare för innehåll 2"/>
+          <p:cNvSpPr>
+            <a:spLocks noGrp="1"/>
+          </p:cNvSpPr>
+          <p:nvPr>
+            <p:ph idx="1"/>
+          </p:nvPr>
+        </p:nvSpPr>
+        <p:spPr>
+          <a:xfrm>
+            <a:off x="215516" y="2204864"/>
+            <a:ext cx="8712968" cy="3672408"/>
+          </a:xfrm>
+        </p:spPr>
+        <p:txBody>
+          <a:bodyPr>
+            <a:normAutofit fontScale="25000" lnSpcReduction="20000"/>
+          </a:bodyPr>
+          <a:lstStyle/>
+          <a:p>
+            <a:pPr marL="0" indent="0">
+              <a:buNone/>
+            </a:pPr>
+            <a:endParaRPr lang="en-US" sz="3500" dirty="0"/>
+          </a:p>
+          <a:p>
+            <a:pPr marL="0" indent="0">
+              <a:buNone/>
+            </a:pPr>
+            <a:r>
+              <a:rPr lang="en-US" sz="4800" dirty="0">
+                <a:solidFill>
+                  <a:srgbClr val="0000FF"/>
+                </a:solidFill>
+                <a:highlight>
+                  <a:srgbClr val="FFFFFF"/>
+                </a:highlight>
+                <a:latin typeface="Consolas" panose="020B0609020204030204" pitchFamily="49" charset="0"/>
+              </a:rPr>
+              <a:t> </a:t>
+            </a:r>
+            <a:r>
+              <a:rPr lang="en-US" sz="4800" dirty="0" smtClean="0">
+                <a:solidFill>
+                  <a:srgbClr val="0000FF"/>
+                </a:solidFill>
+                <a:highlight>
+                  <a:srgbClr val="FFFFFF"/>
+                </a:highlight>
+                <a:latin typeface="Consolas" panose="020B0609020204030204" pitchFamily="49" charset="0"/>
+              </a:rPr>
+              <a:t>       protected</a:t>
+            </a:r>
+            <a:r>
+              <a:rPr lang="en-US" sz="4800" dirty="0" smtClean="0">
+                <a:solidFill>
+                  <a:srgbClr val="000000"/>
+                </a:solidFill>
+                <a:highlight>
+                  <a:srgbClr val="FFFFFF"/>
+                </a:highlight>
+                <a:latin typeface="Consolas" panose="020B0609020204030204" pitchFamily="49" charset="0"/>
+              </a:rPr>
+              <a:t> </a:t>
+            </a:r>
+            <a:r>
+              <a:rPr lang="en-US" sz="4800" dirty="0">
+                <a:solidFill>
+                  <a:srgbClr val="0000FF"/>
+                </a:solidFill>
+                <a:highlight>
+                  <a:srgbClr val="FFFFFF"/>
+                </a:highlight>
+                <a:latin typeface="Consolas" panose="020B0609020204030204" pitchFamily="49" charset="0"/>
+              </a:rPr>
+              <a:t>override</a:t>
+            </a:r>
+            <a:r>
+              <a:rPr lang="en-US" sz="4800" dirty="0">
+                <a:solidFill>
+                  <a:srgbClr val="000000"/>
+                </a:solidFill>
+                <a:highlight>
+                  <a:srgbClr val="FFFFFF"/>
+                </a:highlight>
+                <a:latin typeface="Consolas" panose="020B0609020204030204" pitchFamily="49" charset="0"/>
+              </a:rPr>
+              <a:t> </a:t>
+            </a:r>
+            <a:r>
+              <a:rPr lang="en-US" sz="4800" dirty="0">
+                <a:solidFill>
+                  <a:srgbClr val="0000FF"/>
+                </a:solidFill>
+                <a:highlight>
+                  <a:srgbClr val="FFFFFF"/>
+                </a:highlight>
+                <a:latin typeface="Consolas" panose="020B0609020204030204" pitchFamily="49" charset="0"/>
+              </a:rPr>
+              <a:t>void</a:t>
+            </a:r>
+            <a:r>
+              <a:rPr lang="en-US" sz="4800" dirty="0">
+                <a:solidFill>
+                  <a:srgbClr val="000000"/>
+                </a:solidFill>
+                <a:highlight>
+                  <a:srgbClr val="FFFFFF"/>
+                </a:highlight>
+                <a:latin typeface="Consolas" panose="020B0609020204030204" pitchFamily="49" charset="0"/>
+              </a:rPr>
+              <a:t> Seed(</a:t>
+            </a:r>
+            <a:r>
+              <a:rPr lang="en-US" sz="4800" dirty="0">
+                <a:solidFill>
+                  <a:srgbClr val="2B91AF"/>
+                </a:solidFill>
+                <a:highlight>
+                  <a:srgbClr val="FFFFFF"/>
+                </a:highlight>
+                <a:latin typeface="Consolas" panose="020B0609020204030204" pitchFamily="49" charset="0"/>
+              </a:rPr>
+              <a:t>IdentityDbContext</a:t>
+            </a:r>
+            <a:r>
+              <a:rPr lang="en-US" sz="4800" dirty="0">
+                <a:solidFill>
+                  <a:srgbClr val="000000"/>
+                </a:solidFill>
+                <a:highlight>
+                  <a:srgbClr val="FFFFFF"/>
+                </a:highlight>
+                <a:latin typeface="Consolas" panose="020B0609020204030204" pitchFamily="49" charset="0"/>
+              </a:rPr>
+              <a:t>&lt;</a:t>
+            </a:r>
+            <a:r>
+              <a:rPr lang="en-US" sz="4800" dirty="0">
+                <a:solidFill>
+                  <a:srgbClr val="2B91AF"/>
+                </a:solidFill>
+                <a:highlight>
+                  <a:srgbClr val="FFFFFF"/>
+                </a:highlight>
+                <a:latin typeface="Consolas" panose="020B0609020204030204" pitchFamily="49" charset="0"/>
+              </a:rPr>
+              <a:t>IdentityUser</a:t>
+            </a:r>
+            <a:r>
+              <a:rPr lang="en-US" sz="4800" dirty="0">
+                <a:solidFill>
+                  <a:srgbClr val="000000"/>
+                </a:solidFill>
+                <a:highlight>
+                  <a:srgbClr val="FFFFFF"/>
+                </a:highlight>
+                <a:latin typeface="Consolas" panose="020B0609020204030204" pitchFamily="49" charset="0"/>
+              </a:rPr>
+              <a:t>&gt; context)</a:t>
+            </a:r>
+          </a:p>
+          <a:p>
+            <a:pPr marL="0" indent="0">
+              <a:buNone/>
+            </a:pPr>
+            <a:r>
+              <a:rPr lang="en-US" sz="4800" dirty="0">
+                <a:solidFill>
+                  <a:srgbClr val="000000"/>
+                </a:solidFill>
+                <a:highlight>
+                  <a:srgbClr val="FFFFFF"/>
+                </a:highlight>
+                <a:latin typeface="Consolas" panose="020B0609020204030204" pitchFamily="49" charset="0"/>
+              </a:rPr>
+              <a:t>        {</a:t>
+            </a:r>
+          </a:p>
+          <a:p>
+            <a:pPr marL="0" indent="0">
+              <a:buNone/>
+            </a:pPr>
+            <a:r>
+              <a:rPr lang="en-US" sz="4800" dirty="0">
+                <a:solidFill>
+                  <a:srgbClr val="000000"/>
+                </a:solidFill>
+                <a:highlight>
+                  <a:srgbClr val="FFFFFF"/>
+                </a:highlight>
+                <a:latin typeface="Consolas" panose="020B0609020204030204" pitchFamily="49" charset="0"/>
+              </a:rPr>
+              <a:t>            </a:t>
+            </a:r>
+            <a:r>
+              <a:rPr lang="en-US" sz="4800" dirty="0">
+                <a:solidFill>
+                  <a:srgbClr val="0000FF"/>
+                </a:solidFill>
+                <a:highlight>
+                  <a:srgbClr val="FFFFFF"/>
+                </a:highlight>
+                <a:latin typeface="Consolas" panose="020B0609020204030204" pitchFamily="49" charset="0"/>
+              </a:rPr>
+              <a:t>var</a:t>
+            </a:r>
+            <a:r>
+              <a:rPr lang="en-US" sz="4800" dirty="0">
+                <a:solidFill>
+                  <a:srgbClr val="000000"/>
+                </a:solidFill>
+                <a:highlight>
+                  <a:srgbClr val="FFFFFF"/>
+                </a:highlight>
+                <a:latin typeface="Consolas" panose="020B0609020204030204" pitchFamily="49" charset="0"/>
+              </a:rPr>
+              <a:t> </a:t>
+            </a:r>
+            <a:r>
+              <a:rPr lang="en-US" sz="4800" dirty="0" err="1">
+                <a:solidFill>
+                  <a:srgbClr val="000000"/>
+                </a:solidFill>
+                <a:highlight>
+                  <a:srgbClr val="FFFFFF"/>
+                </a:highlight>
+                <a:latin typeface="Consolas" panose="020B0609020204030204" pitchFamily="49" charset="0"/>
+              </a:rPr>
+              <a:t>usermanager</a:t>
+            </a:r>
+            <a:r>
+              <a:rPr lang="en-US" sz="4800" dirty="0">
+                <a:solidFill>
+                  <a:srgbClr val="000000"/>
+                </a:solidFill>
+                <a:highlight>
+                  <a:srgbClr val="FFFFFF"/>
+                </a:highlight>
+                <a:latin typeface="Consolas" panose="020B0609020204030204" pitchFamily="49" charset="0"/>
+              </a:rPr>
+              <a:t> = </a:t>
+            </a:r>
+            <a:r>
+              <a:rPr lang="en-US" sz="4800" dirty="0">
+                <a:solidFill>
+                  <a:srgbClr val="0000FF"/>
+                </a:solidFill>
+                <a:highlight>
+                  <a:srgbClr val="FFFFFF"/>
+                </a:highlight>
+                <a:latin typeface="Consolas" panose="020B0609020204030204" pitchFamily="49" charset="0"/>
+              </a:rPr>
+              <a:t>new</a:t>
+            </a:r>
+            <a:r>
+              <a:rPr lang="en-US" sz="4800" dirty="0">
+                <a:solidFill>
+                  <a:srgbClr val="000000"/>
+                </a:solidFill>
+                <a:highlight>
+                  <a:srgbClr val="FFFFFF"/>
+                </a:highlight>
+                <a:latin typeface="Consolas" panose="020B0609020204030204" pitchFamily="49" charset="0"/>
+              </a:rPr>
+              <a:t> </a:t>
+            </a:r>
+            <a:r>
+              <a:rPr lang="en-US" sz="4800" dirty="0">
+                <a:solidFill>
+                  <a:srgbClr val="2B91AF"/>
+                </a:solidFill>
+                <a:highlight>
+                  <a:srgbClr val="FFFFFF"/>
+                </a:highlight>
+                <a:latin typeface="Consolas" panose="020B0609020204030204" pitchFamily="49" charset="0"/>
+              </a:rPr>
+              <a:t>UserManager</a:t>
+            </a:r>
+            <a:r>
+              <a:rPr lang="en-US" sz="4800" dirty="0">
+                <a:solidFill>
+                  <a:srgbClr val="000000"/>
+                </a:solidFill>
+                <a:highlight>
+                  <a:srgbClr val="FFFFFF"/>
+                </a:highlight>
+                <a:latin typeface="Consolas" panose="020B0609020204030204" pitchFamily="49" charset="0"/>
+              </a:rPr>
+              <a:t>&lt;</a:t>
+            </a:r>
+            <a:r>
+              <a:rPr lang="en-US" sz="4800" dirty="0">
+                <a:solidFill>
+                  <a:srgbClr val="2B91AF"/>
+                </a:solidFill>
+                <a:highlight>
+                  <a:srgbClr val="FFFFFF"/>
+                </a:highlight>
+                <a:latin typeface="Consolas" panose="020B0609020204030204" pitchFamily="49" charset="0"/>
+              </a:rPr>
+              <a:t>IdentityUser</a:t>
+            </a:r>
+            <a:r>
+              <a:rPr lang="en-US" sz="4800" dirty="0">
+                <a:solidFill>
+                  <a:srgbClr val="000000"/>
+                </a:solidFill>
+                <a:highlight>
+                  <a:srgbClr val="FFFFFF"/>
+                </a:highlight>
+                <a:latin typeface="Consolas" panose="020B0609020204030204" pitchFamily="49" charset="0"/>
+              </a:rPr>
+              <a:t>&gt;(</a:t>
+            </a:r>
+            <a:r>
+              <a:rPr lang="en-US" sz="4800" dirty="0">
+                <a:solidFill>
+                  <a:srgbClr val="0000FF"/>
+                </a:solidFill>
+                <a:highlight>
+                  <a:srgbClr val="FFFFFF"/>
+                </a:highlight>
+                <a:latin typeface="Consolas" panose="020B0609020204030204" pitchFamily="49" charset="0"/>
+              </a:rPr>
+              <a:t>new</a:t>
+            </a:r>
+            <a:r>
+              <a:rPr lang="en-US" sz="4800" dirty="0">
+                <a:solidFill>
+                  <a:srgbClr val="000000"/>
+                </a:solidFill>
+                <a:highlight>
+                  <a:srgbClr val="FFFFFF"/>
+                </a:highlight>
+                <a:latin typeface="Consolas" panose="020B0609020204030204" pitchFamily="49" charset="0"/>
+              </a:rPr>
+              <a:t> </a:t>
+            </a:r>
+            <a:r>
+              <a:rPr lang="en-US" sz="4800" dirty="0">
+                <a:solidFill>
+                  <a:srgbClr val="2B91AF"/>
+                </a:solidFill>
+                <a:highlight>
+                  <a:srgbClr val="FFFFFF"/>
+                </a:highlight>
+                <a:latin typeface="Consolas" panose="020B0609020204030204" pitchFamily="49" charset="0"/>
+              </a:rPr>
+              <a:t>UserStore</a:t>
+            </a:r>
+            <a:r>
+              <a:rPr lang="en-US" sz="4800" dirty="0">
+                <a:solidFill>
+                  <a:srgbClr val="000000"/>
+                </a:solidFill>
+                <a:highlight>
+                  <a:srgbClr val="FFFFFF"/>
+                </a:highlight>
+                <a:latin typeface="Consolas" panose="020B0609020204030204" pitchFamily="49" charset="0"/>
+              </a:rPr>
+              <a:t>&lt;</a:t>
+            </a:r>
+            <a:r>
+              <a:rPr lang="en-US" sz="4800" dirty="0">
+                <a:solidFill>
+                  <a:srgbClr val="2B91AF"/>
+                </a:solidFill>
+                <a:highlight>
+                  <a:srgbClr val="FFFFFF"/>
+                </a:highlight>
+                <a:latin typeface="Consolas" panose="020B0609020204030204" pitchFamily="49" charset="0"/>
+              </a:rPr>
+              <a:t>IdentityUser</a:t>
+            </a:r>
+            <a:r>
+              <a:rPr lang="en-US" sz="4800" dirty="0">
+                <a:solidFill>
+                  <a:srgbClr val="000000"/>
+                </a:solidFill>
+                <a:highlight>
+                  <a:srgbClr val="FFFFFF"/>
+                </a:highlight>
+                <a:latin typeface="Consolas" panose="020B0609020204030204" pitchFamily="49" charset="0"/>
+              </a:rPr>
+              <a:t>&gt;(</a:t>
+            </a:r>
+            <a:r>
+              <a:rPr lang="en-US" sz="4800" dirty="0">
+                <a:solidFill>
+                  <a:srgbClr val="0000FF"/>
+                </a:solidFill>
+                <a:highlight>
+                  <a:srgbClr val="FFFFFF"/>
+                </a:highlight>
+                <a:latin typeface="Consolas" panose="020B0609020204030204" pitchFamily="49" charset="0"/>
+              </a:rPr>
+              <a:t>new</a:t>
+            </a:r>
+            <a:r>
+              <a:rPr lang="en-US" sz="4800" dirty="0">
+                <a:solidFill>
+                  <a:srgbClr val="000000"/>
+                </a:solidFill>
+                <a:highlight>
+                  <a:srgbClr val="FFFFFF"/>
+                </a:highlight>
+                <a:latin typeface="Consolas" panose="020B0609020204030204" pitchFamily="49" charset="0"/>
+              </a:rPr>
+              <a:t> </a:t>
+            </a:r>
+            <a:r>
+              <a:rPr lang="en-US" sz="4800" dirty="0" smtClean="0">
+                <a:solidFill>
+                  <a:srgbClr val="000000"/>
+                </a:solidFill>
+                <a:highlight>
+                  <a:srgbClr val="FFFFFF"/>
+                </a:highlight>
+                <a:latin typeface="Consolas" panose="020B0609020204030204" pitchFamily="49" charset="0"/>
+              </a:rPr>
+              <a:t>	    	  </a:t>
+            </a:r>
+            <a:r>
+              <a:rPr lang="en-US" sz="4800" dirty="0" smtClean="0">
+                <a:solidFill>
+                  <a:srgbClr val="2B91AF"/>
+                </a:solidFill>
+                <a:highlight>
+                  <a:srgbClr val="FFFFFF"/>
+                </a:highlight>
+                <a:latin typeface="Consolas" panose="020B0609020204030204" pitchFamily="49" charset="0"/>
+              </a:rPr>
+              <a:t>IdentityDbContext</a:t>
+            </a:r>
+            <a:r>
+              <a:rPr lang="en-US" sz="4800" dirty="0" smtClean="0">
+                <a:solidFill>
+                  <a:srgbClr val="000000"/>
+                </a:solidFill>
+                <a:highlight>
+                  <a:srgbClr val="FFFFFF"/>
+                </a:highlight>
+                <a:latin typeface="Consolas" panose="020B0609020204030204" pitchFamily="49" charset="0"/>
+              </a:rPr>
+              <a:t>&lt;</a:t>
+            </a:r>
+            <a:r>
+              <a:rPr lang="en-US" sz="4800" dirty="0" smtClean="0">
+                <a:solidFill>
+                  <a:srgbClr val="2B91AF"/>
+                </a:solidFill>
+                <a:highlight>
+                  <a:srgbClr val="FFFFFF"/>
+                </a:highlight>
+                <a:latin typeface="Consolas" panose="020B0609020204030204" pitchFamily="49" charset="0"/>
+              </a:rPr>
+              <a:t>IdentityUser</a:t>
+            </a:r>
+            <a:r>
+              <a:rPr lang="en-US" sz="4800" dirty="0">
+                <a:solidFill>
+                  <a:srgbClr val="000000"/>
+                </a:solidFill>
+                <a:highlight>
+                  <a:srgbClr val="FFFFFF"/>
+                </a:highlight>
+                <a:latin typeface="Consolas" panose="020B0609020204030204" pitchFamily="49" charset="0"/>
+              </a:rPr>
+              <a:t>&gt;()));</a:t>
+            </a:r>
+          </a:p>
+          <a:p>
+            <a:endParaRPr lang="en-US" sz="4800" dirty="0">
+              <a:solidFill>
+                <a:srgbClr val="000000"/>
+              </a:solidFill>
+              <a:highlight>
+                <a:srgbClr val="FFFFFF"/>
+              </a:highlight>
+              <a:latin typeface="Consolas" panose="020B0609020204030204" pitchFamily="49" charset="0"/>
+            </a:endParaRPr>
+          </a:p>
+          <a:p>
+            <a:pPr marL="0" indent="0">
+              <a:buNone/>
+            </a:pPr>
+            <a:r>
+              <a:rPr lang="en-US" sz="4800" dirty="0">
+                <a:solidFill>
+                  <a:srgbClr val="000000"/>
+                </a:solidFill>
+                <a:highlight>
+                  <a:srgbClr val="FFFFFF"/>
+                </a:highlight>
+                <a:latin typeface="Consolas" panose="020B0609020204030204" pitchFamily="49" charset="0"/>
+              </a:rPr>
+              <a:t>            </a:t>
+            </a:r>
+            <a:r>
+              <a:rPr lang="en-US" sz="4800" dirty="0">
+                <a:solidFill>
+                  <a:srgbClr val="0000FF"/>
+                </a:solidFill>
+                <a:highlight>
+                  <a:srgbClr val="FFFFFF"/>
+                </a:highlight>
+                <a:latin typeface="Consolas" panose="020B0609020204030204" pitchFamily="49" charset="0"/>
+              </a:rPr>
+              <a:t>for</a:t>
+            </a:r>
+            <a:r>
+              <a:rPr lang="en-US" sz="4800" dirty="0">
+                <a:solidFill>
+                  <a:srgbClr val="000000"/>
+                </a:solidFill>
+                <a:highlight>
+                  <a:srgbClr val="FFFFFF"/>
+                </a:highlight>
+                <a:latin typeface="Consolas" panose="020B0609020204030204" pitchFamily="49" charset="0"/>
+              </a:rPr>
+              <a:t> (</a:t>
+            </a:r>
+            <a:r>
+              <a:rPr lang="en-US" sz="4800" dirty="0">
+                <a:solidFill>
+                  <a:srgbClr val="0000FF"/>
+                </a:solidFill>
+                <a:highlight>
+                  <a:srgbClr val="FFFFFF"/>
+                </a:highlight>
+                <a:latin typeface="Consolas" panose="020B0609020204030204" pitchFamily="49" charset="0"/>
+              </a:rPr>
+              <a:t>int</a:t>
+            </a:r>
+            <a:r>
+              <a:rPr lang="en-US" sz="4800" dirty="0">
+                <a:solidFill>
+                  <a:srgbClr val="000000"/>
+                </a:solidFill>
+                <a:highlight>
+                  <a:srgbClr val="FFFFFF"/>
+                </a:highlight>
+                <a:latin typeface="Consolas" panose="020B0609020204030204" pitchFamily="49" charset="0"/>
+              </a:rPr>
+              <a:t> j = 0; j &lt; 10; j++)</a:t>
+            </a:r>
+          </a:p>
+          <a:p>
+            <a:pPr marL="0" indent="0">
+              <a:buNone/>
+            </a:pPr>
+            <a:r>
+              <a:rPr lang="en-US" sz="4800" dirty="0">
+                <a:solidFill>
+                  <a:srgbClr val="000000"/>
+                </a:solidFill>
+                <a:highlight>
+                  <a:srgbClr val="FFFFFF"/>
+                </a:highlight>
+                <a:latin typeface="Consolas" panose="020B0609020204030204" pitchFamily="49" charset="0"/>
+              </a:rPr>
+              <a:t>            {</a:t>
+            </a:r>
+          </a:p>
+          <a:p>
+            <a:pPr marL="0" indent="0">
+              <a:buNone/>
+            </a:pPr>
+            <a:r>
+              <a:rPr lang="nn-NO" sz="4800" dirty="0">
+                <a:solidFill>
+                  <a:srgbClr val="000000"/>
+                </a:solidFill>
+                <a:highlight>
+                  <a:srgbClr val="FFFFFF"/>
+                </a:highlight>
+                <a:latin typeface="Consolas" panose="020B0609020204030204" pitchFamily="49" charset="0"/>
+              </a:rPr>
+              <a:t>                </a:t>
+            </a:r>
+            <a:r>
+              <a:rPr lang="nn-NO" sz="4800" dirty="0">
+                <a:solidFill>
+                  <a:srgbClr val="0000FF"/>
+                </a:solidFill>
+                <a:highlight>
+                  <a:srgbClr val="FFFFFF"/>
+                </a:highlight>
+                <a:latin typeface="Consolas" panose="020B0609020204030204" pitchFamily="49" charset="0"/>
+              </a:rPr>
+              <a:t>for</a:t>
+            </a:r>
+            <a:r>
+              <a:rPr lang="nn-NO" sz="4800" dirty="0">
+                <a:solidFill>
+                  <a:srgbClr val="000000"/>
+                </a:solidFill>
+                <a:highlight>
+                  <a:srgbClr val="FFFFFF"/>
+                </a:highlight>
+                <a:latin typeface="Consolas" panose="020B0609020204030204" pitchFamily="49" charset="0"/>
+              </a:rPr>
+              <a:t> (</a:t>
+            </a:r>
+            <a:r>
+              <a:rPr lang="nn-NO" sz="4800" dirty="0">
+                <a:solidFill>
+                  <a:srgbClr val="0000FF"/>
+                </a:solidFill>
+                <a:highlight>
+                  <a:srgbClr val="FFFFFF"/>
+                </a:highlight>
+                <a:latin typeface="Consolas" panose="020B0609020204030204" pitchFamily="49" charset="0"/>
+              </a:rPr>
+              <a:t>int</a:t>
+            </a:r>
+            <a:r>
+              <a:rPr lang="nn-NO" sz="4800" dirty="0">
+                <a:solidFill>
+                  <a:srgbClr val="000000"/>
+                </a:solidFill>
+                <a:highlight>
+                  <a:srgbClr val="FFFFFF"/>
+                </a:highlight>
+                <a:latin typeface="Consolas" panose="020B0609020204030204" pitchFamily="49" charset="0"/>
+              </a:rPr>
+              <a:t> i = 0; i &lt; 10; i++)</a:t>
+            </a:r>
+          </a:p>
+          <a:p>
+            <a:pPr marL="0" indent="0">
+              <a:buNone/>
+            </a:pPr>
+            <a:r>
+              <a:rPr lang="en-US" sz="4800" dirty="0">
+                <a:solidFill>
+                  <a:srgbClr val="000000"/>
+                </a:solidFill>
+                <a:highlight>
+                  <a:srgbClr val="FFFFFF"/>
+                </a:highlight>
+                <a:latin typeface="Consolas" panose="020B0609020204030204" pitchFamily="49" charset="0"/>
+              </a:rPr>
+              <a:t>                {</a:t>
+            </a:r>
+          </a:p>
+          <a:p>
+            <a:pPr marL="0" indent="0">
+              <a:buNone/>
+            </a:pPr>
+            <a:r>
+              <a:rPr lang="en-US" sz="4800" dirty="0">
+                <a:solidFill>
+                  <a:srgbClr val="000000"/>
+                </a:solidFill>
+                <a:highlight>
+                  <a:srgbClr val="FFFFFF"/>
+                </a:highlight>
+                <a:latin typeface="Consolas" panose="020B0609020204030204" pitchFamily="49" charset="0"/>
+              </a:rPr>
+              <a:t>                    </a:t>
+            </a:r>
+            <a:r>
+              <a:rPr lang="en-US" sz="4800" dirty="0">
+                <a:solidFill>
+                  <a:srgbClr val="0000FF"/>
+                </a:solidFill>
+                <a:highlight>
+                  <a:srgbClr val="FFFFFF"/>
+                </a:highlight>
+                <a:latin typeface="Consolas" panose="020B0609020204030204" pitchFamily="49" charset="0"/>
+              </a:rPr>
+              <a:t>var</a:t>
+            </a:r>
+            <a:r>
+              <a:rPr lang="en-US" sz="4800" dirty="0">
+                <a:solidFill>
+                  <a:srgbClr val="000000"/>
+                </a:solidFill>
+                <a:highlight>
+                  <a:srgbClr val="FFFFFF"/>
+                </a:highlight>
+                <a:latin typeface="Consolas" panose="020B0609020204030204" pitchFamily="49" charset="0"/>
+              </a:rPr>
+              <a:t> email = </a:t>
+            </a:r>
+            <a:r>
+              <a:rPr lang="en-US" sz="4800" dirty="0">
+                <a:solidFill>
+                  <a:srgbClr val="A31515"/>
+                </a:solidFill>
+                <a:highlight>
+                  <a:srgbClr val="FFFFFF"/>
+                </a:highlight>
+                <a:latin typeface="Consolas" panose="020B0609020204030204" pitchFamily="49" charset="0"/>
+              </a:rPr>
+              <a:t>"user"</a:t>
+            </a:r>
+            <a:r>
+              <a:rPr lang="en-US" sz="4800" dirty="0">
+                <a:solidFill>
+                  <a:srgbClr val="000000"/>
+                </a:solidFill>
+                <a:highlight>
+                  <a:srgbClr val="FFFFFF"/>
+                </a:highlight>
+                <a:latin typeface="Consolas" panose="020B0609020204030204" pitchFamily="49" charset="0"/>
+              </a:rPr>
+              <a:t> + ((j * 100) + </a:t>
+            </a:r>
+            <a:r>
+              <a:rPr lang="en-US" sz="4800" dirty="0" err="1">
+                <a:solidFill>
+                  <a:srgbClr val="000000"/>
+                </a:solidFill>
+                <a:highlight>
+                  <a:srgbClr val="FFFFFF"/>
+                </a:highlight>
+                <a:latin typeface="Consolas" panose="020B0609020204030204" pitchFamily="49" charset="0"/>
+              </a:rPr>
+              <a:t>i</a:t>
+            </a:r>
+            <a:r>
+              <a:rPr lang="en-US" sz="4800" dirty="0">
+                <a:solidFill>
+                  <a:srgbClr val="000000"/>
+                </a:solidFill>
+                <a:highlight>
+                  <a:srgbClr val="FFFFFF"/>
+                </a:highlight>
+                <a:latin typeface="Consolas" panose="020B0609020204030204" pitchFamily="49" charset="0"/>
+              </a:rPr>
+              <a:t>) + </a:t>
+            </a:r>
+            <a:r>
+              <a:rPr lang="en-US" sz="4800" dirty="0">
+                <a:solidFill>
+                  <a:srgbClr val="A31515"/>
+                </a:solidFill>
+                <a:highlight>
+                  <a:srgbClr val="FFFFFF"/>
+                </a:highlight>
+                <a:latin typeface="Consolas" panose="020B0609020204030204" pitchFamily="49" charset="0"/>
+              </a:rPr>
+              <a:t>"@example.com"</a:t>
+            </a:r>
+            <a:r>
+              <a:rPr lang="en-US" sz="4800" dirty="0">
+                <a:solidFill>
+                  <a:srgbClr val="000000"/>
+                </a:solidFill>
+                <a:highlight>
+                  <a:srgbClr val="FFFFFF"/>
+                </a:highlight>
+                <a:latin typeface="Consolas" panose="020B0609020204030204" pitchFamily="49" charset="0"/>
+              </a:rPr>
+              <a:t>;</a:t>
+            </a:r>
+          </a:p>
+          <a:p>
+            <a:pPr marL="0" indent="0">
+              <a:buNone/>
+            </a:pPr>
+            <a:r>
+              <a:rPr lang="en-US" sz="4800" dirty="0">
+                <a:solidFill>
+                  <a:srgbClr val="000000"/>
+                </a:solidFill>
+                <a:highlight>
+                  <a:srgbClr val="FFFFFF"/>
+                </a:highlight>
+                <a:latin typeface="Consolas" panose="020B0609020204030204" pitchFamily="49" charset="0"/>
+              </a:rPr>
+              <a:t>               </a:t>
+            </a:r>
+            <a:r>
+              <a:rPr lang="en-US" sz="4800" dirty="0" smtClean="0">
+                <a:solidFill>
+                  <a:srgbClr val="000000"/>
+                </a:solidFill>
+                <a:highlight>
+                  <a:srgbClr val="FFFFFF"/>
+                </a:highlight>
+                <a:latin typeface="Consolas" panose="020B0609020204030204" pitchFamily="49" charset="0"/>
+              </a:rPr>
+              <a:t>     </a:t>
+            </a:r>
+            <a:r>
+              <a:rPr lang="en-US" sz="4800" dirty="0" smtClean="0">
+                <a:solidFill>
+                  <a:srgbClr val="0000FF"/>
+                </a:solidFill>
+                <a:highlight>
+                  <a:srgbClr val="FFFFFF"/>
+                </a:highlight>
+                <a:latin typeface="Consolas" panose="020B0609020204030204" pitchFamily="49" charset="0"/>
+              </a:rPr>
+              <a:t>string</a:t>
+            </a:r>
+            <a:r>
+              <a:rPr lang="en-US" sz="4800" dirty="0" smtClean="0">
+                <a:solidFill>
+                  <a:srgbClr val="000000"/>
+                </a:solidFill>
+                <a:highlight>
+                  <a:srgbClr val="FFFFFF"/>
+                </a:highlight>
+                <a:latin typeface="Consolas" panose="020B0609020204030204" pitchFamily="49" charset="0"/>
+              </a:rPr>
+              <a:t> </a:t>
+            </a:r>
+            <a:r>
+              <a:rPr lang="en-US" sz="4800" dirty="0">
+                <a:solidFill>
+                  <a:srgbClr val="000000"/>
+                </a:solidFill>
+                <a:highlight>
+                  <a:srgbClr val="FFFFFF"/>
+                </a:highlight>
+                <a:latin typeface="Consolas" panose="020B0609020204030204" pitchFamily="49" charset="0"/>
+              </a:rPr>
+              <a:t>phone = </a:t>
+            </a:r>
+            <a:r>
+              <a:rPr lang="en-US" sz="4800" dirty="0">
+                <a:solidFill>
+                  <a:srgbClr val="A31515"/>
+                </a:solidFill>
+                <a:highlight>
+                  <a:srgbClr val="FFFFFF"/>
+                </a:highlight>
+                <a:latin typeface="Consolas" panose="020B0609020204030204" pitchFamily="49" charset="0"/>
+              </a:rPr>
+              <a:t>"12345678"</a:t>
+            </a:r>
+            <a:r>
+              <a:rPr lang="en-US" sz="4800" dirty="0">
+                <a:solidFill>
+                  <a:srgbClr val="000000"/>
+                </a:solidFill>
+                <a:highlight>
+                  <a:srgbClr val="FFFFFF"/>
+                </a:highlight>
+                <a:latin typeface="Consolas" panose="020B0609020204030204" pitchFamily="49" charset="0"/>
+              </a:rPr>
+              <a:t> + (j * 100 + </a:t>
+            </a:r>
+            <a:r>
+              <a:rPr lang="en-US" sz="4800" dirty="0" err="1">
+                <a:solidFill>
+                  <a:srgbClr val="000000"/>
+                </a:solidFill>
+                <a:highlight>
+                  <a:srgbClr val="FFFFFF"/>
+                </a:highlight>
+                <a:latin typeface="Consolas" panose="020B0609020204030204" pitchFamily="49" charset="0"/>
+              </a:rPr>
+              <a:t>i</a:t>
+            </a:r>
+            <a:r>
+              <a:rPr lang="en-US" sz="4800" dirty="0">
+                <a:solidFill>
+                  <a:srgbClr val="000000"/>
+                </a:solidFill>
+                <a:highlight>
+                  <a:srgbClr val="FFFFFF"/>
+                </a:highlight>
+                <a:latin typeface="Consolas" panose="020B0609020204030204" pitchFamily="49" charset="0"/>
+              </a:rPr>
+              <a:t>);</a:t>
+            </a:r>
+          </a:p>
+          <a:p>
+            <a:pPr marL="0" indent="0">
+              <a:buNone/>
+            </a:pPr>
+            <a:r>
+              <a:rPr lang="en-US" sz="4800" dirty="0">
+                <a:solidFill>
+                  <a:srgbClr val="000000"/>
+                </a:solidFill>
+                <a:highlight>
+                  <a:srgbClr val="FFFFFF"/>
+                </a:highlight>
+                <a:latin typeface="Consolas" panose="020B0609020204030204" pitchFamily="49" charset="0"/>
+              </a:rPr>
+              <a:t>               </a:t>
+            </a:r>
+            <a:r>
+              <a:rPr lang="en-US" sz="4800" dirty="0" smtClean="0">
+                <a:solidFill>
+                  <a:srgbClr val="000000"/>
+                </a:solidFill>
+                <a:highlight>
+                  <a:srgbClr val="FFFFFF"/>
+                </a:highlight>
+                <a:latin typeface="Consolas" panose="020B0609020204030204" pitchFamily="49" charset="0"/>
+              </a:rPr>
+              <a:t>     </a:t>
+            </a:r>
+            <a:r>
+              <a:rPr lang="en-US" sz="4800" dirty="0" smtClean="0">
+                <a:solidFill>
+                  <a:srgbClr val="0000FF"/>
+                </a:solidFill>
+                <a:highlight>
+                  <a:srgbClr val="FFFFFF"/>
+                </a:highlight>
+                <a:latin typeface="Consolas" panose="020B0609020204030204" pitchFamily="49" charset="0"/>
+              </a:rPr>
+              <a:t>var</a:t>
+            </a:r>
+            <a:r>
+              <a:rPr lang="en-US" sz="4800" dirty="0" smtClean="0">
+                <a:solidFill>
+                  <a:srgbClr val="000000"/>
+                </a:solidFill>
+                <a:highlight>
+                  <a:srgbClr val="FFFFFF"/>
+                </a:highlight>
+                <a:latin typeface="Consolas" panose="020B0609020204030204" pitchFamily="49" charset="0"/>
+              </a:rPr>
+              <a:t> </a:t>
+            </a:r>
+            <a:r>
+              <a:rPr lang="en-US" sz="4800" dirty="0">
+                <a:solidFill>
+                  <a:srgbClr val="000000"/>
+                </a:solidFill>
+                <a:highlight>
+                  <a:srgbClr val="FFFFFF"/>
+                </a:highlight>
+                <a:latin typeface="Consolas" panose="020B0609020204030204" pitchFamily="49" charset="0"/>
+              </a:rPr>
+              <a:t>tempuser = </a:t>
+            </a:r>
+            <a:r>
+              <a:rPr lang="en-US" sz="4800" dirty="0">
+                <a:solidFill>
+                  <a:srgbClr val="0000FF"/>
+                </a:solidFill>
+                <a:highlight>
+                  <a:srgbClr val="FFFFFF"/>
+                </a:highlight>
+                <a:latin typeface="Consolas" panose="020B0609020204030204" pitchFamily="49" charset="0"/>
+              </a:rPr>
+              <a:t>new</a:t>
+            </a:r>
+            <a:r>
+              <a:rPr lang="en-US" sz="4800" dirty="0">
+                <a:solidFill>
+                  <a:srgbClr val="000000"/>
+                </a:solidFill>
+                <a:highlight>
+                  <a:srgbClr val="FFFFFF"/>
+                </a:highlight>
+                <a:latin typeface="Consolas" panose="020B0609020204030204" pitchFamily="49" charset="0"/>
+              </a:rPr>
+              <a:t> </a:t>
+            </a:r>
+            <a:r>
+              <a:rPr lang="en-US" sz="4800" dirty="0">
+                <a:solidFill>
+                  <a:srgbClr val="2B91AF"/>
+                </a:solidFill>
+                <a:highlight>
+                  <a:srgbClr val="FFFFFF"/>
+                </a:highlight>
+                <a:latin typeface="Consolas" panose="020B0609020204030204" pitchFamily="49" charset="0"/>
+              </a:rPr>
+              <a:t>IdentityUser</a:t>
+            </a:r>
+            <a:r>
+              <a:rPr lang="en-US" sz="4800" dirty="0" smtClean="0">
+                <a:solidFill>
+                  <a:srgbClr val="000000"/>
+                </a:solidFill>
+                <a:highlight>
+                  <a:srgbClr val="FFFFFF"/>
+                </a:highlight>
+                <a:latin typeface="Consolas" panose="020B0609020204030204" pitchFamily="49" charset="0"/>
+              </a:rPr>
+              <a:t>(){UserName=</a:t>
+            </a:r>
+            <a:r>
+              <a:rPr lang="en-US" sz="4800" dirty="0" err="1" smtClean="0">
+                <a:solidFill>
+                  <a:srgbClr val="000000"/>
+                </a:solidFill>
+                <a:highlight>
+                  <a:srgbClr val="FFFFFF"/>
+                </a:highlight>
+                <a:latin typeface="Consolas" panose="020B0609020204030204" pitchFamily="49" charset="0"/>
+              </a:rPr>
+              <a:t>email,Email</a:t>
+            </a:r>
+            <a:r>
+              <a:rPr lang="en-US" sz="4800" dirty="0" smtClean="0">
+                <a:solidFill>
+                  <a:srgbClr val="000000"/>
+                </a:solidFill>
+                <a:highlight>
+                  <a:srgbClr val="FFFFFF"/>
+                </a:highlight>
+                <a:latin typeface="Consolas" panose="020B0609020204030204" pitchFamily="49" charset="0"/>
+              </a:rPr>
+              <a:t>=</a:t>
+            </a:r>
+            <a:r>
+              <a:rPr lang="en-US" sz="4800" dirty="0" err="1" smtClean="0">
+                <a:solidFill>
+                  <a:srgbClr val="000000"/>
+                </a:solidFill>
+                <a:highlight>
+                  <a:srgbClr val="FFFFFF"/>
+                </a:highlight>
+                <a:latin typeface="Consolas" panose="020B0609020204030204" pitchFamily="49" charset="0"/>
+              </a:rPr>
+              <a:t>email,PhoneNumber</a:t>
+            </a:r>
+            <a:r>
+              <a:rPr lang="en-US" sz="4800" dirty="0" smtClean="0">
+                <a:solidFill>
+                  <a:srgbClr val="000000"/>
+                </a:solidFill>
+                <a:highlight>
+                  <a:srgbClr val="FFFFFF"/>
+                </a:highlight>
+                <a:latin typeface="Consolas" panose="020B0609020204030204" pitchFamily="49" charset="0"/>
+              </a:rPr>
+              <a:t>=phone};</a:t>
+            </a:r>
+            <a:endParaRPr lang="en-US" sz="4800" dirty="0">
+              <a:solidFill>
+                <a:srgbClr val="000000"/>
+              </a:solidFill>
+              <a:highlight>
+                <a:srgbClr val="FFFFFF"/>
+              </a:highlight>
+              <a:latin typeface="Consolas" panose="020B0609020204030204" pitchFamily="49" charset="0"/>
+            </a:endParaRPr>
+          </a:p>
+          <a:p>
+            <a:pPr marL="0" indent="0">
+              <a:buNone/>
+            </a:pPr>
+            <a:r>
+              <a:rPr lang="en-US" sz="4800" dirty="0">
+                <a:solidFill>
+                  <a:srgbClr val="000000"/>
+                </a:solidFill>
+                <a:highlight>
+                  <a:srgbClr val="FFFFFF"/>
+                </a:highlight>
+                <a:latin typeface="Consolas" panose="020B0609020204030204" pitchFamily="49" charset="0"/>
+              </a:rPr>
+              <a:t>                    </a:t>
+            </a:r>
+            <a:r>
+              <a:rPr lang="en-US" sz="4800" dirty="0" err="1">
+                <a:solidFill>
+                  <a:srgbClr val="000000"/>
+                </a:solidFill>
+                <a:highlight>
+                  <a:srgbClr val="FFFFFF"/>
+                </a:highlight>
+                <a:latin typeface="Consolas" panose="020B0609020204030204" pitchFamily="49" charset="0"/>
+              </a:rPr>
+              <a:t>usermanager.Create</a:t>
+            </a:r>
+            <a:r>
+              <a:rPr lang="en-US" sz="4800" dirty="0">
+                <a:solidFill>
+                  <a:srgbClr val="000000"/>
+                </a:solidFill>
+                <a:highlight>
+                  <a:srgbClr val="FFFFFF"/>
+                </a:highlight>
+                <a:latin typeface="Consolas" panose="020B0609020204030204" pitchFamily="49" charset="0"/>
+              </a:rPr>
+              <a:t>(</a:t>
+            </a:r>
+            <a:r>
+              <a:rPr lang="en-US" sz="4800" dirty="0" err="1">
+                <a:solidFill>
+                  <a:srgbClr val="000000"/>
+                </a:solidFill>
+                <a:highlight>
+                  <a:srgbClr val="FFFFFF"/>
+                </a:highlight>
+                <a:latin typeface="Consolas" panose="020B0609020204030204" pitchFamily="49" charset="0"/>
+              </a:rPr>
+              <a:t>tempuser</a:t>
+            </a:r>
+            <a:r>
+              <a:rPr lang="en-US" sz="4800" dirty="0">
+                <a:solidFill>
+                  <a:srgbClr val="000000"/>
+                </a:solidFill>
+                <a:highlight>
+                  <a:srgbClr val="FFFFFF"/>
+                </a:highlight>
+                <a:latin typeface="Consolas" panose="020B0609020204030204" pitchFamily="49" charset="0"/>
+              </a:rPr>
+              <a:t>, </a:t>
+            </a:r>
+            <a:r>
+              <a:rPr lang="en-US" sz="4800" dirty="0">
+                <a:solidFill>
+                  <a:srgbClr val="A31515"/>
+                </a:solidFill>
+                <a:highlight>
+                  <a:srgbClr val="FFFFFF"/>
+                </a:highlight>
+                <a:latin typeface="Consolas" panose="020B0609020204030204" pitchFamily="49" charset="0"/>
+              </a:rPr>
+              <a:t>"ASP+Rocks4U"</a:t>
+            </a:r>
+            <a:r>
+              <a:rPr lang="en-US" sz="4800" dirty="0">
+                <a:solidFill>
+                  <a:srgbClr val="000000"/>
+                </a:solidFill>
+                <a:highlight>
+                  <a:srgbClr val="FFFFFF"/>
+                </a:highlight>
+                <a:latin typeface="Consolas" panose="020B0609020204030204" pitchFamily="49" charset="0"/>
+              </a:rPr>
+              <a:t>);</a:t>
+            </a:r>
+          </a:p>
+          <a:p>
+            <a:pPr marL="0" indent="0">
+              <a:buNone/>
+            </a:pPr>
+            <a:r>
+              <a:rPr lang="en-US" sz="4800" dirty="0">
+                <a:solidFill>
+                  <a:srgbClr val="000000"/>
+                </a:solidFill>
+                <a:highlight>
+                  <a:srgbClr val="FFFFFF"/>
+                </a:highlight>
+                <a:latin typeface="Consolas" panose="020B0609020204030204" pitchFamily="49" charset="0"/>
+              </a:rPr>
+              <a:t>                }</a:t>
+            </a:r>
+          </a:p>
+          <a:p>
+            <a:pPr marL="0" indent="0">
+              <a:buNone/>
+            </a:pPr>
+            <a:r>
+              <a:rPr lang="en-US" sz="4800" dirty="0">
+                <a:solidFill>
+                  <a:srgbClr val="000000"/>
+                </a:solidFill>
+                <a:highlight>
+                  <a:srgbClr val="FFFFFF"/>
+                </a:highlight>
+                <a:latin typeface="Consolas" panose="020B0609020204030204" pitchFamily="49" charset="0"/>
+              </a:rPr>
+              <a:t>                </a:t>
+            </a:r>
+            <a:r>
+              <a:rPr lang="en-US" sz="4800" dirty="0">
+                <a:solidFill>
+                  <a:srgbClr val="0000FF"/>
+                </a:solidFill>
+                <a:highlight>
+                  <a:srgbClr val="FFFFFF"/>
+                </a:highlight>
+                <a:latin typeface="Consolas" panose="020B0609020204030204" pitchFamily="49" charset="0"/>
+              </a:rPr>
+              <a:t>var</a:t>
+            </a:r>
+            <a:r>
+              <a:rPr lang="en-US" sz="4800" dirty="0">
+                <a:solidFill>
+                  <a:srgbClr val="000000"/>
+                </a:solidFill>
+                <a:highlight>
+                  <a:srgbClr val="FFFFFF"/>
+                </a:highlight>
+                <a:latin typeface="Consolas" panose="020B0609020204030204" pitchFamily="49" charset="0"/>
+              </a:rPr>
+              <a:t> appstore = </a:t>
+            </a:r>
+            <a:r>
+              <a:rPr lang="en-US" sz="4800" dirty="0">
+                <a:solidFill>
+                  <a:srgbClr val="0000FF"/>
+                </a:solidFill>
+                <a:highlight>
+                  <a:srgbClr val="FFFFFF"/>
+                </a:highlight>
+                <a:latin typeface="Consolas" panose="020B0609020204030204" pitchFamily="49" charset="0"/>
+              </a:rPr>
+              <a:t>new</a:t>
+            </a:r>
+            <a:r>
+              <a:rPr lang="en-US" sz="4800" dirty="0">
+                <a:solidFill>
+                  <a:srgbClr val="000000"/>
+                </a:solidFill>
+                <a:highlight>
+                  <a:srgbClr val="FFFFFF"/>
+                </a:highlight>
+                <a:latin typeface="Consolas" panose="020B0609020204030204" pitchFamily="49" charset="0"/>
+              </a:rPr>
+              <a:t> </a:t>
+            </a:r>
+            <a:r>
+              <a:rPr lang="en-US" sz="4800" dirty="0">
+                <a:solidFill>
+                  <a:srgbClr val="2B91AF"/>
+                </a:solidFill>
+                <a:highlight>
+                  <a:srgbClr val="FFFFFF"/>
+                </a:highlight>
+                <a:latin typeface="Consolas" panose="020B0609020204030204" pitchFamily="49" charset="0"/>
+              </a:rPr>
+              <a:t>UserStore</a:t>
+            </a:r>
+            <a:r>
+              <a:rPr lang="en-US" sz="4800" dirty="0">
+                <a:solidFill>
+                  <a:srgbClr val="000000"/>
+                </a:solidFill>
+                <a:highlight>
+                  <a:srgbClr val="FFFFFF"/>
+                </a:highlight>
+                <a:latin typeface="Consolas" panose="020B0609020204030204" pitchFamily="49" charset="0"/>
+              </a:rPr>
+              <a:t>&lt;</a:t>
+            </a:r>
+            <a:r>
+              <a:rPr lang="en-US" sz="4800" dirty="0">
+                <a:solidFill>
+                  <a:srgbClr val="2B91AF"/>
+                </a:solidFill>
+                <a:highlight>
+                  <a:srgbClr val="FFFFFF"/>
+                </a:highlight>
+                <a:latin typeface="Consolas" panose="020B0609020204030204" pitchFamily="49" charset="0"/>
+              </a:rPr>
+              <a:t>IdentityUser</a:t>
+            </a:r>
+            <a:r>
+              <a:rPr lang="en-US" sz="4800" dirty="0">
+                <a:solidFill>
+                  <a:srgbClr val="000000"/>
+                </a:solidFill>
+                <a:highlight>
+                  <a:srgbClr val="FFFFFF"/>
+                </a:highlight>
+                <a:latin typeface="Consolas" panose="020B0609020204030204" pitchFamily="49" charset="0"/>
+              </a:rPr>
+              <a:t>&gt;();</a:t>
+            </a:r>
+          </a:p>
+          <a:p>
+            <a:pPr marL="0" indent="0">
+              <a:buNone/>
+            </a:pPr>
+            <a:r>
+              <a:rPr lang="en-US" sz="4800" dirty="0">
+                <a:solidFill>
+                  <a:srgbClr val="000000"/>
+                </a:solidFill>
+                <a:highlight>
+                  <a:srgbClr val="FFFFFF"/>
+                </a:highlight>
+                <a:latin typeface="Consolas" panose="020B0609020204030204" pitchFamily="49" charset="0"/>
+              </a:rPr>
+              <a:t>                appstore.Context.SaveChanges();</a:t>
+            </a:r>
+          </a:p>
+          <a:p>
+            <a:pPr marL="0" indent="0">
+              <a:buNone/>
+            </a:pPr>
+            <a:r>
+              <a:rPr lang="en-US" sz="4800" dirty="0">
+                <a:solidFill>
+                  <a:srgbClr val="000000"/>
+                </a:solidFill>
+                <a:highlight>
+                  <a:srgbClr val="FFFFFF"/>
+                </a:highlight>
+                <a:latin typeface="Consolas" panose="020B0609020204030204" pitchFamily="49" charset="0"/>
+              </a:rPr>
+              <a:t>            }</a:t>
+            </a:r>
+          </a:p>
+          <a:p>
+            <a:pPr marL="0" indent="0">
+              <a:buNone/>
+            </a:pPr>
+            <a:r>
+              <a:rPr lang="en-US" sz="4800" dirty="0">
+                <a:solidFill>
+                  <a:srgbClr val="000000"/>
+                </a:solidFill>
+                <a:highlight>
+                  <a:srgbClr val="FFFFFF"/>
+                </a:highlight>
+                <a:latin typeface="Consolas" panose="020B0609020204030204" pitchFamily="49" charset="0"/>
+              </a:rPr>
+              <a:t>            usermanager.Dispose();</a:t>
+            </a:r>
+          </a:p>
+          <a:p>
+            <a:pPr marL="0" indent="0">
+              <a:buNone/>
+            </a:pPr>
+            <a:r>
+              <a:rPr lang="en-US" sz="4800" dirty="0">
+                <a:solidFill>
+                  <a:srgbClr val="000000"/>
+                </a:solidFill>
+                <a:highlight>
+                  <a:srgbClr val="FFFFFF"/>
+                </a:highlight>
+                <a:latin typeface="Consolas" panose="020B0609020204030204" pitchFamily="49" charset="0"/>
+              </a:rPr>
+              <a:t>            </a:t>
+            </a:r>
+            <a:r>
+              <a:rPr lang="en-US" sz="4800" dirty="0">
+                <a:solidFill>
+                  <a:srgbClr val="0000FF"/>
+                </a:solidFill>
+                <a:highlight>
+                  <a:srgbClr val="FFFFFF"/>
+                </a:highlight>
+                <a:latin typeface="Consolas" panose="020B0609020204030204" pitchFamily="49" charset="0"/>
+              </a:rPr>
+              <a:t>base</a:t>
+            </a:r>
+            <a:r>
+              <a:rPr lang="en-US" sz="4800" dirty="0">
+                <a:solidFill>
+                  <a:srgbClr val="000000"/>
+                </a:solidFill>
+                <a:highlight>
+                  <a:srgbClr val="FFFFFF"/>
+                </a:highlight>
+                <a:latin typeface="Consolas" panose="020B0609020204030204" pitchFamily="49" charset="0"/>
+              </a:rPr>
+              <a:t>.Seed(context);</a:t>
+            </a:r>
+          </a:p>
+          <a:p>
+            <a:pPr marL="0" indent="0">
+              <a:buNone/>
+            </a:pPr>
+            <a:r>
+              <a:rPr lang="en-US" sz="4800" dirty="0">
+                <a:solidFill>
+                  <a:srgbClr val="000000"/>
+                </a:solidFill>
+                <a:highlight>
+                  <a:srgbClr val="FFFFFF"/>
+                </a:highlight>
+                <a:latin typeface="Consolas" panose="020B0609020204030204" pitchFamily="49" charset="0"/>
+              </a:rPr>
+              <a:t>        }</a:t>
+            </a:r>
+            <a:endParaRPr lang="en-US" sz="4800" dirty="0"/>
+          </a:p>
+        </p:txBody>
+      </p:sp>
+      <p:sp>
+        <p:nvSpPr>
+          <p:cNvPr id="4" name="textruta 3"/>
+          <p:cNvSpPr txBox="1"/>
+          <p:nvPr/>
+        </p:nvSpPr>
+        <p:spPr>
+          <a:xfrm>
+            <a:off x="539552" y="836712"/>
+            <a:ext cx="7776864" cy="1384995"/>
+          </a:xfrm>
+          <a:prstGeom prst="rect">
+            <a:avLst/>
+          </a:prstGeom>
+          <a:noFill/>
+        </p:spPr>
+        <p:txBody>
+          <a:bodyPr wrap="square" rtlCol="0">
+            <a:spAutoFit/>
+          </a:bodyPr>
+          <a:lstStyle/>
+          <a:p>
+            <a:r>
+              <a:rPr lang="en-US" sz="2800" dirty="0" smtClean="0"/>
+              <a:t>We override the seed method and use the class Usermanager to create 100 new users in the database</a:t>
+            </a:r>
+            <a:endParaRPr lang="en-US" sz="2800" dirty="0"/>
+          </a:p>
+        </p:txBody>
+      </p:sp>
+    </p:spTree>
+    <p:extLst>
+      <p:ext uri="{BB962C8B-B14F-4D97-AF65-F5344CB8AC3E}">
+        <p14:creationId xmlns:p14="http://schemas.microsoft.com/office/powerpoint/2010/main" val="2078443235"/>
+      </p:ext>
+    </p:extLst>
+  </p:cSld>
+  <p:clrMapOvr>
+    <a:masterClrMapping/>
+  </p:clrMapOvr>
+  <p:timing>
+    <p:tnLst>
+      <p:par>
+        <p:cTn id="1" dur="indefinite" restart="never" nodeType="tmRoot"/>
+      </p:par>
+    </p:tnLst>
+  </p:timing>
+</p:sld>
+</file>
+
+<file path=ppt/slides/slide13.xml><?xml version="1.0" encoding="utf-8"?>
+<p:sld xmlns:a="http://schemas.openxmlformats.org/drawingml/2006/main" xmlns:r="http://schemas.openxmlformats.org/officeDocument/2006/relationships" xmlns:p="http://schemas.openxmlformats.org/presentationml/2006/main">
+  <p:cSld>
+    <p:spTree>
+      <p:nvGrpSpPr>
+        <p:cNvPr id="1" name=""/>
+        <p:cNvGrpSpPr/>
+        <p:nvPr/>
+      </p:nvGrpSpPr>
+      <p:grpSpPr>
+        <a:xfrm>
+          <a:off x="0" y="0"/>
+          <a:ext cx="0" cy="0"/>
+          <a:chOff x="0" y="0"/>
+          <a:chExt cx="0" cy="0"/>
+        </a:xfrm>
+      </p:grpSpPr>
+      <p:sp>
+        <p:nvSpPr>
+          <p:cNvPr id="2" name="Rubrik 1"/>
+          <p:cNvSpPr>
+            <a:spLocks noGrp="1"/>
+          </p:cNvSpPr>
+          <p:nvPr>
+            <p:ph type="title"/>
+          </p:nvPr>
+        </p:nvSpPr>
+        <p:spPr/>
+        <p:txBody>
+          <a:bodyPr>
+            <a:normAutofit fontScale="90000"/>
+          </a:bodyPr>
+          <a:lstStyle/>
+          <a:p>
+            <a:r>
+              <a:rPr lang="en-US" sz="3200" b="1" dirty="0"/>
+              <a:t>ASP.NET Identity</a:t>
+            </a:r>
+            <a:endParaRPr lang="en-US" dirty="0"/>
+          </a:p>
+        </p:txBody>
+      </p:sp>
+      <p:sp>
+        <p:nvSpPr>
+          <p:cNvPr id="3" name="Platshållare för innehåll 2"/>
+          <p:cNvSpPr>
+            <a:spLocks noGrp="1"/>
+          </p:cNvSpPr>
+          <p:nvPr>
+            <p:ph idx="1"/>
+          </p:nvPr>
+        </p:nvSpPr>
+        <p:spPr>
+          <a:xfrm>
+            <a:off x="143508" y="1340768"/>
+            <a:ext cx="8856984" cy="4525963"/>
+          </a:xfrm>
+        </p:spPr>
+        <p:txBody>
+          <a:bodyPr>
+            <a:normAutofit/>
+          </a:bodyPr>
+          <a:lstStyle/>
+          <a:p>
+            <a:pPr marL="0" indent="0">
+              <a:buNone/>
+            </a:pPr>
+            <a:r>
+              <a:rPr lang="en-US" dirty="0" smtClean="0"/>
+              <a:t>In the main method we set the initializer to initialize the </a:t>
+            </a:r>
+            <a:r>
+              <a:rPr lang="en-US" b="1" dirty="0" smtClean="0">
+                <a:solidFill>
+                  <a:srgbClr val="77933C"/>
+                </a:solidFill>
+              </a:rPr>
+              <a:t>ApplicationDbInitializer</a:t>
+            </a:r>
+            <a:r>
+              <a:rPr lang="en-US" dirty="0" smtClean="0"/>
+              <a:t>, which will run the seed method</a:t>
+            </a:r>
+            <a:endParaRPr lang="en-US" b="1" dirty="0" smtClean="0">
+              <a:solidFill>
+                <a:srgbClr val="77933C"/>
+              </a:solidFill>
+            </a:endParaRPr>
+          </a:p>
+          <a:p>
+            <a:pPr marL="0" indent="0">
+              <a:buNone/>
+            </a:pPr>
+            <a:endParaRPr lang="en-US" dirty="0" smtClean="0"/>
+          </a:p>
+          <a:p>
+            <a:pPr marL="0" indent="0">
+              <a:buNone/>
+            </a:pPr>
+            <a:r>
+              <a:rPr lang="en-US" sz="1600" dirty="0">
+                <a:solidFill>
+                  <a:srgbClr val="000000"/>
+                </a:solidFill>
+                <a:highlight>
+                  <a:srgbClr val="FFFFFF"/>
+                </a:highlight>
+                <a:latin typeface="Consolas" panose="020B0609020204030204" pitchFamily="49" charset="0"/>
+              </a:rPr>
+              <a:t> </a:t>
+            </a:r>
+            <a:r>
+              <a:rPr lang="en-US" sz="1600" dirty="0" smtClean="0">
+                <a:solidFill>
+                  <a:srgbClr val="000000"/>
+                </a:solidFill>
+                <a:highlight>
+                  <a:srgbClr val="FFFFFF"/>
+                </a:highlight>
+                <a:latin typeface="Consolas" panose="020B0609020204030204" pitchFamily="49" charset="0"/>
+              </a:rPr>
+              <a:t>	</a:t>
+            </a:r>
+            <a:r>
+              <a:rPr lang="en-US" sz="1600" dirty="0" smtClean="0">
+                <a:solidFill>
+                  <a:srgbClr val="0000FF"/>
+                </a:solidFill>
+                <a:highlight>
+                  <a:srgbClr val="FFFFFF"/>
+                </a:highlight>
+                <a:latin typeface="Consolas" panose="020B0609020204030204" pitchFamily="49" charset="0"/>
+              </a:rPr>
+              <a:t>static</a:t>
+            </a:r>
+            <a:r>
+              <a:rPr lang="en-US" sz="1600" dirty="0" smtClean="0">
+                <a:solidFill>
+                  <a:srgbClr val="000000"/>
+                </a:solidFill>
+                <a:highlight>
+                  <a:srgbClr val="FFFFFF"/>
+                </a:highlight>
+                <a:latin typeface="Consolas" panose="020B0609020204030204" pitchFamily="49" charset="0"/>
+              </a:rPr>
+              <a:t> </a:t>
+            </a:r>
+            <a:r>
+              <a:rPr lang="en-US" sz="1600" dirty="0">
+                <a:solidFill>
+                  <a:srgbClr val="0000FF"/>
+                </a:solidFill>
+                <a:highlight>
+                  <a:srgbClr val="FFFFFF"/>
+                </a:highlight>
+                <a:latin typeface="Consolas" panose="020B0609020204030204" pitchFamily="49" charset="0"/>
+              </a:rPr>
+              <a:t>void</a:t>
+            </a:r>
+            <a:r>
+              <a:rPr lang="en-US" sz="1600" dirty="0">
+                <a:solidFill>
+                  <a:srgbClr val="000000"/>
+                </a:solidFill>
+                <a:highlight>
+                  <a:srgbClr val="FFFFFF"/>
+                </a:highlight>
+                <a:latin typeface="Consolas" panose="020B0609020204030204" pitchFamily="49" charset="0"/>
+              </a:rPr>
+              <a:t> Main(</a:t>
+            </a:r>
+            <a:r>
+              <a:rPr lang="en-US" sz="1600" dirty="0">
+                <a:solidFill>
+                  <a:srgbClr val="0000FF"/>
+                </a:solidFill>
+                <a:highlight>
+                  <a:srgbClr val="FFFFFF"/>
+                </a:highlight>
+                <a:latin typeface="Consolas" panose="020B0609020204030204" pitchFamily="49" charset="0"/>
+              </a:rPr>
+              <a:t>string</a:t>
+            </a:r>
+            <a:r>
+              <a:rPr lang="en-US" sz="1600" dirty="0">
+                <a:solidFill>
+                  <a:srgbClr val="000000"/>
+                </a:solidFill>
+                <a:highlight>
+                  <a:srgbClr val="FFFFFF"/>
+                </a:highlight>
+                <a:latin typeface="Consolas" panose="020B0609020204030204" pitchFamily="49" charset="0"/>
+              </a:rPr>
+              <a:t>[] args)</a:t>
+            </a:r>
+          </a:p>
+          <a:p>
+            <a:pPr marL="0" indent="0">
+              <a:buNone/>
+            </a:pPr>
+            <a:r>
+              <a:rPr lang="en-US" sz="1600" dirty="0">
+                <a:solidFill>
+                  <a:srgbClr val="000000"/>
+                </a:solidFill>
+                <a:highlight>
+                  <a:srgbClr val="FFFFFF"/>
+                </a:highlight>
+                <a:latin typeface="Consolas" panose="020B0609020204030204" pitchFamily="49" charset="0"/>
+              </a:rPr>
+              <a:t>        {</a:t>
+            </a:r>
+          </a:p>
+          <a:p>
+            <a:pPr marL="0" indent="0">
+              <a:buNone/>
+            </a:pPr>
+            <a:r>
+              <a:rPr lang="en-US" sz="1600" dirty="0">
+                <a:solidFill>
+                  <a:schemeClr val="bg1">
+                    <a:lumMod val="65000"/>
+                  </a:schemeClr>
+                </a:solidFill>
+                <a:highlight>
+                  <a:srgbClr val="FFFFFF"/>
+                </a:highlight>
+                <a:latin typeface="Consolas" panose="020B0609020204030204" pitchFamily="49" charset="0"/>
+              </a:rPr>
+              <a:t>            var dbContext = new </a:t>
+            </a:r>
+            <a:r>
+              <a:rPr lang="en-US" sz="1600" dirty="0" smtClean="0">
+                <a:solidFill>
+                  <a:schemeClr val="bg1">
+                    <a:lumMod val="65000"/>
+                  </a:schemeClr>
+                </a:solidFill>
+                <a:highlight>
+                  <a:srgbClr val="FFFFFF"/>
+                </a:highlight>
+                <a:latin typeface="Consolas" panose="020B0609020204030204" pitchFamily="49" charset="0"/>
+              </a:rPr>
+              <a:t>	  		    		 	                    	    IdentityDbContext&lt;IdentityUser</a:t>
+            </a:r>
+            <a:r>
+              <a:rPr lang="en-US" sz="1600" dirty="0">
+                <a:solidFill>
+                  <a:schemeClr val="bg1">
+                    <a:lumMod val="65000"/>
+                  </a:schemeClr>
+                </a:solidFill>
+                <a:highlight>
+                  <a:srgbClr val="FFFFFF"/>
+                </a:highlight>
+                <a:latin typeface="Consolas" panose="020B0609020204030204" pitchFamily="49" charset="0"/>
+              </a:rPr>
+              <a:t>&gt;("DefaultConnection");</a:t>
+            </a:r>
+          </a:p>
+          <a:p>
+            <a:pPr marL="0" indent="0">
+              <a:buNone/>
+            </a:pPr>
+            <a:r>
+              <a:rPr lang="en-US" sz="1600" dirty="0">
+                <a:solidFill>
+                  <a:srgbClr val="000000"/>
+                </a:solidFill>
+                <a:highlight>
+                  <a:srgbClr val="FFFFFF"/>
+                </a:highlight>
+                <a:latin typeface="Consolas" panose="020B0609020204030204" pitchFamily="49" charset="0"/>
+              </a:rPr>
+              <a:t>            </a:t>
+            </a:r>
+            <a:r>
+              <a:rPr lang="en-US" sz="1600" dirty="0" smtClean="0">
+                <a:solidFill>
+                  <a:srgbClr val="2B91AF"/>
+                </a:solidFill>
+                <a:highlight>
+                  <a:srgbClr val="FFFFFF"/>
+                </a:highlight>
+                <a:latin typeface="Consolas" panose="020B0609020204030204" pitchFamily="49" charset="0"/>
+              </a:rPr>
+              <a:t>Database</a:t>
+            </a:r>
+            <a:r>
+              <a:rPr lang="en-US" sz="1600" dirty="0" smtClean="0">
+                <a:solidFill>
+                  <a:srgbClr val="000000"/>
+                </a:solidFill>
+                <a:highlight>
+                  <a:srgbClr val="FFFFFF"/>
+                </a:highlight>
+                <a:latin typeface="Consolas" panose="020B0609020204030204" pitchFamily="49" charset="0"/>
+              </a:rPr>
+              <a:t>.SetInitializer(</a:t>
+            </a:r>
+            <a:r>
+              <a:rPr lang="en-US" sz="1600" dirty="0" smtClean="0">
+                <a:solidFill>
+                  <a:srgbClr val="0000FF"/>
+                </a:solidFill>
+                <a:highlight>
+                  <a:srgbClr val="FFFFFF"/>
+                </a:highlight>
+                <a:latin typeface="Consolas" panose="020B0609020204030204" pitchFamily="49" charset="0"/>
+              </a:rPr>
+              <a:t>new</a:t>
+            </a:r>
+            <a:r>
+              <a:rPr lang="en-US" sz="1600" dirty="0" smtClean="0">
+                <a:solidFill>
+                  <a:srgbClr val="000000"/>
+                </a:solidFill>
+                <a:highlight>
+                  <a:srgbClr val="FFFFFF"/>
+                </a:highlight>
+                <a:latin typeface="Consolas" panose="020B0609020204030204" pitchFamily="49" charset="0"/>
+              </a:rPr>
+              <a:t> </a:t>
+            </a:r>
+            <a:r>
+              <a:rPr lang="en-US" sz="1600" dirty="0" smtClean="0">
+                <a:solidFill>
+                  <a:srgbClr val="2B91AF"/>
+                </a:solidFill>
+                <a:highlight>
+                  <a:srgbClr val="FFFFFF"/>
+                </a:highlight>
+                <a:latin typeface="Consolas" panose="020B0609020204030204" pitchFamily="49" charset="0"/>
+              </a:rPr>
+              <a:t>ApplicationDbInitializer</a:t>
+            </a:r>
+            <a:r>
+              <a:rPr lang="en-US" sz="1600" dirty="0">
+                <a:solidFill>
+                  <a:srgbClr val="000000"/>
+                </a:solidFill>
+                <a:highlight>
+                  <a:srgbClr val="FFFFFF"/>
+                </a:highlight>
+                <a:latin typeface="Consolas" panose="020B0609020204030204" pitchFamily="49" charset="0"/>
+              </a:rPr>
+              <a:t>());</a:t>
+            </a:r>
+          </a:p>
+          <a:p>
+            <a:pPr marL="0" indent="0">
+              <a:buNone/>
+            </a:pPr>
+            <a:r>
+              <a:rPr lang="en-US" sz="1600" dirty="0">
+                <a:solidFill>
+                  <a:schemeClr val="bg1">
+                    <a:lumMod val="65000"/>
+                  </a:schemeClr>
+                </a:solidFill>
+                <a:highlight>
+                  <a:srgbClr val="FFFFFF"/>
+                </a:highlight>
+                <a:latin typeface="Consolas" panose="020B0609020204030204" pitchFamily="49" charset="0"/>
+              </a:rPr>
+              <a:t>            dbContext.Database.Initialize(true</a:t>
+            </a:r>
+            <a:r>
+              <a:rPr lang="en-US" sz="1600" dirty="0" smtClean="0">
+                <a:solidFill>
+                  <a:schemeClr val="bg1">
+                    <a:lumMod val="65000"/>
+                  </a:schemeClr>
+                </a:solidFill>
+                <a:highlight>
+                  <a:srgbClr val="FFFFFF"/>
+                </a:highlight>
+                <a:latin typeface="Consolas" panose="020B0609020204030204" pitchFamily="49" charset="0"/>
+              </a:rPr>
+              <a:t>);</a:t>
+            </a:r>
+            <a:endParaRPr lang="en-US" sz="1600" dirty="0">
+              <a:solidFill>
+                <a:schemeClr val="bg1">
+                  <a:lumMod val="65000"/>
+                </a:schemeClr>
+              </a:solidFill>
+              <a:highlight>
+                <a:srgbClr val="FFFFFF"/>
+              </a:highlight>
+              <a:latin typeface="Consolas" panose="020B0609020204030204" pitchFamily="49" charset="0"/>
+            </a:endParaRPr>
+          </a:p>
+          <a:p>
+            <a:pPr marL="0" indent="0">
+              <a:buNone/>
+            </a:pPr>
+            <a:r>
+              <a:rPr lang="en-US" sz="1600" dirty="0">
+                <a:solidFill>
+                  <a:srgbClr val="000000"/>
+                </a:solidFill>
+                <a:highlight>
+                  <a:srgbClr val="FFFFFF"/>
+                </a:highlight>
+                <a:latin typeface="Consolas" panose="020B0609020204030204" pitchFamily="49" charset="0"/>
+              </a:rPr>
+              <a:t>        }</a:t>
+            </a:r>
+            <a:endParaRPr lang="en-US" sz="1600" dirty="0"/>
+          </a:p>
+        </p:txBody>
+      </p:sp>
+    </p:spTree>
+    <p:extLst>
+      <p:ext uri="{BB962C8B-B14F-4D97-AF65-F5344CB8AC3E}">
+        <p14:creationId xmlns:p14="http://schemas.microsoft.com/office/powerpoint/2010/main" val="3047307404"/>
+      </p:ext>
+    </p:extLst>
+  </p:cSld>
+  <p:clrMapOvr>
+    <a:masterClrMapping/>
+  </p:clrMapOvr>
+  <p:timing>
+    <p:tnLst>
+      <p:par>
+        <p:cTn id="1" dur="indefinite" restart="never" nodeType="tmRoot"/>
+      </p:par>
+    </p:tnLst>
+  </p:timing>
+</p:sld>
+</file>
+
+<file path=ppt/slides/slide14.xml><?xml version="1.0" encoding="utf-8"?>
+<p:sld xmlns:a="http://schemas.openxmlformats.org/drawingml/2006/main" xmlns:r="http://schemas.openxmlformats.org/officeDocument/2006/relationships" xmlns:p="http://schemas.openxmlformats.org/presentationml/2006/main">
+  <p:cSld>
+    <p:spTree>
+      <p:nvGrpSpPr>
+        <p:cNvPr id="1" name=""/>
+        <p:cNvGrpSpPr/>
+        <p:nvPr/>
+      </p:nvGrpSpPr>
+      <p:grpSpPr>
+        <a:xfrm>
+          <a:off x="0" y="0"/>
+          <a:ext cx="0" cy="0"/>
+          <a:chOff x="0" y="0"/>
+          <a:chExt cx="0" cy="0"/>
+        </a:xfrm>
+      </p:grpSpPr>
+      <p:sp>
+        <p:nvSpPr>
+          <p:cNvPr id="2" name="Rubrik 1"/>
+          <p:cNvSpPr>
+            <a:spLocks noGrp="1"/>
+          </p:cNvSpPr>
+          <p:nvPr>
+            <p:ph type="title"/>
+          </p:nvPr>
+        </p:nvSpPr>
+        <p:spPr/>
+        <p:txBody>
+          <a:bodyPr/>
+          <a:lstStyle/>
+          <a:p>
+            <a:r>
+              <a:rPr lang="en-US" sz="2800" b="1" dirty="0"/>
+              <a:t>ASP.NET Identity</a:t>
+            </a:r>
+            <a:endParaRPr lang="en-US" dirty="0"/>
+          </a:p>
+        </p:txBody>
+      </p:sp>
+      <p:sp>
+        <p:nvSpPr>
+          <p:cNvPr id="3" name="Platshållare för innehåll 2"/>
+          <p:cNvSpPr>
+            <a:spLocks noGrp="1"/>
+          </p:cNvSpPr>
+          <p:nvPr>
+            <p:ph idx="1"/>
+          </p:nvPr>
+        </p:nvSpPr>
+        <p:spPr/>
+        <p:txBody>
+          <a:bodyPr>
+            <a:normAutofit/>
+          </a:bodyPr>
+          <a:lstStyle/>
+          <a:p>
+            <a:pPr marL="0" indent="0">
+              <a:buNone/>
+            </a:pPr>
+            <a:r>
+              <a:rPr lang="en-US" sz="3000" dirty="0" smtClean="0"/>
+              <a:t>If we run the application now, the application will populate the database with 100 users </a:t>
+            </a:r>
+          </a:p>
+          <a:p>
+            <a:pPr marL="0" indent="0">
+              <a:buNone/>
+            </a:pPr>
+            <a:endParaRPr lang="en-US" sz="3000" dirty="0"/>
+          </a:p>
+          <a:p>
+            <a:pPr marL="0" indent="0">
+              <a:buNone/>
+            </a:pPr>
+            <a:r>
+              <a:rPr lang="en-US" sz="3000" dirty="0" smtClean="0"/>
+              <a:t>It is easy to customize your user identity, by creating a class which inherits from IdentityUser and adding properties</a:t>
+            </a:r>
+            <a:endParaRPr lang="en-US" sz="3000" dirty="0"/>
+          </a:p>
+        </p:txBody>
+      </p:sp>
+    </p:spTree>
+    <p:extLst>
+      <p:ext uri="{BB962C8B-B14F-4D97-AF65-F5344CB8AC3E}">
+        <p14:creationId xmlns:p14="http://schemas.microsoft.com/office/powerpoint/2010/main" val="1949894254"/>
+      </p:ext>
+    </p:extLst>
+  </p:cSld>
+  <p:clrMapOvr>
+    <a:masterClrMapping/>
+  </p:clrMapOvr>
+</p:sld>
+</file>
+
+<file path=ppt/slides/slide15.xml><?xml version="1.0" encoding="utf-8"?>
+<p:sld xmlns:a="http://schemas.openxmlformats.org/drawingml/2006/main" xmlns:r="http://schemas.openxmlformats.org/officeDocument/2006/relationships" xmlns:p="http://schemas.openxmlformats.org/presentationml/2006/main">
+  <p:cSld>
+    <p:spTree>
+      <p:nvGrpSpPr>
+        <p:cNvPr id="1" name=""/>
+        <p:cNvGrpSpPr/>
+        <p:nvPr/>
+      </p:nvGrpSpPr>
+      <p:grpSpPr>
+        <a:xfrm>
+          <a:off x="0" y="0"/>
+          <a:ext cx="0" cy="0"/>
+          <a:chOff x="0" y="0"/>
+          <a:chExt cx="0" cy="0"/>
+        </a:xfrm>
+      </p:grpSpPr>
+      <p:sp>
+        <p:nvSpPr>
+          <p:cNvPr id="2" name="Rubrik 1"/>
+          <p:cNvSpPr>
+            <a:spLocks noGrp="1"/>
+          </p:cNvSpPr>
+          <p:nvPr>
+            <p:ph type="title"/>
+          </p:nvPr>
+        </p:nvSpPr>
+        <p:spPr/>
+        <p:txBody>
+          <a:bodyPr>
+            <a:normAutofit fontScale="90000"/>
+          </a:bodyPr>
+          <a:lstStyle/>
+          <a:p>
+            <a:r>
+              <a:rPr lang="en-US" sz="3200" b="1" dirty="0"/>
+              <a:t>ASP.NET Identity</a:t>
+            </a:r>
+            <a:endParaRPr lang="en-US" dirty="0"/>
+          </a:p>
+        </p:txBody>
+      </p:sp>
+      <p:sp>
+        <p:nvSpPr>
+          <p:cNvPr id="3" name="Platshållare för innehåll 2"/>
+          <p:cNvSpPr>
+            <a:spLocks noGrp="1"/>
+          </p:cNvSpPr>
+          <p:nvPr>
+            <p:ph idx="1"/>
+          </p:nvPr>
+        </p:nvSpPr>
+        <p:spPr>
+          <a:xfrm>
+            <a:off x="467544" y="836712"/>
+            <a:ext cx="8352928" cy="5040560"/>
+          </a:xfrm>
+          <a:ln>
+            <a:solidFill>
+              <a:schemeClr val="bg1"/>
+            </a:solidFill>
+          </a:ln>
+        </p:spPr>
+        <p:txBody>
+          <a:bodyPr>
+            <a:normAutofit/>
+          </a:bodyPr>
+          <a:lstStyle/>
+          <a:p>
+            <a:pPr marL="0" indent="0">
+              <a:buNone/>
+            </a:pPr>
+            <a:endParaRPr lang="en-US" sz="1800" dirty="0" smtClean="0">
+              <a:solidFill>
+                <a:srgbClr val="000000"/>
+              </a:solidFill>
+              <a:highlight>
+                <a:srgbClr val="FFFFFF"/>
+              </a:highlight>
+              <a:latin typeface="Consolas" panose="020B0609020204030204" pitchFamily="49" charset="0"/>
+            </a:endParaRPr>
+          </a:p>
+          <a:p>
+            <a:pPr marL="0" indent="0" algn="ctr">
+              <a:buNone/>
+            </a:pPr>
+            <a:r>
+              <a:rPr lang="en-US" sz="1800" dirty="0" smtClean="0">
+                <a:solidFill>
+                  <a:srgbClr val="000000"/>
+                </a:solidFill>
+                <a:highlight>
+                  <a:srgbClr val="FFFFFF"/>
+                </a:highlight>
+              </a:rPr>
+              <a:t> </a:t>
+            </a:r>
+            <a:r>
+              <a:rPr lang="en-US" dirty="0" smtClean="0">
+                <a:solidFill>
+                  <a:srgbClr val="000000"/>
+                </a:solidFill>
+                <a:highlight>
+                  <a:srgbClr val="FFFFFF"/>
+                </a:highlight>
+              </a:rPr>
+              <a:t>Adding additional properties </a:t>
+            </a:r>
+            <a:endParaRPr lang="en-US" sz="1800" dirty="0" smtClean="0">
+              <a:solidFill>
+                <a:srgbClr val="000000"/>
+              </a:solidFill>
+              <a:highlight>
+                <a:srgbClr val="FFFFFF"/>
+              </a:highlight>
+            </a:endParaRPr>
+          </a:p>
+          <a:p>
+            <a:pPr marL="0" indent="0">
+              <a:buNone/>
+            </a:pPr>
+            <a:endParaRPr lang="en-US" sz="1800" dirty="0">
+              <a:solidFill>
+                <a:srgbClr val="000000"/>
+              </a:solidFill>
+              <a:highlight>
+                <a:srgbClr val="FFFFFF"/>
+              </a:highlight>
+              <a:latin typeface="Consolas" panose="020B0609020204030204" pitchFamily="49" charset="0"/>
+            </a:endParaRPr>
+          </a:p>
+          <a:p>
+            <a:pPr marL="0" indent="0">
+              <a:buNone/>
+            </a:pPr>
+            <a:endParaRPr lang="en-US" sz="1800" dirty="0">
+              <a:solidFill>
+                <a:srgbClr val="000000"/>
+              </a:solidFill>
+              <a:highlight>
+                <a:srgbClr val="FFFFFF"/>
+              </a:highlight>
+              <a:latin typeface="Consolas" panose="020B0609020204030204" pitchFamily="49" charset="0"/>
+            </a:endParaRPr>
+          </a:p>
+          <a:p>
+            <a:pPr marL="0" indent="0">
+              <a:buNone/>
+            </a:pPr>
+            <a:r>
+              <a:rPr lang="en-US" sz="1800" dirty="0" smtClean="0">
+                <a:solidFill>
+                  <a:srgbClr val="000000"/>
+                </a:solidFill>
+                <a:highlight>
+                  <a:srgbClr val="FFFFFF"/>
+                </a:highlight>
+                <a:latin typeface="Consolas" panose="020B0609020204030204" pitchFamily="49" charset="0"/>
+              </a:rPr>
+              <a:t>	  </a:t>
+            </a:r>
+            <a:r>
+              <a:rPr lang="en-US" sz="1800" dirty="0" smtClean="0">
+                <a:solidFill>
+                  <a:srgbClr val="0000FF"/>
+                </a:solidFill>
+                <a:highlight>
+                  <a:srgbClr val="FFFFFF"/>
+                </a:highlight>
+                <a:latin typeface="Consolas" panose="020B0609020204030204" pitchFamily="49" charset="0"/>
+              </a:rPr>
+              <a:t>public</a:t>
+            </a:r>
+            <a:r>
+              <a:rPr lang="en-US" sz="1800" dirty="0" smtClean="0">
+                <a:solidFill>
+                  <a:srgbClr val="000000"/>
+                </a:solidFill>
+                <a:highlight>
+                  <a:srgbClr val="FFFFFF"/>
+                </a:highlight>
+                <a:latin typeface="Consolas" panose="020B0609020204030204" pitchFamily="49" charset="0"/>
+              </a:rPr>
+              <a:t> </a:t>
+            </a:r>
+            <a:r>
+              <a:rPr lang="en-US" sz="1800" dirty="0">
+                <a:solidFill>
+                  <a:srgbClr val="0000FF"/>
+                </a:solidFill>
+                <a:highlight>
+                  <a:srgbClr val="FFFFFF"/>
+                </a:highlight>
+                <a:latin typeface="Consolas" panose="020B0609020204030204" pitchFamily="49" charset="0"/>
+              </a:rPr>
+              <a:t>class</a:t>
+            </a:r>
+            <a:r>
+              <a:rPr lang="en-US" sz="1800" dirty="0">
+                <a:solidFill>
+                  <a:srgbClr val="000000"/>
+                </a:solidFill>
+                <a:highlight>
+                  <a:srgbClr val="FFFFFF"/>
+                </a:highlight>
+                <a:latin typeface="Consolas" panose="020B0609020204030204" pitchFamily="49" charset="0"/>
+              </a:rPr>
+              <a:t> </a:t>
+            </a:r>
+            <a:r>
+              <a:rPr lang="en-US" sz="1800" dirty="0">
+                <a:solidFill>
+                  <a:srgbClr val="2B91AF"/>
+                </a:solidFill>
+                <a:highlight>
+                  <a:srgbClr val="FFFFFF"/>
+                </a:highlight>
+                <a:latin typeface="Consolas" panose="020B0609020204030204" pitchFamily="49" charset="0"/>
+              </a:rPr>
+              <a:t>ApplicationUser</a:t>
+            </a:r>
+            <a:r>
+              <a:rPr lang="en-US" sz="1800" dirty="0">
+                <a:solidFill>
+                  <a:srgbClr val="000000"/>
+                </a:solidFill>
+                <a:highlight>
+                  <a:srgbClr val="FFFFFF"/>
+                </a:highlight>
+                <a:latin typeface="Consolas" panose="020B0609020204030204" pitchFamily="49" charset="0"/>
+              </a:rPr>
+              <a:t> : </a:t>
+            </a:r>
+            <a:r>
+              <a:rPr lang="en-US" sz="1800" dirty="0">
+                <a:solidFill>
+                  <a:srgbClr val="2B91AF"/>
+                </a:solidFill>
+                <a:highlight>
+                  <a:srgbClr val="FFFFFF"/>
+                </a:highlight>
+                <a:latin typeface="Consolas" panose="020B0609020204030204" pitchFamily="49" charset="0"/>
+              </a:rPr>
+              <a:t>IdentityUser</a:t>
+            </a:r>
+            <a:endParaRPr lang="en-US" sz="1800" dirty="0">
+              <a:solidFill>
+                <a:srgbClr val="000000"/>
+              </a:solidFill>
+              <a:highlight>
+                <a:srgbClr val="FFFFFF"/>
+              </a:highlight>
+              <a:latin typeface="Consolas" panose="020B0609020204030204" pitchFamily="49" charset="0"/>
+            </a:endParaRPr>
+          </a:p>
+          <a:p>
+            <a:pPr marL="0" indent="0">
+              <a:buNone/>
+            </a:pPr>
+            <a:r>
+              <a:rPr lang="en-US" sz="1800" dirty="0">
+                <a:solidFill>
+                  <a:srgbClr val="000000"/>
+                </a:solidFill>
+                <a:highlight>
+                  <a:srgbClr val="FFFFFF"/>
+                </a:highlight>
+                <a:latin typeface="Consolas" panose="020B0609020204030204" pitchFamily="49" charset="0"/>
+              </a:rPr>
+              <a:t>    </a:t>
+            </a:r>
+            <a:r>
+              <a:rPr lang="en-US" sz="1800" dirty="0" smtClean="0">
+                <a:solidFill>
+                  <a:srgbClr val="000000"/>
+                </a:solidFill>
+                <a:highlight>
+                  <a:srgbClr val="FFFFFF"/>
+                </a:highlight>
+                <a:latin typeface="Consolas" panose="020B0609020204030204" pitchFamily="49" charset="0"/>
+              </a:rPr>
+              <a:t>	  {</a:t>
+            </a:r>
+            <a:endParaRPr lang="en-US" sz="1800" dirty="0">
+              <a:solidFill>
+                <a:srgbClr val="000000"/>
+              </a:solidFill>
+              <a:highlight>
+                <a:srgbClr val="FFFFFF"/>
+              </a:highlight>
+              <a:latin typeface="Consolas" panose="020B0609020204030204" pitchFamily="49" charset="0"/>
+            </a:endParaRPr>
+          </a:p>
+          <a:p>
+            <a:pPr marL="0" indent="0">
+              <a:buNone/>
+            </a:pPr>
+            <a:r>
+              <a:rPr lang="en-US" sz="1800" dirty="0">
+                <a:solidFill>
+                  <a:srgbClr val="000000"/>
+                </a:solidFill>
+                <a:highlight>
+                  <a:srgbClr val="FFFFFF"/>
+                </a:highlight>
+                <a:latin typeface="Consolas" panose="020B0609020204030204" pitchFamily="49" charset="0"/>
+              </a:rPr>
+              <a:t>      </a:t>
+            </a:r>
+            <a:r>
+              <a:rPr lang="en-US" sz="1800" dirty="0" smtClean="0">
+                <a:solidFill>
+                  <a:srgbClr val="000000"/>
+                </a:solidFill>
+                <a:highlight>
+                  <a:srgbClr val="FFFFFF"/>
+                </a:highlight>
+                <a:latin typeface="Consolas" panose="020B0609020204030204" pitchFamily="49" charset="0"/>
+              </a:rPr>
+              <a:t>   </a:t>
+            </a:r>
+            <a:r>
+              <a:rPr lang="en-US" sz="1800" dirty="0">
+                <a:solidFill>
+                  <a:srgbClr val="000000"/>
+                </a:solidFill>
+                <a:highlight>
+                  <a:srgbClr val="FFFFFF"/>
+                </a:highlight>
+                <a:latin typeface="Consolas" panose="020B0609020204030204" pitchFamily="49" charset="0"/>
+              </a:rPr>
+              <a:t> </a:t>
+            </a:r>
+            <a:r>
+              <a:rPr lang="en-US" sz="1800" dirty="0" smtClean="0">
+                <a:solidFill>
+                  <a:srgbClr val="000000"/>
+                </a:solidFill>
+                <a:highlight>
+                  <a:srgbClr val="FFFFFF"/>
+                </a:highlight>
+                <a:latin typeface="Consolas" panose="020B0609020204030204" pitchFamily="49" charset="0"/>
+              </a:rPr>
+              <a:t>    </a:t>
+            </a:r>
+            <a:r>
+              <a:rPr lang="en-US" sz="1800" dirty="0">
+                <a:solidFill>
+                  <a:srgbClr val="0000FF"/>
+                </a:solidFill>
+                <a:highlight>
+                  <a:srgbClr val="FFFFFF"/>
+                </a:highlight>
+                <a:latin typeface="Consolas" panose="020B0609020204030204" pitchFamily="49" charset="0"/>
+              </a:rPr>
+              <a:t>public</a:t>
+            </a:r>
+            <a:r>
+              <a:rPr lang="en-US" sz="1800" dirty="0">
+                <a:solidFill>
+                  <a:srgbClr val="000000"/>
+                </a:solidFill>
+                <a:highlight>
+                  <a:srgbClr val="FFFFFF"/>
+                </a:highlight>
+                <a:latin typeface="Consolas" panose="020B0609020204030204" pitchFamily="49" charset="0"/>
+              </a:rPr>
+              <a:t> </a:t>
+            </a:r>
+            <a:r>
+              <a:rPr lang="en-US" sz="1800" dirty="0">
+                <a:solidFill>
+                  <a:srgbClr val="0000FF"/>
+                </a:solidFill>
+                <a:highlight>
+                  <a:srgbClr val="FFFFFF"/>
+                </a:highlight>
+                <a:latin typeface="Consolas" panose="020B0609020204030204" pitchFamily="49" charset="0"/>
+              </a:rPr>
+              <a:t>string</a:t>
+            </a:r>
+            <a:r>
+              <a:rPr lang="en-US" sz="1800" dirty="0">
+                <a:solidFill>
+                  <a:srgbClr val="000000"/>
+                </a:solidFill>
+                <a:highlight>
+                  <a:srgbClr val="FFFFFF"/>
+                </a:highlight>
+                <a:latin typeface="Consolas" panose="020B0609020204030204" pitchFamily="49" charset="0"/>
+              </a:rPr>
+              <a:t> Address { </a:t>
+            </a:r>
+            <a:r>
+              <a:rPr lang="en-US" sz="1800" dirty="0">
+                <a:solidFill>
+                  <a:srgbClr val="0000FF"/>
+                </a:solidFill>
+                <a:highlight>
+                  <a:srgbClr val="FFFFFF"/>
+                </a:highlight>
+                <a:latin typeface="Consolas" panose="020B0609020204030204" pitchFamily="49" charset="0"/>
+              </a:rPr>
+              <a:t>get</a:t>
+            </a:r>
+            <a:r>
+              <a:rPr lang="en-US" sz="1800" dirty="0">
+                <a:solidFill>
+                  <a:srgbClr val="000000"/>
+                </a:solidFill>
+                <a:highlight>
+                  <a:srgbClr val="FFFFFF"/>
+                </a:highlight>
+                <a:latin typeface="Consolas" panose="020B0609020204030204" pitchFamily="49" charset="0"/>
+              </a:rPr>
+              <a:t>; </a:t>
+            </a:r>
+            <a:r>
+              <a:rPr lang="en-US" sz="1800" dirty="0">
+                <a:solidFill>
+                  <a:srgbClr val="0000FF"/>
+                </a:solidFill>
+                <a:highlight>
+                  <a:srgbClr val="FFFFFF"/>
+                </a:highlight>
+                <a:latin typeface="Consolas" panose="020B0609020204030204" pitchFamily="49" charset="0"/>
+              </a:rPr>
+              <a:t>set</a:t>
+            </a:r>
+            <a:r>
+              <a:rPr lang="en-US" sz="1800" dirty="0">
+                <a:solidFill>
+                  <a:srgbClr val="000000"/>
+                </a:solidFill>
+                <a:highlight>
+                  <a:srgbClr val="FFFFFF"/>
+                </a:highlight>
+                <a:latin typeface="Consolas" panose="020B0609020204030204" pitchFamily="49" charset="0"/>
+              </a:rPr>
+              <a:t>; }</a:t>
+            </a:r>
+          </a:p>
+          <a:p>
+            <a:endParaRPr lang="en-US" sz="1800" dirty="0">
+              <a:solidFill>
+                <a:srgbClr val="000000"/>
+              </a:solidFill>
+              <a:highlight>
+                <a:srgbClr val="FFFFFF"/>
+              </a:highlight>
+              <a:latin typeface="Consolas" panose="020B0609020204030204" pitchFamily="49" charset="0"/>
+            </a:endParaRPr>
+          </a:p>
+          <a:p>
+            <a:pPr marL="0" indent="0">
+              <a:buNone/>
+            </a:pPr>
+            <a:r>
+              <a:rPr lang="en-US" sz="1800" dirty="0">
+                <a:solidFill>
+                  <a:srgbClr val="000000"/>
+                </a:solidFill>
+                <a:highlight>
+                  <a:srgbClr val="FFFFFF"/>
+                </a:highlight>
+                <a:latin typeface="Consolas" panose="020B0609020204030204" pitchFamily="49" charset="0"/>
+              </a:rPr>
+              <a:t>      </a:t>
+            </a:r>
+            <a:r>
+              <a:rPr lang="en-US" sz="1800" dirty="0" smtClean="0">
+                <a:solidFill>
+                  <a:srgbClr val="000000"/>
+                </a:solidFill>
+                <a:highlight>
+                  <a:srgbClr val="FFFFFF"/>
+                </a:highlight>
+                <a:latin typeface="Consolas" panose="020B0609020204030204" pitchFamily="49" charset="0"/>
+              </a:rPr>
+              <a:t>   	</a:t>
+            </a:r>
+            <a:r>
+              <a:rPr lang="en-US" sz="1800" dirty="0" smtClean="0">
+                <a:solidFill>
+                  <a:srgbClr val="0000FF"/>
+                </a:solidFill>
+                <a:highlight>
+                  <a:srgbClr val="FFFFFF"/>
+                </a:highlight>
+                <a:latin typeface="Consolas" panose="020B0609020204030204" pitchFamily="49" charset="0"/>
+              </a:rPr>
+              <a:t>public</a:t>
+            </a:r>
+            <a:r>
+              <a:rPr lang="en-US" sz="1800" dirty="0" smtClean="0">
+                <a:solidFill>
+                  <a:srgbClr val="000000"/>
+                </a:solidFill>
+                <a:highlight>
+                  <a:srgbClr val="FFFFFF"/>
+                </a:highlight>
+                <a:latin typeface="Consolas" panose="020B0609020204030204" pitchFamily="49" charset="0"/>
+              </a:rPr>
+              <a:t> </a:t>
+            </a:r>
+            <a:r>
+              <a:rPr lang="en-US" sz="1800" dirty="0">
+                <a:solidFill>
+                  <a:srgbClr val="0000FF"/>
+                </a:solidFill>
+                <a:highlight>
+                  <a:srgbClr val="FFFFFF"/>
+                </a:highlight>
+                <a:latin typeface="Consolas" panose="020B0609020204030204" pitchFamily="49" charset="0"/>
+              </a:rPr>
+              <a:t>string</a:t>
+            </a:r>
+            <a:r>
+              <a:rPr lang="en-US" sz="1800" dirty="0">
+                <a:solidFill>
+                  <a:srgbClr val="000000"/>
+                </a:solidFill>
+                <a:highlight>
+                  <a:srgbClr val="FFFFFF"/>
+                </a:highlight>
+                <a:latin typeface="Consolas" panose="020B0609020204030204" pitchFamily="49" charset="0"/>
+              </a:rPr>
+              <a:t> Country { </a:t>
+            </a:r>
+            <a:r>
+              <a:rPr lang="en-US" sz="1800" dirty="0">
+                <a:solidFill>
+                  <a:srgbClr val="0000FF"/>
+                </a:solidFill>
+                <a:highlight>
+                  <a:srgbClr val="FFFFFF"/>
+                </a:highlight>
+                <a:latin typeface="Consolas" panose="020B0609020204030204" pitchFamily="49" charset="0"/>
+              </a:rPr>
+              <a:t>get</a:t>
+            </a:r>
+            <a:r>
+              <a:rPr lang="en-US" sz="1800" dirty="0">
+                <a:solidFill>
+                  <a:srgbClr val="000000"/>
+                </a:solidFill>
+                <a:highlight>
+                  <a:srgbClr val="FFFFFF"/>
+                </a:highlight>
+                <a:latin typeface="Consolas" panose="020B0609020204030204" pitchFamily="49" charset="0"/>
+              </a:rPr>
+              <a:t>; </a:t>
+            </a:r>
+            <a:r>
+              <a:rPr lang="en-US" sz="1800" dirty="0">
+                <a:solidFill>
+                  <a:srgbClr val="0000FF"/>
+                </a:solidFill>
+                <a:highlight>
+                  <a:srgbClr val="FFFFFF"/>
+                </a:highlight>
+                <a:latin typeface="Consolas" panose="020B0609020204030204" pitchFamily="49" charset="0"/>
+              </a:rPr>
+              <a:t>set</a:t>
+            </a:r>
+            <a:r>
+              <a:rPr lang="en-US" sz="1800" dirty="0">
+                <a:solidFill>
+                  <a:srgbClr val="000000"/>
+                </a:solidFill>
+                <a:highlight>
+                  <a:srgbClr val="FFFFFF"/>
+                </a:highlight>
+                <a:latin typeface="Consolas" panose="020B0609020204030204" pitchFamily="49" charset="0"/>
+              </a:rPr>
+              <a:t>; }</a:t>
+            </a:r>
+          </a:p>
+          <a:p>
+            <a:endParaRPr lang="en-US" sz="1800" dirty="0">
+              <a:solidFill>
+                <a:srgbClr val="000000"/>
+              </a:solidFill>
+              <a:highlight>
+                <a:srgbClr val="FFFFFF"/>
+              </a:highlight>
+              <a:latin typeface="Consolas" panose="020B0609020204030204" pitchFamily="49" charset="0"/>
+            </a:endParaRPr>
+          </a:p>
+          <a:p>
+            <a:pPr marL="0" indent="0">
+              <a:buNone/>
+            </a:pPr>
+            <a:r>
+              <a:rPr lang="en-US" sz="1800" dirty="0">
+                <a:solidFill>
+                  <a:srgbClr val="000000"/>
+                </a:solidFill>
+                <a:highlight>
+                  <a:srgbClr val="FFFFFF"/>
+                </a:highlight>
+                <a:latin typeface="Consolas" panose="020B0609020204030204" pitchFamily="49" charset="0"/>
+              </a:rPr>
+              <a:t>      </a:t>
+            </a:r>
+            <a:r>
+              <a:rPr lang="en-US" sz="1800" dirty="0" smtClean="0">
+                <a:solidFill>
+                  <a:srgbClr val="000000"/>
+                </a:solidFill>
+                <a:highlight>
+                  <a:srgbClr val="FFFFFF"/>
+                </a:highlight>
+                <a:latin typeface="Consolas" panose="020B0609020204030204" pitchFamily="49" charset="0"/>
+              </a:rPr>
+              <a:t>        </a:t>
+            </a:r>
+            <a:r>
+              <a:rPr lang="en-US" sz="1800" dirty="0" smtClean="0">
+                <a:solidFill>
+                  <a:srgbClr val="0000FF"/>
+                </a:solidFill>
+                <a:highlight>
+                  <a:srgbClr val="FFFFFF"/>
+                </a:highlight>
+                <a:latin typeface="Consolas" panose="020B0609020204030204" pitchFamily="49" charset="0"/>
+              </a:rPr>
+              <a:t>public</a:t>
+            </a:r>
+            <a:r>
+              <a:rPr lang="en-US" sz="1800" dirty="0" smtClean="0">
+                <a:solidFill>
+                  <a:srgbClr val="000000"/>
+                </a:solidFill>
+                <a:highlight>
+                  <a:srgbClr val="FFFFFF"/>
+                </a:highlight>
+                <a:latin typeface="Consolas" panose="020B0609020204030204" pitchFamily="49" charset="0"/>
+              </a:rPr>
+              <a:t> </a:t>
+            </a:r>
+            <a:r>
+              <a:rPr lang="en-US" sz="1800" dirty="0">
+                <a:solidFill>
+                  <a:srgbClr val="2B91AF"/>
+                </a:solidFill>
+                <a:highlight>
+                  <a:srgbClr val="FFFFFF"/>
+                </a:highlight>
+                <a:latin typeface="Consolas" panose="020B0609020204030204" pitchFamily="49" charset="0"/>
+              </a:rPr>
+              <a:t>DateTime</a:t>
+            </a:r>
+            <a:r>
+              <a:rPr lang="en-US" sz="1800" dirty="0">
+                <a:solidFill>
+                  <a:srgbClr val="000000"/>
+                </a:solidFill>
+                <a:highlight>
+                  <a:srgbClr val="FFFFFF"/>
+                </a:highlight>
+                <a:latin typeface="Consolas" panose="020B0609020204030204" pitchFamily="49" charset="0"/>
+              </a:rPr>
+              <a:t> Created { </a:t>
+            </a:r>
+            <a:r>
+              <a:rPr lang="en-US" sz="1800" dirty="0">
+                <a:solidFill>
+                  <a:srgbClr val="0000FF"/>
+                </a:solidFill>
+                <a:highlight>
+                  <a:srgbClr val="FFFFFF"/>
+                </a:highlight>
+                <a:latin typeface="Consolas" panose="020B0609020204030204" pitchFamily="49" charset="0"/>
+              </a:rPr>
+              <a:t>get</a:t>
+            </a:r>
+            <a:r>
+              <a:rPr lang="en-US" sz="1800" dirty="0">
+                <a:solidFill>
+                  <a:srgbClr val="000000"/>
+                </a:solidFill>
+                <a:highlight>
+                  <a:srgbClr val="FFFFFF"/>
+                </a:highlight>
+                <a:latin typeface="Consolas" panose="020B0609020204030204" pitchFamily="49" charset="0"/>
+              </a:rPr>
+              <a:t>; </a:t>
+            </a:r>
+            <a:r>
+              <a:rPr lang="en-US" sz="1800" dirty="0">
+                <a:solidFill>
+                  <a:srgbClr val="0000FF"/>
+                </a:solidFill>
+                <a:highlight>
+                  <a:srgbClr val="FFFFFF"/>
+                </a:highlight>
+                <a:latin typeface="Consolas" panose="020B0609020204030204" pitchFamily="49" charset="0"/>
+              </a:rPr>
+              <a:t>set</a:t>
+            </a:r>
+            <a:r>
+              <a:rPr lang="en-US" sz="1800" dirty="0">
+                <a:solidFill>
+                  <a:srgbClr val="000000"/>
+                </a:solidFill>
+                <a:highlight>
+                  <a:srgbClr val="FFFFFF"/>
+                </a:highlight>
+                <a:latin typeface="Consolas" panose="020B0609020204030204" pitchFamily="49" charset="0"/>
+              </a:rPr>
+              <a:t>; }</a:t>
+            </a:r>
+          </a:p>
+          <a:p>
+            <a:pPr marL="0" indent="0">
+              <a:buNone/>
+            </a:pPr>
+            <a:r>
+              <a:rPr lang="en-US" sz="1800" dirty="0">
+                <a:solidFill>
+                  <a:srgbClr val="000000"/>
+                </a:solidFill>
+                <a:highlight>
+                  <a:srgbClr val="FFFFFF"/>
+                </a:highlight>
+                <a:latin typeface="Consolas" panose="020B0609020204030204" pitchFamily="49" charset="0"/>
+              </a:rPr>
+              <a:t>    </a:t>
+            </a:r>
+            <a:r>
+              <a:rPr lang="en-US" sz="1800" dirty="0" smtClean="0">
+                <a:solidFill>
+                  <a:srgbClr val="000000"/>
+                </a:solidFill>
+                <a:highlight>
+                  <a:srgbClr val="FFFFFF"/>
+                </a:highlight>
+                <a:latin typeface="Consolas" panose="020B0609020204030204" pitchFamily="49" charset="0"/>
+              </a:rPr>
+              <a:t>      }</a:t>
+            </a:r>
+          </a:p>
+          <a:p>
+            <a:pPr marL="0" indent="0">
+              <a:buNone/>
+            </a:pPr>
+            <a:endParaRPr lang="en-US" sz="1800" dirty="0">
+              <a:solidFill>
+                <a:srgbClr val="000000"/>
+              </a:solidFill>
+              <a:highlight>
+                <a:srgbClr val="FFFFFF"/>
+              </a:highlight>
+              <a:latin typeface="Consolas" panose="020B0609020204030204" pitchFamily="49" charset="0"/>
+            </a:endParaRPr>
+          </a:p>
+          <a:p>
+            <a:pPr marL="0" indent="0" algn="ctr">
+              <a:buNone/>
+            </a:pPr>
+            <a:r>
+              <a:rPr lang="en-US" sz="2400" dirty="0" smtClean="0"/>
+              <a:t>Replace all the declarations of </a:t>
+            </a:r>
+            <a:r>
+              <a:rPr lang="en-US" sz="2400" b="1" dirty="0" smtClean="0">
+                <a:solidFill>
+                  <a:srgbClr val="77933C"/>
+                </a:solidFill>
+              </a:rPr>
+              <a:t>IdentityUser</a:t>
+            </a:r>
+            <a:r>
+              <a:rPr lang="en-US" sz="2400" dirty="0" smtClean="0">
+                <a:solidFill>
+                  <a:srgbClr val="77933C"/>
+                </a:solidFill>
+              </a:rPr>
+              <a:t> </a:t>
+            </a:r>
+            <a:r>
+              <a:rPr lang="en-US" sz="2400" dirty="0" smtClean="0"/>
+              <a:t>with </a:t>
+            </a:r>
+            <a:r>
+              <a:rPr lang="en-US" sz="2400" b="1" dirty="0" smtClean="0">
+                <a:solidFill>
+                  <a:srgbClr val="77933C"/>
+                </a:solidFill>
+              </a:rPr>
+              <a:t>ApplicationUser</a:t>
+            </a:r>
+            <a:endParaRPr lang="en-US" sz="2400" b="1" dirty="0">
+              <a:solidFill>
+                <a:srgbClr val="77933C"/>
+              </a:solidFill>
+            </a:endParaRPr>
+          </a:p>
+        </p:txBody>
+      </p:sp>
+    </p:spTree>
+    <p:extLst>
+      <p:ext uri="{BB962C8B-B14F-4D97-AF65-F5344CB8AC3E}">
+        <p14:creationId xmlns:p14="http://schemas.microsoft.com/office/powerpoint/2010/main" val="4200700725"/>
+      </p:ext>
+    </p:extLst>
+  </p:cSld>
+  <p:clrMapOvr>
+    <a:masterClrMapping/>
+  </p:clrMapOvr>
+</p:sld>
+</file>
+
+<file path=ppt/slides/slide16.xml><?xml version="1.0" encoding="utf-8"?>
+<p:sld xmlns:a="http://schemas.openxmlformats.org/drawingml/2006/main" xmlns:r="http://schemas.openxmlformats.org/officeDocument/2006/relationships" xmlns:p="http://schemas.openxmlformats.org/presentationml/2006/main">
+  <p:cSld>
+    <p:spTree>
+      <p:nvGrpSpPr>
+        <p:cNvPr id="1" name=""/>
+        <p:cNvGrpSpPr/>
+        <p:nvPr/>
+      </p:nvGrpSpPr>
+      <p:grpSpPr>
+        <a:xfrm>
+          <a:off x="0" y="0"/>
+          <a:ext cx="0" cy="0"/>
+          <a:chOff x="0" y="0"/>
+          <a:chExt cx="0" cy="0"/>
+        </a:xfrm>
+      </p:grpSpPr>
+      <p:sp>
+        <p:nvSpPr>
+          <p:cNvPr id="2" name="Rubrik 1"/>
+          <p:cNvSpPr>
+            <a:spLocks noGrp="1"/>
+          </p:cNvSpPr>
+          <p:nvPr>
+            <p:ph type="title"/>
+          </p:nvPr>
+        </p:nvSpPr>
+        <p:spPr/>
+        <p:txBody>
+          <a:bodyPr/>
+          <a:lstStyle/>
+          <a:p>
+            <a:r>
+              <a:rPr lang="en-US" sz="2800" b="1" dirty="0"/>
+              <a:t>ASP.NET Identity</a:t>
+            </a:r>
+            <a:endParaRPr lang="en-US" dirty="0"/>
+          </a:p>
+        </p:txBody>
+      </p:sp>
+      <p:sp>
+        <p:nvSpPr>
+          <p:cNvPr id="3" name="Platshållare för innehåll 2"/>
+          <p:cNvSpPr>
+            <a:spLocks noGrp="1"/>
+          </p:cNvSpPr>
+          <p:nvPr>
+            <p:ph idx="1"/>
+          </p:nvPr>
+        </p:nvSpPr>
+        <p:spPr>
+          <a:xfrm>
+            <a:off x="457200" y="980728"/>
+            <a:ext cx="8229600" cy="4929411"/>
+          </a:xfrm>
+        </p:spPr>
+        <p:txBody>
+          <a:bodyPr>
+            <a:normAutofit/>
+          </a:bodyPr>
+          <a:lstStyle/>
+          <a:p>
+            <a:pPr marL="0" indent="0" algn="ctr">
+              <a:buNone/>
+            </a:pPr>
+            <a:r>
+              <a:rPr lang="en-US" sz="3600" dirty="0" smtClean="0"/>
+              <a:t>Summary</a:t>
+            </a:r>
+          </a:p>
+          <a:p>
+            <a:pPr marL="0" indent="0" algn="ctr">
+              <a:buNone/>
+            </a:pPr>
+            <a:endParaRPr lang="en-US" sz="1400" dirty="0" smtClean="0"/>
+          </a:p>
+          <a:p>
+            <a:pPr marL="0" indent="0">
+              <a:buNone/>
+            </a:pPr>
+            <a:r>
+              <a:rPr lang="en-US" sz="3200" dirty="0" smtClean="0"/>
+              <a:t>In this module we have:</a:t>
+            </a:r>
+          </a:p>
+          <a:p>
+            <a:r>
+              <a:rPr lang="en-US" dirty="0" smtClean="0"/>
+              <a:t>Created a database which uses ASP.NET Identity structure</a:t>
+            </a:r>
+          </a:p>
+          <a:p>
+            <a:r>
+              <a:rPr lang="en-US" dirty="0" smtClean="0"/>
+              <a:t>Created a seed method to populate the database every time you run the application</a:t>
+            </a:r>
+          </a:p>
+          <a:p>
+            <a:r>
+              <a:rPr lang="en-US" dirty="0" smtClean="0"/>
+              <a:t>Added additional properties to the user identity</a:t>
+            </a:r>
+          </a:p>
+          <a:p>
+            <a:endParaRPr lang="en-US" sz="2400" dirty="0"/>
+          </a:p>
+        </p:txBody>
+      </p:sp>
+    </p:spTree>
+    <p:extLst>
+      <p:ext uri="{BB962C8B-B14F-4D97-AF65-F5344CB8AC3E}">
+        <p14:creationId xmlns:p14="http://schemas.microsoft.com/office/powerpoint/2010/main" val="1103928194"/>
+      </p:ext>
+    </p:extLst>
+  </p:cSld>
+  <p:clrMapOvr>
+    <a:masterClrMapping/>
+  </p:clrMapOvr>
+</p:sld>
+</file>
+
 <file path=ppt/slides/slide2.xml><?xml version="1.0" encoding="utf-8"?>
 <p:sld xmlns:a="http://schemas.openxmlformats.org/drawingml/2006/main" xmlns:r="http://schemas.openxmlformats.org/officeDocument/2006/relationships" xmlns:p="http://schemas.openxmlformats.org/presentationml/2006/main">
   <p:cSld>
@@ -4237,16 +8050,26 @@
           </a:bodyPr>
           <a:lstStyle/>
           <a:p>
-            <a:pPr marL="0" indent="0">
+            <a:pPr marL="0" indent="0" algn="ctr">
+              <a:buNone/>
+            </a:pPr>
+            <a:endParaRPr lang="en-US" sz="3200" dirty="0" smtClean="0"/>
+          </a:p>
+          <a:p>
+            <a:pPr marL="0" indent="0" algn="ctr">
               <a:buNone/>
             </a:pPr>
             <a:endParaRPr lang="en-US" sz="3200" dirty="0"/>
           </a:p>
           <a:p>
-            <a:pPr marL="0" indent="0">
+            <a:pPr marL="0" indent="0" algn="ctr">
               <a:buNone/>
             </a:pPr>
-            <a:endParaRPr lang="en-US" sz="3200" dirty="0" smtClean="0"/>
+            <a:r>
+              <a:rPr lang="en-US" sz="3200" dirty="0" smtClean="0"/>
+              <a:t> Setting up a database using ASP.NET Identity</a:t>
+            </a:r>
+            <a:endParaRPr lang="en-US" sz="3200" dirty="0"/>
           </a:p>
           <a:p>
             <a:pPr marL="0" lvl="0" indent="0">
@@ -4265,22 +8088,6 @@
             </a:endParaRPr>
           </a:p>
           <a:p>
-            <a:pPr marL="0" lvl="0" indent="0">
-              <a:buNone/>
-            </a:pPr>
-            <a:endParaRPr lang="en-US" sz="3200" u="sng" dirty="0" smtClean="0">
-              <a:hlinkClick r:id="rId2"/>
-            </a:endParaRPr>
-          </a:p>
-          <a:p>
-            <a:pPr marL="0" lvl="0" indent="0">
-              <a:buNone/>
-            </a:pPr>
-            <a:endParaRPr lang="en-US" sz="3200" u="sng" dirty="0" smtClean="0">
-              <a:hlinkClick r:id="rId2"/>
-            </a:endParaRPr>
-          </a:p>
-          <a:p>
             <a:pPr algn="ctr"/>
             <a:endParaRPr lang="en-US" sz="3200" dirty="0" smtClean="0"/>
           </a:p>
@@ -4296,6 +8103,1950 @@
     <p:extLst>
       <p:ext uri="{BB962C8B-B14F-4D97-AF65-F5344CB8AC3E}">
         <p14:creationId xmlns:p14="http://schemas.microsoft.com/office/powerpoint/2010/main" val="3487947988"/>
+      </p:ext>
+    </p:extLst>
+  </p:cSld>
+  <p:clrMapOvr>
+    <a:masterClrMapping/>
+  </p:clrMapOvr>
+  <p:timing>
+    <p:tnLst>
+      <p:par>
+        <p:cTn id="1" dur="indefinite" restart="never" nodeType="tmRoot"/>
+      </p:par>
+    </p:tnLst>
+  </p:timing>
+</p:sld>
+</file>
+
+<file path=ppt/slides/slide3.xml><?xml version="1.0" encoding="utf-8"?>
+<p:sld xmlns:a="http://schemas.openxmlformats.org/drawingml/2006/main" xmlns:r="http://schemas.openxmlformats.org/officeDocument/2006/relationships" xmlns:p="http://schemas.openxmlformats.org/presentationml/2006/main">
+  <p:cSld>
+    <p:spTree>
+      <p:nvGrpSpPr>
+        <p:cNvPr id="1" name=""/>
+        <p:cNvGrpSpPr/>
+        <p:nvPr/>
+      </p:nvGrpSpPr>
+      <p:grpSpPr>
+        <a:xfrm>
+          <a:off x="0" y="0"/>
+          <a:ext cx="0" cy="0"/>
+          <a:chOff x="0" y="0"/>
+          <a:chExt cx="0" cy="0"/>
+        </a:xfrm>
+      </p:grpSpPr>
+      <p:sp>
+        <p:nvSpPr>
+          <p:cNvPr id="2" name="Rubrik 1"/>
+          <p:cNvSpPr>
+            <a:spLocks noGrp="1"/>
+          </p:cNvSpPr>
+          <p:nvPr>
+            <p:ph type="title"/>
+          </p:nvPr>
+        </p:nvSpPr>
+        <p:spPr/>
+        <p:txBody>
+          <a:bodyPr>
+            <a:normAutofit fontScale="90000"/>
+          </a:bodyPr>
+          <a:lstStyle/>
+          <a:p>
+            <a:r>
+              <a:rPr lang="en-US" sz="3200" b="1" dirty="0"/>
+              <a:t>ASP.NET Identity</a:t>
+            </a:r>
+            <a:endParaRPr lang="en-US" dirty="0"/>
+          </a:p>
+        </p:txBody>
+      </p:sp>
+      <p:sp>
+        <p:nvSpPr>
+          <p:cNvPr id="3" name="Platshållare för innehåll 2"/>
+          <p:cNvSpPr>
+            <a:spLocks noGrp="1"/>
+          </p:cNvSpPr>
+          <p:nvPr>
+            <p:ph idx="1"/>
+          </p:nvPr>
+        </p:nvSpPr>
+        <p:spPr>
+          <a:xfrm>
+            <a:off x="457200" y="1628800"/>
+            <a:ext cx="8229600" cy="4525963"/>
+          </a:xfrm>
+        </p:spPr>
+        <p:txBody>
+          <a:bodyPr/>
+          <a:lstStyle/>
+          <a:p>
+            <a:pPr marL="0" indent="0">
+              <a:buNone/>
+            </a:pPr>
+            <a:endParaRPr lang="en-US" dirty="0" smtClean="0"/>
+          </a:p>
+          <a:p>
+            <a:pPr marL="0" indent="0">
+              <a:buNone/>
+            </a:pPr>
+            <a:endParaRPr lang="en-US" dirty="0"/>
+          </a:p>
+        </p:txBody>
+      </p:sp>
+      <p:pic>
+        <p:nvPicPr>
+          <p:cNvPr id="4" name="Bildobjekt 3"/>
+          <p:cNvPicPr>
+            <a:picLocks noChangeAspect="1"/>
+          </p:cNvPicPr>
+          <p:nvPr/>
+        </p:nvPicPr>
+        <p:blipFill>
+          <a:blip r:embed="rId2">
+            <a:extLst>
+              <a:ext uri="{28A0092B-C50C-407E-A947-70E740481C1C}">
+                <a14:useLocalDpi xmlns:a14="http://schemas.microsoft.com/office/drawing/2010/main" val="0"/>
+              </a:ext>
+            </a:extLst>
+          </a:blip>
+          <a:stretch>
+            <a:fillRect/>
+          </a:stretch>
+        </p:blipFill>
+        <p:spPr>
+          <a:xfrm>
+            <a:off x="2052142" y="2348880"/>
+            <a:ext cx="5039716" cy="3588327"/>
+          </a:xfrm>
+          <a:prstGeom prst="rect">
+            <a:avLst/>
+          </a:prstGeom>
+        </p:spPr>
+      </p:pic>
+      <p:sp>
+        <p:nvSpPr>
+          <p:cNvPr id="5" name="textruta 4"/>
+          <p:cNvSpPr txBox="1"/>
+          <p:nvPr/>
+        </p:nvSpPr>
+        <p:spPr>
+          <a:xfrm>
+            <a:off x="457200" y="1124744"/>
+            <a:ext cx="8147248" cy="954107"/>
+          </a:xfrm>
+          <a:prstGeom prst="rect">
+            <a:avLst/>
+          </a:prstGeom>
+          <a:noFill/>
+        </p:spPr>
+        <p:txBody>
+          <a:bodyPr wrap="square" rtlCol="0">
+            <a:spAutoFit/>
+          </a:bodyPr>
+          <a:lstStyle/>
+          <a:p>
+            <a:pPr algn="ctr"/>
+            <a:r>
+              <a:rPr lang="en-US" sz="2800" dirty="0" smtClean="0"/>
+              <a:t>We will start by creating a new console application. We will call it “IdentityConsoleApp”</a:t>
+            </a:r>
+            <a:endParaRPr lang="en-US" sz="2800" dirty="0"/>
+          </a:p>
+        </p:txBody>
+      </p:sp>
+    </p:spTree>
+    <p:extLst>
+      <p:ext uri="{BB962C8B-B14F-4D97-AF65-F5344CB8AC3E}">
+        <p14:creationId xmlns:p14="http://schemas.microsoft.com/office/powerpoint/2010/main" val="2067903459"/>
+      </p:ext>
+    </p:extLst>
+  </p:cSld>
+  <p:clrMapOvr>
+    <a:masterClrMapping/>
+  </p:clrMapOvr>
+  <p:timing>
+    <p:tnLst>
+      <p:par>
+        <p:cTn id="1" dur="indefinite" restart="never" nodeType="tmRoot"/>
+      </p:par>
+    </p:tnLst>
+  </p:timing>
+</p:sld>
+</file>
+
+<file path=ppt/slides/slide4.xml><?xml version="1.0" encoding="utf-8"?>
+<p:sld xmlns:a="http://schemas.openxmlformats.org/drawingml/2006/main" xmlns:r="http://schemas.openxmlformats.org/officeDocument/2006/relationships" xmlns:p="http://schemas.openxmlformats.org/presentationml/2006/main">
+  <p:cSld>
+    <p:spTree>
+      <p:nvGrpSpPr>
+        <p:cNvPr id="1" name=""/>
+        <p:cNvGrpSpPr/>
+        <p:nvPr/>
+      </p:nvGrpSpPr>
+      <p:grpSpPr>
+        <a:xfrm>
+          <a:off x="0" y="0"/>
+          <a:ext cx="0" cy="0"/>
+          <a:chOff x="0" y="0"/>
+          <a:chExt cx="0" cy="0"/>
+        </a:xfrm>
+      </p:grpSpPr>
+      <p:sp>
+        <p:nvSpPr>
+          <p:cNvPr id="2" name="Rubrik 1"/>
+          <p:cNvSpPr>
+            <a:spLocks noGrp="1"/>
+          </p:cNvSpPr>
+          <p:nvPr>
+            <p:ph type="title"/>
+          </p:nvPr>
+        </p:nvSpPr>
+        <p:spPr/>
+        <p:txBody>
+          <a:bodyPr/>
+          <a:lstStyle/>
+          <a:p>
+            <a:r>
+              <a:rPr lang="en-US" sz="2800" b="1" dirty="0"/>
+              <a:t>ASP.NET Identity</a:t>
+            </a:r>
+            <a:endParaRPr lang="en-US" dirty="0"/>
+          </a:p>
+        </p:txBody>
+      </p:sp>
+      <p:pic>
+        <p:nvPicPr>
+          <p:cNvPr id="4" name="Platshållare för innehåll 3"/>
+          <p:cNvPicPr>
+            <a:picLocks noGrp="1" noChangeAspect="1"/>
+          </p:cNvPicPr>
+          <p:nvPr>
+            <p:ph idx="1"/>
+          </p:nvPr>
+        </p:nvPicPr>
+        <p:blipFill>
+          <a:blip r:embed="rId2">
+            <a:extLst>
+              <a:ext uri="{28A0092B-C50C-407E-A947-70E740481C1C}">
+                <a14:useLocalDpi xmlns:a14="http://schemas.microsoft.com/office/drawing/2010/main" val="0"/>
+              </a:ext>
+            </a:extLst>
+          </a:blip>
+          <a:stretch>
+            <a:fillRect/>
+          </a:stretch>
+        </p:blipFill>
+        <p:spPr>
+          <a:xfrm>
+            <a:off x="1918118" y="3140968"/>
+            <a:ext cx="5307763" cy="1816838"/>
+          </a:xfrm>
+        </p:spPr>
+      </p:pic>
+      <p:sp>
+        <p:nvSpPr>
+          <p:cNvPr id="5" name="textruta 4"/>
+          <p:cNvSpPr txBox="1"/>
+          <p:nvPr/>
+        </p:nvSpPr>
+        <p:spPr>
+          <a:xfrm>
+            <a:off x="323528" y="1052736"/>
+            <a:ext cx="8496944" cy="1077218"/>
+          </a:xfrm>
+          <a:prstGeom prst="rect">
+            <a:avLst/>
+          </a:prstGeom>
+          <a:noFill/>
+        </p:spPr>
+        <p:txBody>
+          <a:bodyPr wrap="square" rtlCol="0">
+            <a:spAutoFit/>
+          </a:bodyPr>
+          <a:lstStyle/>
+          <a:p>
+            <a:r>
+              <a:rPr lang="en-US" sz="3200" dirty="0" smtClean="0"/>
+              <a:t>Open the SQL Server Object Explorer and create a new database to your localdb</a:t>
+            </a:r>
+            <a:endParaRPr lang="en-US" sz="3200" dirty="0"/>
+          </a:p>
+        </p:txBody>
+      </p:sp>
+    </p:spTree>
+    <p:extLst>
+      <p:ext uri="{BB962C8B-B14F-4D97-AF65-F5344CB8AC3E}">
+        <p14:creationId xmlns:p14="http://schemas.microsoft.com/office/powerpoint/2010/main" val="1173110904"/>
+      </p:ext>
+    </p:extLst>
+  </p:cSld>
+  <p:clrMapOvr>
+    <a:masterClrMapping/>
+  </p:clrMapOvr>
+  <p:timing>
+    <p:tnLst>
+      <p:par>
+        <p:cTn id="1" dur="indefinite" restart="never" nodeType="tmRoot"/>
+      </p:par>
+    </p:tnLst>
+  </p:timing>
+</p:sld>
+</file>
+
+<file path=ppt/slides/slide5.xml><?xml version="1.0" encoding="utf-8"?>
+<p:sld xmlns:a="http://schemas.openxmlformats.org/drawingml/2006/main" xmlns:r="http://schemas.openxmlformats.org/officeDocument/2006/relationships" xmlns:p="http://schemas.openxmlformats.org/presentationml/2006/main">
+  <p:cSld>
+    <p:spTree>
+      <p:nvGrpSpPr>
+        <p:cNvPr id="1" name=""/>
+        <p:cNvGrpSpPr/>
+        <p:nvPr/>
+      </p:nvGrpSpPr>
+      <p:grpSpPr>
+        <a:xfrm>
+          <a:off x="0" y="0"/>
+          <a:ext cx="0" cy="0"/>
+          <a:chOff x="0" y="0"/>
+          <a:chExt cx="0" cy="0"/>
+        </a:xfrm>
+      </p:grpSpPr>
+      <p:sp>
+        <p:nvSpPr>
+          <p:cNvPr id="2" name="Rubrik 1"/>
+          <p:cNvSpPr>
+            <a:spLocks noGrp="1"/>
+          </p:cNvSpPr>
+          <p:nvPr>
+            <p:ph type="title"/>
+          </p:nvPr>
+        </p:nvSpPr>
+        <p:spPr/>
+        <p:txBody>
+          <a:bodyPr>
+            <a:normAutofit fontScale="90000"/>
+          </a:bodyPr>
+          <a:lstStyle/>
+          <a:p>
+            <a:r>
+              <a:rPr lang="en-US" sz="3200" b="1" dirty="0"/>
+              <a:t>ASP.NET Identity</a:t>
+            </a:r>
+            <a:endParaRPr lang="en-US" dirty="0"/>
+          </a:p>
+        </p:txBody>
+      </p:sp>
+      <p:sp>
+        <p:nvSpPr>
+          <p:cNvPr id="3" name="Platshållare för innehåll 2"/>
+          <p:cNvSpPr>
+            <a:spLocks noGrp="1"/>
+          </p:cNvSpPr>
+          <p:nvPr>
+            <p:ph idx="1"/>
+          </p:nvPr>
+        </p:nvSpPr>
+        <p:spPr>
+          <a:xfrm>
+            <a:off x="457200" y="980728"/>
+            <a:ext cx="8507288" cy="5145435"/>
+          </a:xfrm>
+        </p:spPr>
+        <p:txBody>
+          <a:bodyPr>
+            <a:normAutofit/>
+          </a:bodyPr>
+          <a:lstStyle/>
+          <a:p>
+            <a:pPr marL="0" indent="0" algn="ctr">
+              <a:buNone/>
+            </a:pPr>
+            <a:endParaRPr lang="en-US" dirty="0" smtClean="0"/>
+          </a:p>
+          <a:p>
+            <a:pPr marL="0" indent="0" algn="ctr">
+              <a:buNone/>
+            </a:pPr>
+            <a:r>
+              <a:rPr lang="en-US" dirty="0" smtClean="0"/>
+              <a:t>Then we add the connectionstring to our app.config file.</a:t>
+            </a:r>
+            <a:endParaRPr lang="en-US" sz="2400" dirty="0"/>
+          </a:p>
+        </p:txBody>
+      </p:sp>
+      <p:sp>
+        <p:nvSpPr>
+          <p:cNvPr id="5" name="Rektangel 4"/>
+          <p:cNvSpPr/>
+          <p:nvPr/>
+        </p:nvSpPr>
+        <p:spPr>
+          <a:xfrm>
+            <a:off x="457200" y="2420888"/>
+            <a:ext cx="8229600" cy="1877437"/>
+          </a:xfrm>
+          <a:prstGeom prst="rect">
+            <a:avLst/>
+          </a:prstGeom>
+        </p:spPr>
+        <p:txBody>
+          <a:bodyPr wrap="square">
+            <a:spAutoFit/>
+          </a:bodyPr>
+          <a:lstStyle/>
+          <a:p>
+            <a:r>
+              <a:rPr lang="en-US" sz="1600" dirty="0">
+                <a:solidFill>
+                  <a:srgbClr val="0000FF"/>
+                </a:solidFill>
+                <a:highlight>
+                  <a:srgbClr val="FFFFFF"/>
+                </a:highlight>
+                <a:latin typeface="Consolas" panose="020B0609020204030204" pitchFamily="49" charset="0"/>
+              </a:rPr>
+              <a:t>&lt;</a:t>
+            </a:r>
+            <a:r>
+              <a:rPr lang="en-US" sz="1600" dirty="0">
+                <a:solidFill>
+                  <a:srgbClr val="A31515"/>
+                </a:solidFill>
+                <a:highlight>
+                  <a:srgbClr val="FFFFFF"/>
+                </a:highlight>
+                <a:latin typeface="Consolas" panose="020B0609020204030204" pitchFamily="49" charset="0"/>
+              </a:rPr>
+              <a:t>connectionStrings</a:t>
+            </a:r>
+            <a:r>
+              <a:rPr lang="en-US" sz="1600" dirty="0">
+                <a:solidFill>
+                  <a:srgbClr val="0000FF"/>
+                </a:solidFill>
+                <a:highlight>
+                  <a:srgbClr val="FFFFFF"/>
+                </a:highlight>
+                <a:latin typeface="Consolas" panose="020B0609020204030204" pitchFamily="49" charset="0"/>
+              </a:rPr>
+              <a:t>&gt;</a:t>
+            </a:r>
+            <a:endParaRPr lang="en-US" sz="1600" dirty="0">
+              <a:solidFill>
+                <a:srgbClr val="000000"/>
+              </a:solidFill>
+              <a:highlight>
+                <a:srgbClr val="FFFFFF"/>
+              </a:highlight>
+              <a:latin typeface="Consolas" panose="020B0609020204030204" pitchFamily="49" charset="0"/>
+            </a:endParaRPr>
+          </a:p>
+          <a:p>
+            <a:r>
+              <a:rPr lang="en-US" sz="1600" dirty="0">
+                <a:solidFill>
+                  <a:srgbClr val="0000FF"/>
+                </a:solidFill>
+                <a:highlight>
+                  <a:srgbClr val="FFFFFF"/>
+                </a:highlight>
+                <a:latin typeface="Consolas" panose="020B0609020204030204" pitchFamily="49" charset="0"/>
+              </a:rPr>
+              <a:t>    &lt;</a:t>
+            </a:r>
+            <a:r>
+              <a:rPr lang="en-US" sz="1600" dirty="0">
+                <a:solidFill>
+                  <a:srgbClr val="A31515"/>
+                </a:solidFill>
+                <a:highlight>
+                  <a:srgbClr val="FFFFFF"/>
+                </a:highlight>
+                <a:latin typeface="Consolas" panose="020B0609020204030204" pitchFamily="49" charset="0"/>
+              </a:rPr>
+              <a:t>add</a:t>
+            </a:r>
+            <a:r>
+              <a:rPr lang="en-US" sz="1600" dirty="0">
+                <a:solidFill>
+                  <a:srgbClr val="0000FF"/>
+                </a:solidFill>
+                <a:highlight>
+                  <a:srgbClr val="FFFFFF"/>
+                </a:highlight>
+                <a:latin typeface="Consolas" panose="020B0609020204030204" pitchFamily="49" charset="0"/>
+              </a:rPr>
+              <a:t> </a:t>
+            </a:r>
+            <a:r>
+              <a:rPr lang="en-US" sz="1600" dirty="0">
+                <a:solidFill>
+                  <a:srgbClr val="FF0000"/>
+                </a:solidFill>
+                <a:highlight>
+                  <a:srgbClr val="FFFFFF"/>
+                </a:highlight>
+                <a:latin typeface="Consolas" panose="020B0609020204030204" pitchFamily="49" charset="0"/>
+              </a:rPr>
+              <a:t>name</a:t>
+            </a:r>
+            <a:r>
+              <a:rPr lang="en-US" sz="1600" dirty="0">
+                <a:solidFill>
+                  <a:srgbClr val="0000FF"/>
+                </a:solidFill>
+                <a:highlight>
+                  <a:srgbClr val="FFFFFF"/>
+                </a:highlight>
+                <a:latin typeface="Consolas" panose="020B0609020204030204" pitchFamily="49" charset="0"/>
+              </a:rPr>
+              <a:t>=</a:t>
+            </a:r>
+            <a:r>
+              <a:rPr lang="en-US" sz="1600" dirty="0">
+                <a:solidFill>
+                  <a:srgbClr val="000000"/>
+                </a:solidFill>
+                <a:highlight>
+                  <a:srgbClr val="FFFFFF"/>
+                </a:highlight>
+                <a:latin typeface="Consolas" panose="020B0609020204030204" pitchFamily="49" charset="0"/>
+              </a:rPr>
+              <a:t>"</a:t>
+            </a:r>
+            <a:r>
+              <a:rPr lang="en-US" sz="1600" dirty="0">
+                <a:solidFill>
+                  <a:srgbClr val="0000FF"/>
+                </a:solidFill>
+                <a:highlight>
+                  <a:srgbClr val="FFFFFF"/>
+                </a:highlight>
+                <a:latin typeface="Consolas" panose="020B0609020204030204" pitchFamily="49" charset="0"/>
+              </a:rPr>
+              <a:t>DefaultConnection</a:t>
+            </a:r>
+            <a:r>
+              <a:rPr lang="en-US" sz="1600" dirty="0">
+                <a:solidFill>
+                  <a:srgbClr val="000000"/>
+                </a:solidFill>
+                <a:highlight>
+                  <a:srgbClr val="FFFFFF"/>
+                </a:highlight>
+                <a:latin typeface="Consolas" panose="020B0609020204030204" pitchFamily="49" charset="0"/>
+              </a:rPr>
+              <a:t>"</a:t>
+            </a:r>
+            <a:r>
+              <a:rPr lang="en-US" sz="1600" dirty="0">
+                <a:solidFill>
+                  <a:srgbClr val="0000FF"/>
+                </a:solidFill>
+                <a:highlight>
+                  <a:srgbClr val="FFFFFF"/>
+                </a:highlight>
+                <a:latin typeface="Consolas" panose="020B0609020204030204" pitchFamily="49" charset="0"/>
+              </a:rPr>
+              <a:t> </a:t>
+            </a:r>
+            <a:endParaRPr lang="en-US" sz="1600" dirty="0">
+              <a:solidFill>
+                <a:srgbClr val="000000"/>
+              </a:solidFill>
+              <a:highlight>
+                <a:srgbClr val="FFFFFF"/>
+              </a:highlight>
+              <a:latin typeface="Consolas" panose="020B0609020204030204" pitchFamily="49" charset="0"/>
+            </a:endParaRPr>
+          </a:p>
+          <a:p>
+            <a:r>
+              <a:rPr lang="en-US" sz="1600" dirty="0">
+                <a:solidFill>
+                  <a:srgbClr val="0000FF"/>
+                </a:solidFill>
+                <a:highlight>
+                  <a:srgbClr val="FFFFFF"/>
+                </a:highlight>
+                <a:latin typeface="Consolas" panose="020B0609020204030204" pitchFamily="49" charset="0"/>
+              </a:rPr>
+              <a:t>         </a:t>
+            </a:r>
+            <a:r>
+              <a:rPr lang="en-US" sz="1600" dirty="0">
+                <a:solidFill>
+                  <a:srgbClr val="FF0000"/>
+                </a:solidFill>
+                <a:highlight>
+                  <a:srgbClr val="FFFFFF"/>
+                </a:highlight>
+                <a:latin typeface="Consolas" panose="020B0609020204030204" pitchFamily="49" charset="0"/>
+              </a:rPr>
+              <a:t>connectionString</a:t>
+            </a:r>
+            <a:r>
+              <a:rPr lang="en-US" sz="1600" dirty="0" smtClean="0">
+                <a:solidFill>
+                  <a:srgbClr val="0000FF"/>
+                </a:solidFill>
+                <a:highlight>
+                  <a:srgbClr val="FFFFFF"/>
+                </a:highlight>
+                <a:latin typeface="Consolas" panose="020B0609020204030204" pitchFamily="49" charset="0"/>
+              </a:rPr>
+              <a:t>=</a:t>
+            </a:r>
+            <a:r>
+              <a:rPr lang="en-US" sz="1600" dirty="0" smtClean="0">
+                <a:solidFill>
+                  <a:srgbClr val="000000"/>
+                </a:solidFill>
+                <a:highlight>
+                  <a:srgbClr val="FFFFFF"/>
+                </a:highlight>
+                <a:latin typeface="Consolas" panose="020B0609020204030204" pitchFamily="49" charset="0"/>
+              </a:rPr>
+              <a:t>“</a:t>
+            </a:r>
+            <a:r>
+              <a:rPr lang="en-US" sz="1600" dirty="0" smtClean="0">
+                <a:solidFill>
+                  <a:srgbClr val="0000FF"/>
+                </a:solidFill>
+                <a:highlight>
+                  <a:srgbClr val="FFFFFF"/>
+                </a:highlight>
+                <a:latin typeface="Consolas" panose="020B0609020204030204" pitchFamily="49" charset="0"/>
+              </a:rPr>
+              <a:t>Data Source</a:t>
+            </a:r>
+            <a:r>
+              <a:rPr lang="en-US" sz="1600" dirty="0">
+                <a:solidFill>
+                  <a:srgbClr val="0000FF"/>
+                </a:solidFill>
+                <a:highlight>
+                  <a:srgbClr val="FFFFFF"/>
+                </a:highlight>
+                <a:latin typeface="Consolas" panose="020B0609020204030204" pitchFamily="49" charset="0"/>
+              </a:rPr>
+              <a:t>=(localdb)\Projects;Initial </a:t>
+            </a:r>
+            <a:endParaRPr lang="en-US" sz="1600" dirty="0">
+              <a:solidFill>
+                <a:srgbClr val="000000"/>
+              </a:solidFill>
+              <a:highlight>
+                <a:srgbClr val="FFFFFF"/>
+              </a:highlight>
+              <a:latin typeface="Consolas" panose="020B0609020204030204" pitchFamily="49" charset="0"/>
+            </a:endParaRPr>
+          </a:p>
+          <a:p>
+            <a:r>
+              <a:rPr lang="en-US" sz="1600" dirty="0">
+                <a:solidFill>
+                  <a:srgbClr val="0000FF"/>
+                </a:solidFill>
+                <a:highlight>
+                  <a:srgbClr val="FFFFFF"/>
+                </a:highlight>
+                <a:latin typeface="Consolas" panose="020B0609020204030204" pitchFamily="49" charset="0"/>
+              </a:rPr>
+              <a:t>         </a:t>
+            </a:r>
+            <a:r>
+              <a:rPr lang="en-US" sz="1600" dirty="0" smtClean="0">
+                <a:solidFill>
+                  <a:srgbClr val="0000FF"/>
+                </a:solidFill>
+                <a:highlight>
+                  <a:srgbClr val="FFFFFF"/>
+                </a:highlight>
+                <a:latin typeface="Consolas" panose="020B0609020204030204" pitchFamily="49" charset="0"/>
+              </a:rPr>
+              <a:t>Catalog=</a:t>
+            </a:r>
+            <a:r>
+              <a:rPr lang="en-US" sz="1600" dirty="0" err="1" smtClean="0">
+                <a:solidFill>
+                  <a:srgbClr val="0000FF"/>
+                </a:solidFill>
+                <a:highlight>
+                  <a:srgbClr val="FFFFFF"/>
+                </a:highlight>
+                <a:latin typeface="Consolas" panose="020B0609020204030204" pitchFamily="49" charset="0"/>
+              </a:rPr>
+              <a:t>IdentityConsole;Integrated</a:t>
+            </a:r>
+            <a:r>
+              <a:rPr lang="en-US" sz="1600" dirty="0" smtClean="0">
+                <a:solidFill>
+                  <a:srgbClr val="0000FF"/>
+                </a:solidFill>
+                <a:highlight>
+                  <a:srgbClr val="FFFFFF"/>
+                </a:highlight>
+                <a:latin typeface="Consolas" panose="020B0609020204030204" pitchFamily="49" charset="0"/>
+              </a:rPr>
+              <a:t> </a:t>
+            </a:r>
+            <a:r>
+              <a:rPr lang="en-US" sz="1600" dirty="0">
+                <a:solidFill>
+                  <a:srgbClr val="0000FF"/>
+                </a:solidFill>
+                <a:highlight>
+                  <a:srgbClr val="FFFFFF"/>
+                </a:highlight>
+                <a:latin typeface="Consolas" panose="020B0609020204030204" pitchFamily="49" charset="0"/>
+              </a:rPr>
+              <a:t>Security=True;</a:t>
+            </a:r>
+            <a:endParaRPr lang="en-US" sz="1600" dirty="0">
+              <a:solidFill>
+                <a:srgbClr val="000000"/>
+              </a:solidFill>
+              <a:highlight>
+                <a:srgbClr val="FFFFFF"/>
+              </a:highlight>
+              <a:latin typeface="Consolas" panose="020B0609020204030204" pitchFamily="49" charset="0"/>
+            </a:endParaRPr>
+          </a:p>
+          <a:p>
+            <a:r>
+              <a:rPr lang="en-US" sz="1600" dirty="0">
+                <a:solidFill>
+                  <a:srgbClr val="0000FF"/>
+                </a:solidFill>
+                <a:highlight>
+                  <a:srgbClr val="FFFFFF"/>
+                </a:highlight>
+                <a:latin typeface="Consolas" panose="020B0609020204030204" pitchFamily="49" charset="0"/>
+              </a:rPr>
+              <a:t>         Connect </a:t>
+            </a:r>
+            <a:r>
+              <a:rPr lang="en-US" sz="1600" dirty="0" smtClean="0">
+                <a:solidFill>
+                  <a:srgbClr val="0000FF"/>
+                </a:solidFill>
+                <a:highlight>
+                  <a:srgbClr val="FFFFFF"/>
+                </a:highlight>
+                <a:latin typeface="Consolas" panose="020B0609020204030204" pitchFamily="49" charset="0"/>
+              </a:rPr>
+              <a:t>Timeout=30;Encrypt=</a:t>
+            </a:r>
+            <a:r>
+              <a:rPr lang="en-US" sz="1600" dirty="0" err="1" smtClean="0">
+                <a:solidFill>
+                  <a:srgbClr val="0000FF"/>
+                </a:solidFill>
+                <a:highlight>
+                  <a:srgbClr val="FFFFFF"/>
+                </a:highlight>
+                <a:latin typeface="Consolas" panose="020B0609020204030204" pitchFamily="49" charset="0"/>
+              </a:rPr>
+              <a:t>False;TrustServerCertificate</a:t>
+            </a:r>
+            <a:r>
+              <a:rPr lang="en-US" sz="1600" dirty="0" smtClean="0">
+                <a:solidFill>
+                  <a:srgbClr val="0000FF"/>
+                </a:solidFill>
+                <a:highlight>
+                  <a:srgbClr val="FFFFFF"/>
+                </a:highlight>
+                <a:latin typeface="Consolas" panose="020B0609020204030204" pitchFamily="49" charset="0"/>
+              </a:rPr>
+              <a:t>=False</a:t>
+            </a:r>
+            <a:r>
+              <a:rPr lang="en-US" sz="1600" dirty="0">
+                <a:solidFill>
+                  <a:srgbClr val="000000"/>
+                </a:solidFill>
+                <a:highlight>
+                  <a:srgbClr val="FFFFFF"/>
+                </a:highlight>
+                <a:latin typeface="Consolas" panose="020B0609020204030204" pitchFamily="49" charset="0"/>
+              </a:rPr>
+              <a:t>"</a:t>
+            </a:r>
+            <a:r>
+              <a:rPr lang="en-US" sz="1600" dirty="0">
+                <a:solidFill>
+                  <a:srgbClr val="0000FF"/>
+                </a:solidFill>
+                <a:highlight>
+                  <a:srgbClr val="FFFFFF"/>
+                </a:highlight>
+                <a:latin typeface="Consolas" panose="020B0609020204030204" pitchFamily="49" charset="0"/>
+              </a:rPr>
+              <a:t> </a:t>
+            </a:r>
+            <a:endParaRPr lang="en-US" sz="1600" dirty="0">
+              <a:solidFill>
+                <a:srgbClr val="000000"/>
+              </a:solidFill>
+              <a:highlight>
+                <a:srgbClr val="FFFFFF"/>
+              </a:highlight>
+              <a:latin typeface="Consolas" panose="020B0609020204030204" pitchFamily="49" charset="0"/>
+            </a:endParaRPr>
+          </a:p>
+          <a:p>
+            <a:r>
+              <a:rPr lang="en-US" sz="1600" dirty="0">
+                <a:solidFill>
+                  <a:srgbClr val="0000FF"/>
+                </a:solidFill>
+                <a:highlight>
+                  <a:srgbClr val="FFFFFF"/>
+                </a:highlight>
+                <a:latin typeface="Consolas" panose="020B0609020204030204" pitchFamily="49" charset="0"/>
+              </a:rPr>
+              <a:t>         </a:t>
+            </a:r>
+            <a:r>
+              <a:rPr lang="en-US" sz="1600" dirty="0">
+                <a:solidFill>
+                  <a:srgbClr val="FF0000"/>
+                </a:solidFill>
+                <a:highlight>
+                  <a:srgbClr val="FFFFFF"/>
+                </a:highlight>
+                <a:latin typeface="Consolas" panose="020B0609020204030204" pitchFamily="49" charset="0"/>
+              </a:rPr>
+              <a:t>providerName</a:t>
+            </a:r>
+            <a:r>
+              <a:rPr lang="en-US" sz="1600" dirty="0">
+                <a:solidFill>
+                  <a:srgbClr val="0000FF"/>
+                </a:solidFill>
+                <a:highlight>
+                  <a:srgbClr val="FFFFFF"/>
+                </a:highlight>
+                <a:latin typeface="Consolas" panose="020B0609020204030204" pitchFamily="49" charset="0"/>
+              </a:rPr>
+              <a:t>=</a:t>
+            </a:r>
+            <a:r>
+              <a:rPr lang="en-US" sz="1600" dirty="0">
+                <a:solidFill>
+                  <a:srgbClr val="000000"/>
+                </a:solidFill>
+                <a:highlight>
+                  <a:srgbClr val="FFFFFF"/>
+                </a:highlight>
+                <a:latin typeface="Consolas" panose="020B0609020204030204" pitchFamily="49" charset="0"/>
+              </a:rPr>
+              <a:t>"</a:t>
+            </a:r>
+            <a:r>
+              <a:rPr lang="en-US" sz="1600" dirty="0">
+                <a:solidFill>
+                  <a:srgbClr val="0000FF"/>
+                </a:solidFill>
+                <a:highlight>
+                  <a:srgbClr val="FFFFFF"/>
+                </a:highlight>
+                <a:latin typeface="Consolas" panose="020B0609020204030204" pitchFamily="49" charset="0"/>
+              </a:rPr>
+              <a:t>System.Data.SqlClient</a:t>
+            </a:r>
+            <a:r>
+              <a:rPr lang="en-US" sz="1600" dirty="0">
+                <a:solidFill>
+                  <a:srgbClr val="000000"/>
+                </a:solidFill>
+                <a:highlight>
+                  <a:srgbClr val="FFFFFF"/>
+                </a:highlight>
+                <a:latin typeface="Consolas" panose="020B0609020204030204" pitchFamily="49" charset="0"/>
+              </a:rPr>
+              <a:t>"</a:t>
+            </a:r>
+            <a:r>
+              <a:rPr lang="en-US" sz="1600" dirty="0">
+                <a:solidFill>
+                  <a:srgbClr val="0000FF"/>
+                </a:solidFill>
+                <a:highlight>
+                  <a:srgbClr val="FFFFFF"/>
+                </a:highlight>
+                <a:latin typeface="Consolas" panose="020B0609020204030204" pitchFamily="49" charset="0"/>
+              </a:rPr>
+              <a:t> /&gt;</a:t>
+            </a:r>
+            <a:endParaRPr lang="en-US" sz="1600" dirty="0">
+              <a:solidFill>
+                <a:srgbClr val="000000"/>
+              </a:solidFill>
+              <a:highlight>
+                <a:srgbClr val="FFFFFF"/>
+              </a:highlight>
+              <a:latin typeface="Consolas" panose="020B0609020204030204" pitchFamily="49" charset="0"/>
+            </a:endParaRPr>
+          </a:p>
+          <a:p>
+            <a:r>
+              <a:rPr lang="en-US" sz="1600" dirty="0">
+                <a:solidFill>
+                  <a:srgbClr val="0000FF"/>
+                </a:solidFill>
+                <a:highlight>
+                  <a:srgbClr val="FFFFFF"/>
+                </a:highlight>
+                <a:latin typeface="Consolas" panose="020B0609020204030204" pitchFamily="49" charset="0"/>
+              </a:rPr>
+              <a:t>  &lt;/</a:t>
+            </a:r>
+            <a:r>
+              <a:rPr lang="en-US" sz="1600" dirty="0">
+                <a:solidFill>
+                  <a:srgbClr val="A31515"/>
+                </a:solidFill>
+                <a:highlight>
+                  <a:srgbClr val="FFFFFF"/>
+                </a:highlight>
+                <a:latin typeface="Consolas" panose="020B0609020204030204" pitchFamily="49" charset="0"/>
+              </a:rPr>
+              <a:t>connectionStrings</a:t>
+            </a:r>
+            <a:r>
+              <a:rPr lang="en-US" sz="1600" dirty="0">
+                <a:solidFill>
+                  <a:srgbClr val="0000FF"/>
+                </a:solidFill>
+                <a:highlight>
+                  <a:srgbClr val="FFFFFF"/>
+                </a:highlight>
+                <a:latin typeface="Consolas" panose="020B0609020204030204" pitchFamily="49" charset="0"/>
+              </a:rPr>
+              <a:t>&gt;</a:t>
+            </a:r>
+            <a:endParaRPr lang="en-US" sz="1600" dirty="0"/>
+          </a:p>
+        </p:txBody>
+      </p:sp>
+      <p:sp>
+        <p:nvSpPr>
+          <p:cNvPr id="6" name="textruta 5"/>
+          <p:cNvSpPr txBox="1"/>
+          <p:nvPr/>
+        </p:nvSpPr>
+        <p:spPr>
+          <a:xfrm>
+            <a:off x="457200" y="4505057"/>
+            <a:ext cx="8136904" cy="461665"/>
+          </a:xfrm>
+          <a:prstGeom prst="rect">
+            <a:avLst/>
+          </a:prstGeom>
+          <a:noFill/>
+        </p:spPr>
+        <p:txBody>
+          <a:bodyPr wrap="square" rtlCol="0">
+            <a:spAutoFit/>
+          </a:bodyPr>
+          <a:lstStyle/>
+          <a:p>
+            <a:pPr algn="ctr"/>
+            <a:r>
+              <a:rPr lang="en-US" sz="2400" dirty="0" smtClean="0"/>
+              <a:t>Please </a:t>
+            </a:r>
+            <a:r>
+              <a:rPr lang="en-US" sz="2400" dirty="0"/>
+              <a:t>note that the connection string has to be on a single line!</a:t>
+            </a:r>
+          </a:p>
+        </p:txBody>
+      </p:sp>
+    </p:spTree>
+    <p:extLst>
+      <p:ext uri="{BB962C8B-B14F-4D97-AF65-F5344CB8AC3E}">
+        <p14:creationId xmlns:p14="http://schemas.microsoft.com/office/powerpoint/2010/main" val="546544012"/>
+      </p:ext>
+    </p:extLst>
+  </p:cSld>
+  <p:clrMapOvr>
+    <a:masterClrMapping/>
+  </p:clrMapOvr>
+  <p:timing>
+    <p:tnLst>
+      <p:par>
+        <p:cTn id="1" dur="indefinite" restart="never" nodeType="tmRoot"/>
+      </p:par>
+    </p:tnLst>
+  </p:timing>
+</p:sld>
+</file>
+
+<file path=ppt/slides/slide6.xml><?xml version="1.0" encoding="utf-8"?>
+<p:sld xmlns:a="http://schemas.openxmlformats.org/drawingml/2006/main" xmlns:r="http://schemas.openxmlformats.org/officeDocument/2006/relationships" xmlns:p="http://schemas.openxmlformats.org/presentationml/2006/main">
+  <p:cSld>
+    <p:spTree>
+      <p:nvGrpSpPr>
+        <p:cNvPr id="1" name=""/>
+        <p:cNvGrpSpPr/>
+        <p:nvPr/>
+      </p:nvGrpSpPr>
+      <p:grpSpPr>
+        <a:xfrm>
+          <a:off x="0" y="0"/>
+          <a:ext cx="0" cy="0"/>
+          <a:chOff x="0" y="0"/>
+          <a:chExt cx="0" cy="0"/>
+        </a:xfrm>
+      </p:grpSpPr>
+      <p:sp>
+        <p:nvSpPr>
+          <p:cNvPr id="2" name="Rubrik 1"/>
+          <p:cNvSpPr>
+            <a:spLocks noGrp="1"/>
+          </p:cNvSpPr>
+          <p:nvPr>
+            <p:ph type="title"/>
+          </p:nvPr>
+        </p:nvSpPr>
+        <p:spPr/>
+        <p:txBody>
+          <a:bodyPr/>
+          <a:lstStyle/>
+          <a:p>
+            <a:r>
+              <a:rPr lang="en-US" sz="2800" b="1" dirty="0"/>
+              <a:t>ASP.NET Identity</a:t>
+            </a:r>
+            <a:endParaRPr lang="en-US" dirty="0"/>
+          </a:p>
+        </p:txBody>
+      </p:sp>
+      <p:sp>
+        <p:nvSpPr>
+          <p:cNvPr id="3" name="Platshållare för innehåll 2"/>
+          <p:cNvSpPr>
+            <a:spLocks noGrp="1"/>
+          </p:cNvSpPr>
+          <p:nvPr>
+            <p:ph idx="1"/>
+          </p:nvPr>
+        </p:nvSpPr>
+        <p:spPr>
+          <a:xfrm>
+            <a:off x="755576" y="1196752"/>
+            <a:ext cx="7931224" cy="4929411"/>
+          </a:xfrm>
+        </p:spPr>
+        <p:txBody>
+          <a:bodyPr/>
+          <a:lstStyle/>
+          <a:p>
+            <a:pPr marL="0" indent="0">
+              <a:buNone/>
+            </a:pPr>
+            <a:r>
+              <a:rPr lang="en-US" dirty="0" smtClean="0"/>
+              <a:t>We will have to add ASP.NET Identity NuGet Package.</a:t>
+            </a:r>
+          </a:p>
+          <a:p>
+            <a:pPr marL="0" indent="0">
+              <a:buNone/>
+            </a:pPr>
+            <a:r>
+              <a:rPr lang="en-US" dirty="0" smtClean="0"/>
+              <a:t>Open the Package </a:t>
+            </a:r>
+            <a:r>
+              <a:rPr lang="en-US" dirty="0"/>
+              <a:t>M</a:t>
+            </a:r>
+            <a:r>
+              <a:rPr lang="en-US" dirty="0" smtClean="0"/>
+              <a:t>anager Console and type:</a:t>
+            </a:r>
+          </a:p>
+          <a:p>
+            <a:pPr marL="0" indent="0">
+              <a:buNone/>
+            </a:pPr>
+            <a:endParaRPr lang="en-US" dirty="0" smtClean="0"/>
+          </a:p>
+        </p:txBody>
+      </p:sp>
+      <p:sp>
+        <p:nvSpPr>
+          <p:cNvPr id="4" name="Rektangel 3"/>
+          <p:cNvSpPr/>
+          <p:nvPr/>
+        </p:nvSpPr>
+        <p:spPr>
+          <a:xfrm>
+            <a:off x="1012776" y="2859627"/>
+            <a:ext cx="6799584" cy="641382"/>
+          </a:xfrm>
+          <a:prstGeom prst="rect">
+            <a:avLst/>
+          </a:prstGeom>
+          <a:solidFill>
+            <a:srgbClr val="FFFF99"/>
+          </a:solidFill>
+          <a:ln>
+            <a:solidFill>
+              <a:srgbClr val="FFFF99"/>
+            </a:solidFill>
+          </a:ln>
+        </p:spPr>
+        <p:style>
+          <a:lnRef idx="2">
+            <a:schemeClr val="accent1">
+              <a:shade val="50000"/>
+            </a:schemeClr>
+          </a:lnRef>
+          <a:fillRef idx="1">
+            <a:schemeClr val="accent1"/>
+          </a:fillRef>
+          <a:effectRef idx="0">
+            <a:schemeClr val="accent1"/>
+          </a:effectRef>
+          <a:fontRef idx="minor">
+            <a:schemeClr val="lt1"/>
+          </a:fontRef>
+        </p:style>
+        <p:txBody>
+          <a:bodyPr rtlCol="0" anchor="ctr"/>
+          <a:lstStyle/>
+          <a:p>
+            <a:r>
+              <a:rPr lang="en-US" dirty="0" smtClean="0">
+                <a:solidFill>
+                  <a:schemeClr val="tx1"/>
+                </a:solidFill>
+              </a:rPr>
+              <a:t>PM&gt; Install-Package </a:t>
+            </a:r>
+            <a:r>
+              <a:rPr lang="en-US" dirty="0">
+                <a:solidFill>
+                  <a:schemeClr val="tx1"/>
+                </a:solidFill>
+              </a:rPr>
+              <a:t>Microsoft.AspNet.Identity.EntityFramework</a:t>
+            </a:r>
+            <a:endParaRPr lang="en-US" dirty="0">
+              <a:solidFill>
+                <a:schemeClr val="tx1"/>
+              </a:solidFill>
+            </a:endParaRPr>
+          </a:p>
+        </p:txBody>
+      </p:sp>
+    </p:spTree>
+    <p:extLst>
+      <p:ext uri="{BB962C8B-B14F-4D97-AF65-F5344CB8AC3E}">
+        <p14:creationId xmlns:p14="http://schemas.microsoft.com/office/powerpoint/2010/main" val="1443353250"/>
+      </p:ext>
+    </p:extLst>
+  </p:cSld>
+  <p:clrMapOvr>
+    <a:masterClrMapping/>
+  </p:clrMapOvr>
+  <p:timing>
+    <p:tnLst>
+      <p:par>
+        <p:cTn id="1" dur="indefinite" restart="never" nodeType="tmRoot"/>
+      </p:par>
+    </p:tnLst>
+  </p:timing>
+</p:sld>
+</file>
+
+<file path=ppt/slides/slide7.xml><?xml version="1.0" encoding="utf-8"?>
+<p:sld xmlns:a="http://schemas.openxmlformats.org/drawingml/2006/main" xmlns:r="http://schemas.openxmlformats.org/officeDocument/2006/relationships" xmlns:p="http://schemas.openxmlformats.org/presentationml/2006/main">
+  <p:cSld>
+    <p:spTree>
+      <p:nvGrpSpPr>
+        <p:cNvPr id="1" name=""/>
+        <p:cNvGrpSpPr/>
+        <p:nvPr/>
+      </p:nvGrpSpPr>
+      <p:grpSpPr>
+        <a:xfrm>
+          <a:off x="0" y="0"/>
+          <a:ext cx="0" cy="0"/>
+          <a:chOff x="0" y="0"/>
+          <a:chExt cx="0" cy="0"/>
+        </a:xfrm>
+      </p:grpSpPr>
+      <p:sp>
+        <p:nvSpPr>
+          <p:cNvPr id="2" name="Rubrik 1"/>
+          <p:cNvSpPr>
+            <a:spLocks noGrp="1"/>
+          </p:cNvSpPr>
+          <p:nvPr>
+            <p:ph type="title"/>
+          </p:nvPr>
+        </p:nvSpPr>
+        <p:spPr/>
+        <p:txBody>
+          <a:bodyPr/>
+          <a:lstStyle/>
+          <a:p>
+            <a:r>
+              <a:rPr lang="en-US" sz="2800" b="1" dirty="0"/>
+              <a:t>ASP.NET Identity</a:t>
+            </a:r>
+            <a:endParaRPr lang="en-US" dirty="0"/>
+          </a:p>
+        </p:txBody>
+      </p:sp>
+      <p:sp>
+        <p:nvSpPr>
+          <p:cNvPr id="3" name="Platshållare för innehåll 2"/>
+          <p:cNvSpPr>
+            <a:spLocks noGrp="1"/>
+          </p:cNvSpPr>
+          <p:nvPr>
+            <p:ph idx="1"/>
+          </p:nvPr>
+        </p:nvSpPr>
+        <p:spPr>
+          <a:xfrm>
+            <a:off x="37427" y="2492896"/>
+            <a:ext cx="9143085" cy="2448272"/>
+          </a:xfrm>
+        </p:spPr>
+        <p:txBody>
+          <a:bodyPr>
+            <a:normAutofit lnSpcReduction="10000"/>
+          </a:bodyPr>
+          <a:lstStyle/>
+          <a:p>
+            <a:pPr marL="0" indent="0">
+              <a:buNone/>
+            </a:pPr>
+            <a:endParaRPr lang="en-US" dirty="0" smtClean="0"/>
+          </a:p>
+          <a:p>
+            <a:pPr marL="0" indent="0">
+              <a:buNone/>
+            </a:pPr>
+            <a:endParaRPr lang="en-US" sz="1800" dirty="0" smtClean="0"/>
+          </a:p>
+          <a:p>
+            <a:pPr marL="0" indent="0">
+              <a:buNone/>
+            </a:pPr>
+            <a:r>
+              <a:rPr lang="en-US" sz="1600" dirty="0" smtClean="0"/>
+              <a:t>	</a:t>
+            </a:r>
+            <a:r>
+              <a:rPr lang="en-US" sz="1600" dirty="0">
+                <a:solidFill>
+                  <a:srgbClr val="000000"/>
+                </a:solidFill>
+                <a:highlight>
+                  <a:srgbClr val="FFFFFF"/>
+                </a:highlight>
+                <a:latin typeface="Consolas" panose="020B0609020204030204" pitchFamily="49" charset="0"/>
+              </a:rPr>
+              <a:t> </a:t>
+            </a:r>
+            <a:r>
+              <a:rPr lang="en-US" sz="1600" dirty="0">
+                <a:solidFill>
+                  <a:srgbClr val="0000FF"/>
+                </a:solidFill>
+                <a:highlight>
+                  <a:srgbClr val="FFFFFF"/>
+                </a:highlight>
+                <a:latin typeface="Consolas" panose="020B0609020204030204" pitchFamily="49" charset="0"/>
+              </a:rPr>
+              <a:t>static</a:t>
+            </a:r>
+            <a:r>
+              <a:rPr lang="en-US" sz="1600" dirty="0">
+                <a:solidFill>
+                  <a:srgbClr val="000000"/>
+                </a:solidFill>
+                <a:highlight>
+                  <a:srgbClr val="FFFFFF"/>
+                </a:highlight>
+                <a:latin typeface="Consolas" panose="020B0609020204030204" pitchFamily="49" charset="0"/>
+              </a:rPr>
+              <a:t> </a:t>
+            </a:r>
+            <a:r>
+              <a:rPr lang="en-US" sz="1600" dirty="0">
+                <a:solidFill>
+                  <a:srgbClr val="0000FF"/>
+                </a:solidFill>
+                <a:highlight>
+                  <a:srgbClr val="FFFFFF"/>
+                </a:highlight>
+                <a:latin typeface="Consolas" panose="020B0609020204030204" pitchFamily="49" charset="0"/>
+              </a:rPr>
+              <a:t>void</a:t>
+            </a:r>
+            <a:r>
+              <a:rPr lang="en-US" sz="1600" dirty="0">
+                <a:solidFill>
+                  <a:srgbClr val="000000"/>
+                </a:solidFill>
+                <a:highlight>
+                  <a:srgbClr val="FFFFFF"/>
+                </a:highlight>
+                <a:latin typeface="Consolas" panose="020B0609020204030204" pitchFamily="49" charset="0"/>
+              </a:rPr>
+              <a:t> Main(</a:t>
+            </a:r>
+            <a:r>
+              <a:rPr lang="en-US" sz="1600" dirty="0">
+                <a:solidFill>
+                  <a:srgbClr val="0000FF"/>
+                </a:solidFill>
+                <a:highlight>
+                  <a:srgbClr val="FFFFFF"/>
+                </a:highlight>
+                <a:latin typeface="Consolas" panose="020B0609020204030204" pitchFamily="49" charset="0"/>
+              </a:rPr>
+              <a:t>string</a:t>
+            </a:r>
+            <a:r>
+              <a:rPr lang="en-US" sz="1600" dirty="0">
+                <a:solidFill>
+                  <a:srgbClr val="000000"/>
+                </a:solidFill>
+                <a:highlight>
+                  <a:srgbClr val="FFFFFF"/>
+                </a:highlight>
+                <a:latin typeface="Consolas" panose="020B0609020204030204" pitchFamily="49" charset="0"/>
+              </a:rPr>
+              <a:t>[] args)</a:t>
+            </a:r>
+          </a:p>
+          <a:p>
+            <a:pPr marL="0" indent="0">
+              <a:buNone/>
+            </a:pPr>
+            <a:r>
+              <a:rPr lang="en-US" sz="1600" dirty="0">
+                <a:solidFill>
+                  <a:srgbClr val="000000"/>
+                </a:solidFill>
+                <a:highlight>
+                  <a:srgbClr val="FFFFFF"/>
+                </a:highlight>
+                <a:latin typeface="Consolas" panose="020B0609020204030204" pitchFamily="49" charset="0"/>
+              </a:rPr>
+              <a:t>       </a:t>
+            </a:r>
+            <a:r>
+              <a:rPr lang="en-US" sz="1600" dirty="0" smtClean="0">
+                <a:solidFill>
+                  <a:srgbClr val="000000"/>
+                </a:solidFill>
+                <a:highlight>
+                  <a:srgbClr val="FFFFFF"/>
+                </a:highlight>
+                <a:latin typeface="Consolas" panose="020B0609020204030204" pitchFamily="49" charset="0"/>
+              </a:rPr>
+              <a:t>	 {         </a:t>
+            </a:r>
+          </a:p>
+          <a:p>
+            <a:pPr marL="0" indent="0">
+              <a:buNone/>
+            </a:pPr>
+            <a:r>
+              <a:rPr lang="en-US" sz="1600" dirty="0">
+                <a:solidFill>
+                  <a:srgbClr val="000000"/>
+                </a:solidFill>
+                <a:highlight>
+                  <a:srgbClr val="FFFFFF"/>
+                </a:highlight>
+                <a:latin typeface="Consolas" panose="020B0609020204030204" pitchFamily="49" charset="0"/>
+              </a:rPr>
+              <a:t> </a:t>
+            </a:r>
+            <a:r>
+              <a:rPr lang="en-US" sz="1600" dirty="0" smtClean="0">
+                <a:solidFill>
+                  <a:srgbClr val="000000"/>
+                </a:solidFill>
+                <a:highlight>
+                  <a:srgbClr val="FFFFFF"/>
+                </a:highlight>
+                <a:latin typeface="Consolas" panose="020B0609020204030204" pitchFamily="49" charset="0"/>
+              </a:rPr>
+              <a:t>		</a:t>
+            </a:r>
+            <a:r>
+              <a:rPr lang="en-US" sz="1600" dirty="0" smtClean="0">
+                <a:solidFill>
+                  <a:srgbClr val="0000FF"/>
+                </a:solidFill>
+                <a:highlight>
+                  <a:srgbClr val="FFFFFF"/>
+                </a:highlight>
+                <a:latin typeface="Consolas" panose="020B0609020204030204" pitchFamily="49" charset="0"/>
+              </a:rPr>
+              <a:t>var</a:t>
+            </a:r>
+            <a:r>
+              <a:rPr lang="en-US" sz="1600" dirty="0" smtClean="0">
+                <a:solidFill>
+                  <a:srgbClr val="000000"/>
+                </a:solidFill>
+                <a:highlight>
+                  <a:srgbClr val="FFFFFF"/>
+                </a:highlight>
+                <a:latin typeface="Consolas" panose="020B0609020204030204" pitchFamily="49" charset="0"/>
+              </a:rPr>
+              <a:t> </a:t>
+            </a:r>
+            <a:r>
+              <a:rPr lang="en-US" sz="1600" dirty="0">
+                <a:solidFill>
+                  <a:srgbClr val="000000"/>
+                </a:solidFill>
+                <a:highlight>
+                  <a:srgbClr val="FFFFFF"/>
+                </a:highlight>
+                <a:latin typeface="Consolas" panose="020B0609020204030204" pitchFamily="49" charset="0"/>
+              </a:rPr>
+              <a:t>dbContext = </a:t>
+            </a:r>
+            <a:r>
+              <a:rPr lang="en-US" sz="1600" dirty="0" smtClean="0">
+                <a:solidFill>
+                  <a:srgbClr val="0000FF"/>
+                </a:solidFill>
+                <a:highlight>
+                  <a:srgbClr val="FFFFFF"/>
+                </a:highlight>
+                <a:latin typeface="Consolas" panose="020B0609020204030204" pitchFamily="49" charset="0"/>
+              </a:rPr>
+              <a:t>new</a:t>
+            </a:r>
+            <a:r>
+              <a:rPr lang="en-US" sz="1600" dirty="0" smtClean="0">
+                <a:solidFill>
+                  <a:srgbClr val="000000"/>
+                </a:solidFill>
+                <a:highlight>
+                  <a:srgbClr val="FFFFFF"/>
+                </a:highlight>
+                <a:latin typeface="Consolas" panose="020B0609020204030204" pitchFamily="49" charset="0"/>
+              </a:rPr>
+              <a:t> 				   		        </a:t>
+            </a:r>
+            <a:r>
+              <a:rPr lang="en-US" sz="1600" dirty="0" smtClean="0">
+                <a:solidFill>
+                  <a:srgbClr val="2B91AF"/>
+                </a:solidFill>
+                <a:highlight>
+                  <a:srgbClr val="FFFFFF"/>
+                </a:highlight>
+                <a:latin typeface="Consolas" panose="020B0609020204030204" pitchFamily="49" charset="0"/>
+              </a:rPr>
+              <a:t>IdentityDbContext</a:t>
+            </a:r>
+            <a:r>
+              <a:rPr lang="en-US" sz="1600" dirty="0" smtClean="0">
+                <a:solidFill>
+                  <a:srgbClr val="000000"/>
+                </a:solidFill>
+                <a:highlight>
+                  <a:srgbClr val="FFFFFF"/>
+                </a:highlight>
+                <a:latin typeface="Consolas" panose="020B0609020204030204" pitchFamily="49" charset="0"/>
+              </a:rPr>
+              <a:t>&lt;</a:t>
+            </a:r>
+            <a:r>
+              <a:rPr lang="en-US" sz="1600" dirty="0" smtClean="0">
+                <a:solidFill>
+                  <a:srgbClr val="2B91AF"/>
+                </a:solidFill>
+                <a:highlight>
+                  <a:srgbClr val="FFFFFF"/>
+                </a:highlight>
+                <a:latin typeface="Consolas" panose="020B0609020204030204" pitchFamily="49" charset="0"/>
+              </a:rPr>
+              <a:t>IdentityUser</a:t>
+            </a:r>
+            <a:r>
+              <a:rPr lang="en-US" sz="1600" dirty="0" smtClean="0">
+                <a:solidFill>
+                  <a:srgbClr val="000000"/>
+                </a:solidFill>
+                <a:highlight>
+                  <a:srgbClr val="FFFFFF"/>
+                </a:highlight>
+                <a:latin typeface="Consolas" panose="020B0609020204030204" pitchFamily="49" charset="0"/>
+              </a:rPr>
+              <a:t>&gt;();</a:t>
+            </a:r>
+            <a:endParaRPr lang="en-US" sz="1600" dirty="0">
+              <a:solidFill>
+                <a:srgbClr val="000000"/>
+              </a:solidFill>
+              <a:highlight>
+                <a:srgbClr val="FFFFFF"/>
+              </a:highlight>
+              <a:latin typeface="Consolas" panose="020B0609020204030204" pitchFamily="49" charset="0"/>
+            </a:endParaRPr>
+          </a:p>
+          <a:p>
+            <a:pPr marL="0" indent="0">
+              <a:buNone/>
+            </a:pPr>
+            <a:r>
+              <a:rPr lang="en-US" sz="1600" dirty="0">
+                <a:solidFill>
+                  <a:srgbClr val="000000"/>
+                </a:solidFill>
+                <a:highlight>
+                  <a:srgbClr val="FFFFFF"/>
+                </a:highlight>
+                <a:latin typeface="Consolas" panose="020B0609020204030204" pitchFamily="49" charset="0"/>
+              </a:rPr>
+              <a:t>            </a:t>
+            </a:r>
+            <a:r>
+              <a:rPr lang="en-US" sz="1600" dirty="0" smtClean="0">
+                <a:solidFill>
+                  <a:srgbClr val="000000"/>
+                </a:solidFill>
+                <a:highlight>
+                  <a:srgbClr val="FFFFFF"/>
+                </a:highlight>
+                <a:latin typeface="Consolas" panose="020B0609020204030204" pitchFamily="49" charset="0"/>
+              </a:rPr>
+              <a:t>    dbContext.Database.Initialize(</a:t>
+            </a:r>
+            <a:r>
+              <a:rPr lang="en-US" sz="1600" dirty="0" smtClean="0">
+                <a:solidFill>
+                  <a:srgbClr val="0000FF"/>
+                </a:solidFill>
+                <a:highlight>
+                  <a:srgbClr val="FFFFFF"/>
+                </a:highlight>
+                <a:latin typeface="Consolas" panose="020B0609020204030204" pitchFamily="49" charset="0"/>
+              </a:rPr>
+              <a:t>true</a:t>
+            </a:r>
+            <a:r>
+              <a:rPr lang="en-US" sz="1600" dirty="0">
+                <a:solidFill>
+                  <a:srgbClr val="000000"/>
+                </a:solidFill>
+                <a:highlight>
+                  <a:srgbClr val="FFFFFF"/>
+                </a:highlight>
+                <a:latin typeface="Consolas" panose="020B0609020204030204" pitchFamily="49" charset="0"/>
+              </a:rPr>
+              <a:t>);</a:t>
+            </a:r>
+          </a:p>
+          <a:p>
+            <a:pPr marL="0" indent="0">
+              <a:buNone/>
+            </a:pPr>
+            <a:r>
+              <a:rPr lang="en-US" sz="1600" dirty="0">
+                <a:solidFill>
+                  <a:srgbClr val="000000"/>
+                </a:solidFill>
+                <a:highlight>
+                  <a:srgbClr val="FFFFFF"/>
+                </a:highlight>
+                <a:latin typeface="Consolas" panose="020B0609020204030204" pitchFamily="49" charset="0"/>
+              </a:rPr>
+              <a:t>       </a:t>
+            </a:r>
+            <a:r>
+              <a:rPr lang="en-US" sz="1600" dirty="0" smtClean="0">
+                <a:solidFill>
+                  <a:srgbClr val="000000"/>
+                </a:solidFill>
+                <a:highlight>
+                  <a:srgbClr val="FFFFFF"/>
+                </a:highlight>
+                <a:latin typeface="Consolas" panose="020B0609020204030204" pitchFamily="49" charset="0"/>
+              </a:rPr>
+              <a:t>	 }</a:t>
+            </a:r>
+          </a:p>
+          <a:p>
+            <a:pPr marL="0" indent="0">
+              <a:buNone/>
+            </a:pPr>
+            <a:endParaRPr lang="en-US" sz="1600" dirty="0"/>
+          </a:p>
+        </p:txBody>
+      </p:sp>
+      <p:sp>
+        <p:nvSpPr>
+          <p:cNvPr id="4" name="textruta 3"/>
+          <p:cNvSpPr txBox="1"/>
+          <p:nvPr/>
+        </p:nvSpPr>
+        <p:spPr>
+          <a:xfrm>
+            <a:off x="467544" y="1179909"/>
+            <a:ext cx="8208912" cy="954107"/>
+          </a:xfrm>
+          <a:prstGeom prst="rect">
+            <a:avLst/>
+          </a:prstGeom>
+          <a:noFill/>
+        </p:spPr>
+        <p:txBody>
+          <a:bodyPr wrap="square" rtlCol="0">
+            <a:spAutoFit/>
+          </a:bodyPr>
+          <a:lstStyle/>
+          <a:p>
+            <a:r>
+              <a:rPr lang="en-US" sz="2800" dirty="0" smtClean="0"/>
+              <a:t>Now we initialize the database by making an instance of </a:t>
+            </a:r>
+            <a:r>
+              <a:rPr lang="en-US" sz="2800" b="1" dirty="0" smtClean="0">
+                <a:solidFill>
+                  <a:srgbClr val="77933C"/>
+                </a:solidFill>
+              </a:rPr>
+              <a:t>IdentityDbContext</a:t>
+            </a:r>
+            <a:endParaRPr lang="en-US" sz="2800" dirty="0"/>
+          </a:p>
+        </p:txBody>
+      </p:sp>
+    </p:spTree>
+    <p:extLst>
+      <p:ext uri="{BB962C8B-B14F-4D97-AF65-F5344CB8AC3E}">
+        <p14:creationId xmlns:p14="http://schemas.microsoft.com/office/powerpoint/2010/main" val="1450864995"/>
+      </p:ext>
+    </p:extLst>
+  </p:cSld>
+  <p:clrMapOvr>
+    <a:masterClrMapping/>
+  </p:clrMapOvr>
+  <p:timing>
+    <p:tnLst>
+      <p:par>
+        <p:cTn id="1" dur="indefinite" restart="never" nodeType="tmRoot"/>
+      </p:par>
+    </p:tnLst>
+  </p:timing>
+</p:sld>
+</file>
+
+<file path=ppt/slides/slide8.xml><?xml version="1.0" encoding="utf-8"?>
+<p:sld xmlns:a="http://schemas.openxmlformats.org/drawingml/2006/main" xmlns:r="http://schemas.openxmlformats.org/officeDocument/2006/relationships" xmlns:p="http://schemas.openxmlformats.org/presentationml/2006/main">
+  <p:cSld>
+    <p:spTree>
+      <p:nvGrpSpPr>
+        <p:cNvPr id="1" name=""/>
+        <p:cNvGrpSpPr/>
+        <p:nvPr/>
+      </p:nvGrpSpPr>
+      <p:grpSpPr>
+        <a:xfrm>
+          <a:off x="0" y="0"/>
+          <a:ext cx="0" cy="0"/>
+          <a:chOff x="0" y="0"/>
+          <a:chExt cx="0" cy="0"/>
+        </a:xfrm>
+      </p:grpSpPr>
+      <p:sp>
+        <p:nvSpPr>
+          <p:cNvPr id="2" name="Rubrik 1"/>
+          <p:cNvSpPr>
+            <a:spLocks noGrp="1"/>
+          </p:cNvSpPr>
+          <p:nvPr>
+            <p:ph type="title"/>
+          </p:nvPr>
+        </p:nvSpPr>
+        <p:spPr/>
+        <p:txBody>
+          <a:bodyPr>
+            <a:normAutofit fontScale="90000"/>
+          </a:bodyPr>
+          <a:lstStyle/>
+          <a:p>
+            <a:r>
+              <a:rPr lang="en-US" sz="3200" b="1" dirty="0"/>
+              <a:t>ASP.NET Identity</a:t>
+            </a:r>
+            <a:endParaRPr lang="en-US" dirty="0"/>
+          </a:p>
+        </p:txBody>
+      </p:sp>
+      <p:sp>
+        <p:nvSpPr>
+          <p:cNvPr id="3" name="Platshållare för innehåll 2"/>
+          <p:cNvSpPr>
+            <a:spLocks noGrp="1"/>
+          </p:cNvSpPr>
+          <p:nvPr>
+            <p:ph idx="1"/>
+          </p:nvPr>
+        </p:nvSpPr>
+        <p:spPr/>
+        <p:txBody>
+          <a:bodyPr/>
+          <a:lstStyle/>
+          <a:p>
+            <a:pPr marL="0" indent="0">
+              <a:buNone/>
+            </a:pPr>
+            <a:r>
+              <a:rPr lang="en-US" dirty="0" smtClean="0"/>
+              <a:t>When we run the application the </a:t>
+            </a:r>
+            <a:r>
+              <a:rPr lang="en-US" b="1" dirty="0" smtClean="0">
+                <a:solidFill>
+                  <a:srgbClr val="77933C"/>
+                </a:solidFill>
+              </a:rPr>
+              <a:t>IdentityDbContext</a:t>
+            </a:r>
+            <a:r>
+              <a:rPr lang="en-US" dirty="0" smtClean="0"/>
+              <a:t> will create tables in our database</a:t>
+            </a:r>
+            <a:endParaRPr lang="en-US" dirty="0"/>
+          </a:p>
+        </p:txBody>
+      </p:sp>
+      <p:pic>
+        <p:nvPicPr>
+          <p:cNvPr id="4" name="Bildobjekt 3"/>
+          <p:cNvPicPr>
+            <a:picLocks noChangeAspect="1"/>
+          </p:cNvPicPr>
+          <p:nvPr/>
+        </p:nvPicPr>
+        <p:blipFill>
+          <a:blip r:embed="rId2">
+            <a:extLst>
+              <a:ext uri="{28A0092B-C50C-407E-A947-70E740481C1C}">
+                <a14:useLocalDpi xmlns:a14="http://schemas.microsoft.com/office/drawing/2010/main" val="0"/>
+              </a:ext>
+            </a:extLst>
+          </a:blip>
+          <a:stretch>
+            <a:fillRect/>
+          </a:stretch>
+        </p:blipFill>
+        <p:spPr>
+          <a:xfrm>
+            <a:off x="611560" y="3257495"/>
+            <a:ext cx="3600400" cy="2763793"/>
+          </a:xfrm>
+          <a:prstGeom prst="rect">
+            <a:avLst/>
+          </a:prstGeom>
+        </p:spPr>
+      </p:pic>
+    </p:spTree>
+    <p:extLst>
+      <p:ext uri="{BB962C8B-B14F-4D97-AF65-F5344CB8AC3E}">
+        <p14:creationId xmlns:p14="http://schemas.microsoft.com/office/powerpoint/2010/main" val="412948759"/>
+      </p:ext>
+    </p:extLst>
+  </p:cSld>
+  <p:clrMapOvr>
+    <a:masterClrMapping/>
+  </p:clrMapOvr>
+  <p:timing>
+    <p:tnLst>
+      <p:par>
+        <p:cTn id="1" dur="indefinite" restart="never" nodeType="tmRoot"/>
+      </p:par>
+    </p:tnLst>
+  </p:timing>
+</p:sld>
+</file>
+
+<file path=ppt/slides/slide9.xml><?xml version="1.0" encoding="utf-8"?>
+<p:sld xmlns:a="http://schemas.openxmlformats.org/drawingml/2006/main" xmlns:r="http://schemas.openxmlformats.org/officeDocument/2006/relationships" xmlns:p="http://schemas.openxmlformats.org/presentationml/2006/main">
+  <p:cSld>
+    <p:spTree>
+      <p:nvGrpSpPr>
+        <p:cNvPr id="1" name=""/>
+        <p:cNvGrpSpPr/>
+        <p:nvPr/>
+      </p:nvGrpSpPr>
+      <p:grpSpPr>
+        <a:xfrm>
+          <a:off x="0" y="0"/>
+          <a:ext cx="0" cy="0"/>
+          <a:chOff x="0" y="0"/>
+          <a:chExt cx="0" cy="0"/>
+        </a:xfrm>
+      </p:grpSpPr>
+      <p:sp>
+        <p:nvSpPr>
+          <p:cNvPr id="2" name="Rubrik 1"/>
+          <p:cNvSpPr>
+            <a:spLocks noGrp="1"/>
+          </p:cNvSpPr>
+          <p:nvPr>
+            <p:ph type="title"/>
+          </p:nvPr>
+        </p:nvSpPr>
+        <p:spPr/>
+        <p:txBody>
+          <a:bodyPr/>
+          <a:lstStyle/>
+          <a:p>
+            <a:r>
+              <a:rPr lang="en-US" sz="2800" b="1" dirty="0"/>
+              <a:t>ASP.NET Identity</a:t>
+            </a:r>
+            <a:endParaRPr lang="en-US" dirty="0"/>
+          </a:p>
+        </p:txBody>
+      </p:sp>
+      <p:sp>
+        <p:nvSpPr>
+          <p:cNvPr id="3" name="Platshållare för innehåll 2"/>
+          <p:cNvSpPr>
+            <a:spLocks noGrp="1"/>
+          </p:cNvSpPr>
+          <p:nvPr>
+            <p:ph idx="1"/>
+          </p:nvPr>
+        </p:nvSpPr>
+        <p:spPr>
+          <a:xfrm>
+            <a:off x="107504" y="692696"/>
+            <a:ext cx="9036039" cy="5361459"/>
+          </a:xfrm>
+        </p:spPr>
+        <p:txBody>
+          <a:bodyPr>
+            <a:normAutofit/>
+          </a:bodyPr>
+          <a:lstStyle/>
+          <a:p>
+            <a:r>
+              <a:rPr lang="en-US" sz="2100" dirty="0"/>
+              <a:t>d</a:t>
+            </a:r>
+            <a:r>
+              <a:rPr lang="en-US" sz="2100" dirty="0" smtClean="0"/>
+              <a:t>bo.AspNetUsers contains all the users</a:t>
+            </a:r>
+          </a:p>
+          <a:p>
+            <a:r>
+              <a:rPr lang="en-US" sz="2100" dirty="0" smtClean="0"/>
+              <a:t>dbo.AspNetRoles contains all the roles</a:t>
+            </a:r>
+          </a:p>
+          <a:p>
+            <a:r>
+              <a:rPr lang="en-US" sz="2100" dirty="0" smtClean="0"/>
+              <a:t>dbo.AspNetUserRoles contains the relations between users and roles </a:t>
+            </a:r>
+          </a:p>
+          <a:p>
+            <a:r>
+              <a:rPr lang="en-US" sz="2100" dirty="0" smtClean="0"/>
+              <a:t>dbo.AspNetUserClaims contains all the claims which belong to a specific user</a:t>
+            </a:r>
+          </a:p>
+          <a:p>
+            <a:r>
+              <a:rPr lang="en-US" sz="2100" dirty="0" smtClean="0"/>
+              <a:t>dbo.AspNetUserLogins contains all the users who login using an external login</a:t>
+            </a:r>
+          </a:p>
+          <a:p>
+            <a:r>
+              <a:rPr lang="en-US" sz="2100" dirty="0" smtClean="0"/>
+              <a:t>dbo.MigrationHistory contains all the performed database migrations</a:t>
+            </a:r>
+          </a:p>
+          <a:p>
+            <a:pPr marL="0" indent="0">
+              <a:buNone/>
+            </a:pPr>
+            <a:r>
+              <a:rPr lang="en-US" sz="2000" dirty="0" smtClean="0"/>
+              <a:t>?? </a:t>
+            </a:r>
+            <a:r>
+              <a:rPr lang="en-US" sz="2000" dirty="0" err="1" smtClean="0"/>
+              <a:t>Höra</a:t>
+            </a:r>
+            <a:r>
+              <a:rPr lang="en-US" sz="2000" dirty="0" smtClean="0"/>
+              <a:t> med tore</a:t>
+            </a:r>
+          </a:p>
+          <a:p>
+            <a:pPr marL="0" indent="0">
+              <a:buNone/>
+            </a:pPr>
+            <a:endParaRPr lang="en-US" sz="2000" dirty="0" smtClean="0"/>
+          </a:p>
+        </p:txBody>
+      </p:sp>
+      <p:pic>
+        <p:nvPicPr>
+          <p:cNvPr id="4" name="Bildobjekt 3"/>
+          <p:cNvPicPr>
+            <a:picLocks noChangeAspect="1"/>
+          </p:cNvPicPr>
+          <p:nvPr/>
+        </p:nvPicPr>
+        <p:blipFill>
+          <a:blip r:embed="rId2">
+            <a:extLst>
+              <a:ext uri="{28A0092B-C50C-407E-A947-70E740481C1C}">
+                <a14:useLocalDpi xmlns:a14="http://schemas.microsoft.com/office/drawing/2010/main" val="0"/>
+              </a:ext>
+            </a:extLst>
+          </a:blip>
+          <a:stretch>
+            <a:fillRect/>
+          </a:stretch>
+        </p:blipFill>
+        <p:spPr>
+          <a:xfrm>
+            <a:off x="611560" y="3617535"/>
+            <a:ext cx="3600400" cy="2763793"/>
+          </a:xfrm>
+          <a:prstGeom prst="rect">
+            <a:avLst/>
+          </a:prstGeom>
+        </p:spPr>
+      </p:pic>
+    </p:spTree>
+    <p:extLst>
+      <p:ext uri="{BB962C8B-B14F-4D97-AF65-F5344CB8AC3E}">
+        <p14:creationId xmlns:p14="http://schemas.microsoft.com/office/powerpoint/2010/main" val="2687146684"/>
       </p:ext>
     </p:extLst>
   </p:cSld>

--- a/Documents/Identity-Exercise.pptx
+++ b/Documents/Identity-Exercise.pptx
@@ -226,7 +226,7 @@
           <a:p>
             <a:fld id="{B5922E6D-3451-482A-A64F-C89F139BA51A}" type="datetimeFigureOut">
               <a:rPr lang="en-US" smtClean="0"/>
-              <a:t>11/18/2014</a:t>
+              <a:t>11/19/2014</a:t>
             </a:fld>
             <a:endParaRPr lang="en-US"/>
           </a:p>
@@ -391,7 +391,7 @@
           <a:p>
             <a:fld id="{05247E74-41DE-40FA-A7A7-A655366ADCFA}" type="datetimeFigureOut">
               <a:rPr lang="sv-SE" smtClean="0"/>
-              <a:t>2014-11-18</a:t>
+              <a:t>2014-11-19</a:t>
             </a:fld>
             <a:endParaRPr lang="sv-SE"/>
           </a:p>
@@ -703,25 +703,6 @@
           <a:bodyPr/>
           <a:lstStyle/>
           <a:p>
-            <a:r>
-              <a:rPr lang="en-US" dirty="0" smtClean="0"/>
-              <a:t>IdentityDbContext&lt;IdentityUser&gt;() = default constructor which uses</a:t>
-            </a:r>
-            <a:r>
-              <a:rPr lang="en-US" baseline="0" dirty="0" smtClean="0"/>
-              <a:t> the “DefaultConnection” connectionstring, to create the database tables.</a:t>
-            </a:r>
-          </a:p>
-          <a:p>
-            <a:endParaRPr lang="en-US" baseline="0" dirty="0" smtClean="0"/>
-          </a:p>
-          <a:p>
-            <a:r>
-              <a:rPr lang="en-US" baseline="0" dirty="0" smtClean="0"/>
-              <a:t>IdentityUser = is a user………..</a:t>
-            </a:r>
-          </a:p>
-          <a:p>
             <a:endParaRPr lang="en-US" baseline="0" dirty="0" smtClean="0"/>
           </a:p>
           <a:p>
@@ -1255,7 +1236,7 @@
           <a:p>
             <a:fld id="{DB41BBF1-8D56-4061-8DE2-461FDAC177EF}" type="datetimeFigureOut">
               <a:rPr lang="sv-SE" smtClean="0"/>
-              <a:t>2014-11-18</a:t>
+              <a:t>2014-11-19</a:t>
             </a:fld>
             <a:endParaRPr lang="sv-SE"/>
           </a:p>
@@ -1519,7 +1500,7 @@
           <a:p>
             <a:fld id="{DB41BBF1-8D56-4061-8DE2-461FDAC177EF}" type="datetimeFigureOut">
               <a:rPr lang="sv-SE" smtClean="0"/>
-              <a:t>2014-11-18</a:t>
+              <a:t>2014-11-19</a:t>
             </a:fld>
             <a:endParaRPr lang="sv-SE"/>
           </a:p>
@@ -1696,7 +1677,7 @@
           <a:p>
             <a:fld id="{DB41BBF1-8D56-4061-8DE2-461FDAC177EF}" type="datetimeFigureOut">
               <a:rPr lang="sv-SE" smtClean="0"/>
-              <a:t>2014-11-18</a:t>
+              <a:t>2014-11-19</a:t>
             </a:fld>
             <a:endParaRPr lang="sv-SE"/>
           </a:p>
@@ -1883,7 +1864,7 @@
           <a:p>
             <a:fld id="{DB41BBF1-8D56-4061-8DE2-461FDAC177EF}" type="datetimeFigureOut">
               <a:rPr lang="sv-SE" smtClean="0"/>
-              <a:t>2014-11-18</a:t>
+              <a:t>2014-11-19</a:t>
             </a:fld>
             <a:endParaRPr lang="sv-SE"/>
           </a:p>
@@ -2147,7 +2128,7 @@
           <a:p>
             <a:fld id="{DB41BBF1-8D56-4061-8DE2-461FDAC177EF}" type="datetimeFigureOut">
               <a:rPr lang="sv-SE" smtClean="0"/>
-              <a:t>2014-11-18</a:t>
+              <a:t>2014-11-19</a:t>
             </a:fld>
             <a:endParaRPr lang="sv-SE"/>
           </a:p>
@@ -2324,7 +2305,7 @@
           <a:p>
             <a:fld id="{DB41BBF1-8D56-4061-8DE2-461FDAC177EF}" type="datetimeFigureOut">
               <a:rPr lang="sv-SE" smtClean="0"/>
-              <a:t>2014-11-18</a:t>
+              <a:t>2014-11-19</a:t>
             </a:fld>
             <a:endParaRPr lang="sv-SE"/>
           </a:p>
@@ -2577,7 +2558,7 @@
           <a:p>
             <a:fld id="{DB41BBF1-8D56-4061-8DE2-461FDAC177EF}" type="datetimeFigureOut">
               <a:rPr lang="sv-SE" smtClean="0"/>
-              <a:t>2014-11-18</a:t>
+              <a:t>2014-11-19</a:t>
             </a:fld>
             <a:endParaRPr lang="sv-SE"/>
           </a:p>
@@ -2872,7 +2853,7 @@
           <a:p>
             <a:fld id="{DB41BBF1-8D56-4061-8DE2-461FDAC177EF}" type="datetimeFigureOut">
               <a:rPr lang="sv-SE" smtClean="0"/>
-              <a:t>2014-11-18</a:t>
+              <a:t>2014-11-19</a:t>
             </a:fld>
             <a:endParaRPr lang="sv-SE"/>
           </a:p>
@@ -3301,7 +3282,7 @@
           <a:p>
             <a:fld id="{DB41BBF1-8D56-4061-8DE2-461FDAC177EF}" type="datetimeFigureOut">
               <a:rPr lang="sv-SE" smtClean="0"/>
-              <a:t>2014-11-18</a:t>
+              <a:t>2014-11-19</a:t>
             </a:fld>
             <a:endParaRPr lang="sv-SE"/>
           </a:p>
@@ -3426,7 +3407,7 @@
           <a:p>
             <a:fld id="{DB41BBF1-8D56-4061-8DE2-461FDAC177EF}" type="datetimeFigureOut">
               <a:rPr lang="sv-SE" smtClean="0"/>
-              <a:t>2014-11-18</a:t>
+              <a:t>2014-11-19</a:t>
             </a:fld>
             <a:endParaRPr lang="sv-SE"/>
           </a:p>
@@ -3528,7 +3509,7 @@
           <a:p>
             <a:fld id="{DB41BBF1-8D56-4061-8DE2-461FDAC177EF}" type="datetimeFigureOut">
               <a:rPr lang="sv-SE" smtClean="0"/>
-              <a:t>2014-11-18</a:t>
+              <a:t>2014-11-19</a:t>
             </a:fld>
             <a:endParaRPr lang="sv-SE"/>
           </a:p>
@@ -3812,7 +3793,7 @@
           <a:p>
             <a:fld id="{DB41BBF1-8D56-4061-8DE2-461FDAC177EF}" type="datetimeFigureOut">
               <a:rPr lang="sv-SE" smtClean="0"/>
-              <a:t>2014-11-18</a:t>
+              <a:t>2014-11-19</a:t>
             </a:fld>
             <a:endParaRPr lang="sv-SE"/>
           </a:p>
@@ -4040,7 +4021,7 @@
           <a:p>
             <a:fld id="{DB41BBF1-8D56-4061-8DE2-461FDAC177EF}" type="datetimeFigureOut">
               <a:rPr lang="sv-SE" smtClean="0"/>
-              <a:t>2014-11-18</a:t>
+              <a:t>2014-11-19</a:t>
             </a:fld>
             <a:endParaRPr lang="sv-SE"/>
           </a:p>
@@ -4802,10 +4783,47 @@
                   <a:srgbClr val="77933C"/>
                 </a:solidFill>
               </a:rPr>
-              <a:t>ApplicationDbInitializer</a:t>
-            </a:r>
-            <a:r>
-              <a:rPr lang="en-US" sz="2400" b="1" dirty="0" smtClean="0">
+              <a:t>ApplicationDbInitializer </a:t>
+            </a:r>
+            <a:r>
+              <a:rPr lang="en-US" sz="2400" dirty="0" smtClean="0"/>
+              <a:t>which </a:t>
+            </a:r>
+            <a:endParaRPr lang="en-US" sz="2400" b="1" dirty="0" smtClean="0">
+              <a:solidFill>
+                <a:srgbClr val="77933C"/>
+              </a:solidFill>
+            </a:endParaRPr>
+          </a:p>
+          <a:p>
+            <a:pPr marL="0" indent="0">
+              <a:buNone/>
+            </a:pPr>
+            <a:endParaRPr lang="en-US" sz="2400" b="1" dirty="0">
+              <a:solidFill>
+                <a:srgbClr val="92D050"/>
+              </a:solidFill>
+            </a:endParaRPr>
+          </a:p>
+          <a:p>
+            <a:r>
+              <a:rPr lang="en-US" sz="2400" dirty="0" smtClean="0"/>
+              <a:t>inherits </a:t>
+            </a:r>
+            <a:r>
+              <a:rPr lang="en-US" sz="2400" dirty="0"/>
+              <a:t>from the generic </a:t>
+            </a:r>
+            <a:r>
+              <a:rPr lang="en-US" sz="2400" b="1" dirty="0">
+                <a:solidFill>
+                  <a:srgbClr val="77933C"/>
+                </a:solidFill>
+              </a:rPr>
+              <a:t>DropCreateDatabaseAlways</a:t>
+            </a:r>
+            <a:r>
+              <a:rPr lang="en-US" sz="2400" b="1" dirty="0">
                 <a:solidFill>
                   <a:srgbClr val="92D050"/>
                 </a:solidFill>
@@ -4814,27 +4832,17 @@
             </a:r>
             <a:r>
               <a:rPr lang="en-US" sz="2400" dirty="0" smtClean="0"/>
-              <a:t>which inherits from the generic </a:t>
-            </a:r>
-            <a:r>
-              <a:rPr lang="en-US" sz="2400" b="1" dirty="0" smtClean="0">
-                <a:solidFill>
-                  <a:srgbClr val="77933C"/>
-                </a:solidFill>
-              </a:rPr>
-              <a:t>DropCreateDatabaseAlways</a:t>
-            </a:r>
-            <a:r>
-              <a:rPr lang="en-US" sz="2400" b="1" dirty="0" smtClean="0">
-                <a:solidFill>
-                  <a:srgbClr val="92D050"/>
-                </a:solidFill>
-              </a:rPr>
-              <a:t> </a:t>
-            </a:r>
+              <a:t>class</a:t>
+            </a:r>
+          </a:p>
+          <a:p>
             <a:r>
               <a:rPr lang="en-US" sz="2400" dirty="0" smtClean="0"/>
-              <a:t>class and will contain the seed method.</a:t>
+              <a:t>will </a:t>
+            </a:r>
+            <a:r>
+              <a:rPr lang="en-US" sz="2400" dirty="0"/>
+              <a:t>contain the seed method.</a:t>
             </a:r>
           </a:p>
           <a:p>
@@ -6740,6 +6748,107 @@
               <a:buNone/>
             </a:pPr>
             <a:r>
+              <a:rPr lang="en-US" sz="1600" dirty="0" smtClean="0">
+                <a:solidFill>
+                  <a:srgbClr val="2B91AF"/>
+                </a:solidFill>
+                <a:highlight>
+                  <a:srgbClr val="FFFFFF"/>
+                </a:highlight>
+                <a:latin typeface="Consolas" panose="020B0609020204030204" pitchFamily="49" charset="0"/>
+              </a:rPr>
+              <a:t>	    </a:t>
+            </a:r>
+            <a:r>
+              <a:rPr lang="en-US" sz="1600" dirty="0" err="1" smtClean="0">
+                <a:solidFill>
+                  <a:srgbClr val="2B91AF"/>
+                </a:solidFill>
+                <a:highlight>
+                  <a:srgbClr val="FFFFFF"/>
+                </a:highlight>
+                <a:latin typeface="Consolas" panose="020B0609020204030204" pitchFamily="49" charset="0"/>
+              </a:rPr>
+              <a:t>Database</a:t>
+            </a:r>
+            <a:r>
+              <a:rPr lang="en-US" sz="1600" dirty="0" err="1" smtClean="0">
+                <a:solidFill>
+                  <a:srgbClr val="000000"/>
+                </a:solidFill>
+                <a:highlight>
+                  <a:srgbClr val="FFFFFF"/>
+                </a:highlight>
+                <a:latin typeface="Consolas" panose="020B0609020204030204" pitchFamily="49" charset="0"/>
+              </a:rPr>
+              <a:t>.SetInitializer</a:t>
+            </a:r>
+            <a:r>
+              <a:rPr lang="en-US" sz="1600" dirty="0" smtClean="0">
+                <a:solidFill>
+                  <a:srgbClr val="000000"/>
+                </a:solidFill>
+                <a:highlight>
+                  <a:srgbClr val="FFFFFF"/>
+                </a:highlight>
+                <a:latin typeface="Consolas" panose="020B0609020204030204" pitchFamily="49" charset="0"/>
+              </a:rPr>
+              <a:t>(</a:t>
+            </a:r>
+            <a:r>
+              <a:rPr lang="en-US" sz="1600" dirty="0" smtClean="0">
+                <a:solidFill>
+                  <a:srgbClr val="0000FF"/>
+                </a:solidFill>
+                <a:highlight>
+                  <a:srgbClr val="FFFFFF"/>
+                </a:highlight>
+                <a:latin typeface="Consolas" panose="020B0609020204030204" pitchFamily="49" charset="0"/>
+              </a:rPr>
+              <a:t>new</a:t>
+            </a:r>
+            <a:r>
+              <a:rPr lang="en-US" sz="1600" dirty="0" smtClean="0">
+                <a:solidFill>
+                  <a:srgbClr val="000000"/>
+                </a:solidFill>
+                <a:highlight>
+                  <a:srgbClr val="FFFFFF"/>
+                </a:highlight>
+                <a:latin typeface="Consolas" panose="020B0609020204030204" pitchFamily="49" charset="0"/>
+              </a:rPr>
+              <a:t> </a:t>
+            </a:r>
+            <a:r>
+              <a:rPr lang="en-US" sz="1600" dirty="0" smtClean="0">
+                <a:solidFill>
+                  <a:srgbClr val="2B91AF"/>
+                </a:solidFill>
+                <a:highlight>
+                  <a:srgbClr val="FFFFFF"/>
+                </a:highlight>
+                <a:latin typeface="Consolas" panose="020B0609020204030204" pitchFamily="49" charset="0"/>
+              </a:rPr>
+              <a:t>ApplicationDbInitializer</a:t>
+            </a:r>
+            <a:r>
+              <a:rPr lang="en-US" sz="1600" dirty="0">
+                <a:solidFill>
+                  <a:srgbClr val="000000"/>
+                </a:solidFill>
+                <a:highlight>
+                  <a:srgbClr val="FFFFFF"/>
+                </a:highlight>
+                <a:latin typeface="Consolas" panose="020B0609020204030204" pitchFamily="49" charset="0"/>
+              </a:rPr>
+              <a:t>());</a:t>
+            </a:r>
+          </a:p>
+          <a:p>
+            <a:pPr marL="0" indent="0">
+              <a:buNone/>
+            </a:pPr>
+            <a:r>
               <a:rPr lang="en-US" sz="1600" dirty="0">
                 <a:solidFill>
                   <a:schemeClr val="bg1">
@@ -6751,10 +6860,10 @@
                 </a:highlight>
                 <a:latin typeface="Consolas" panose="020B0609020204030204" pitchFamily="49" charset="0"/>
               </a:rPr>
-              <a:t>            var dbContext = new </a:t>
-            </a:r>
-            <a:r>
-              <a:rPr lang="en-US" sz="1600" dirty="0" smtClean="0">
+              <a:t>            </a:t>
+            </a:r>
+            <a:r>
+              <a:rPr lang="en-US" sz="1600" dirty="0">
                 <a:solidFill>
                   <a:schemeClr val="bg1">
                     <a:lumMod val="65000"/>
@@ -6765,10 +6874,10 @@
                 </a:highlight>
                 <a:latin typeface="Consolas" panose="020B0609020204030204" pitchFamily="49" charset="0"/>
               </a:rPr>
-              <a:t>	  		    		 	                    	    IdentityDbContext&lt;IdentityUser</a:t>
-            </a:r>
-            <a:r>
-              <a:rPr lang="en-US" sz="1600" dirty="0">
+              <a:t>new IdentityDbContext</a:t>
+            </a:r>
+            <a:r>
+              <a:rPr lang="en-US" sz="1600" dirty="0" smtClean="0">
                 <a:solidFill>
                   <a:schemeClr val="bg1">
                     <a:lumMod val="65000"/>
@@ -6779,104 +6888,10 @@
                 </a:highlight>
                 <a:latin typeface="Consolas" panose="020B0609020204030204" pitchFamily="49" charset="0"/>
               </a:rPr>
-              <a:t>&gt;("DefaultConnection");</a:t>
-            </a:r>
-          </a:p>
-          <a:p>
-            <a:pPr marL="0" indent="0">
-              <a:buNone/>
-            </a:pPr>
-            <a:r>
-              <a:rPr lang="en-US" sz="1600" dirty="0">
-                <a:solidFill>
-                  <a:srgbClr val="000000"/>
-                </a:solidFill>
-                <a:highlight>
-                  <a:srgbClr val="FFFFFF"/>
-                </a:highlight>
-                <a:latin typeface="Consolas" panose="020B0609020204030204" pitchFamily="49" charset="0"/>
-              </a:rPr>
-              <a:t>            </a:t>
-            </a:r>
-            <a:r>
-              <a:rPr lang="en-US" sz="1600" dirty="0" smtClean="0">
-                <a:solidFill>
-                  <a:srgbClr val="2B91AF"/>
-                </a:solidFill>
-                <a:highlight>
-                  <a:srgbClr val="FFFFFF"/>
-                </a:highlight>
-                <a:latin typeface="Consolas" panose="020B0609020204030204" pitchFamily="49" charset="0"/>
-              </a:rPr>
-              <a:t>Database</a:t>
-            </a:r>
-            <a:r>
-              <a:rPr lang="en-US" sz="1600" dirty="0" smtClean="0">
-                <a:solidFill>
-                  <a:srgbClr val="000000"/>
-                </a:solidFill>
-                <a:highlight>
-                  <a:srgbClr val="FFFFFF"/>
-                </a:highlight>
-                <a:latin typeface="Consolas" panose="020B0609020204030204" pitchFamily="49" charset="0"/>
-              </a:rPr>
-              <a:t>.SetInitializer(</a:t>
-            </a:r>
-            <a:r>
-              <a:rPr lang="en-US" sz="1600" dirty="0" smtClean="0">
-                <a:solidFill>
-                  <a:srgbClr val="0000FF"/>
-                </a:solidFill>
-                <a:highlight>
-                  <a:srgbClr val="FFFFFF"/>
-                </a:highlight>
-                <a:latin typeface="Consolas" panose="020B0609020204030204" pitchFamily="49" charset="0"/>
-              </a:rPr>
-              <a:t>new</a:t>
-            </a:r>
-            <a:r>
-              <a:rPr lang="en-US" sz="1600" dirty="0" smtClean="0">
-                <a:solidFill>
-                  <a:srgbClr val="000000"/>
-                </a:solidFill>
-                <a:highlight>
-                  <a:srgbClr val="FFFFFF"/>
-                </a:highlight>
-                <a:latin typeface="Consolas" panose="020B0609020204030204" pitchFamily="49" charset="0"/>
-              </a:rPr>
-              <a:t> </a:t>
-            </a:r>
-            <a:r>
-              <a:rPr lang="en-US" sz="1600" dirty="0" smtClean="0">
-                <a:solidFill>
-                  <a:srgbClr val="2B91AF"/>
-                </a:solidFill>
-                <a:highlight>
-                  <a:srgbClr val="FFFFFF"/>
-                </a:highlight>
-                <a:latin typeface="Consolas" panose="020B0609020204030204" pitchFamily="49" charset="0"/>
-              </a:rPr>
-              <a:t>ApplicationDbInitializer</a:t>
-            </a:r>
-            <a:r>
-              <a:rPr lang="en-US" sz="1600" dirty="0">
-                <a:solidFill>
-                  <a:srgbClr val="000000"/>
-                </a:solidFill>
-                <a:highlight>
-                  <a:srgbClr val="FFFFFF"/>
-                </a:highlight>
-                <a:latin typeface="Consolas" panose="020B0609020204030204" pitchFamily="49" charset="0"/>
-              </a:rPr>
-              <a:t>());</a:t>
-            </a:r>
-          </a:p>
-          <a:p>
-            <a:pPr marL="0" indent="0">
-              <a:buNone/>
-            </a:pPr>
-            <a:r>
-              <a:rPr lang="en-US" sz="1600" dirty="0">
+              <a:t>&lt; </a:t>
+            </a:r>
+            <a:r>
+              <a:rPr lang="en-US" sz="1600" dirty="0" err="1" smtClean="0">
                 <a:solidFill>
                   <a:schemeClr val="bg1">
                     <a:lumMod val="65000"/>
@@ -6887,10 +6902,10 @@
                 </a:highlight>
                 <a:latin typeface="Consolas" panose="020B0609020204030204" pitchFamily="49" charset="0"/>
               </a:rPr>
-              <a:t>            dbContext.Database.Initialize(true</a:t>
-            </a:r>
-            <a:r>
-              <a:rPr lang="en-US" sz="1600" dirty="0" smtClean="0">
+              <a:t>IdentityUser</a:t>
+            </a:r>
+            <a:r>
+              <a:rPr lang="en-US" sz="1600" dirty="0">
                 <a:solidFill>
                   <a:schemeClr val="bg1">
                     <a:lumMod val="65000"/>
@@ -6901,25 +6916,26 @@
                 </a:highlight>
                 <a:latin typeface="Consolas" panose="020B0609020204030204" pitchFamily="49" charset="0"/>
               </a:rPr>
-              <a:t>);</a:t>
-            </a:r>
-            <a:endParaRPr lang="en-US" sz="1600" dirty="0">
-              <a:solidFill>
-                <a:schemeClr val="bg1">
-                  <a:lumMod val="65000"/>
-                </a:schemeClr>
-              </a:solidFill>
-              <a:highlight>
-                <a:srgbClr val="FFFFFF"/>
-              </a:highlight>
-              <a:latin typeface="Consolas" panose="020B0609020204030204" pitchFamily="49" charset="0"/>
-            </a:endParaRPr>
+              <a:t>&gt;().Database.Initialize(true);</a:t>
+            </a:r>
           </a:p>
           <a:p>
             <a:pPr marL="0" indent="0">
               <a:buNone/>
             </a:pPr>
             <a:r>
+              <a:rPr lang="en-US" sz="1600" dirty="0" smtClean="0">
+                <a:solidFill>
+                  <a:srgbClr val="000000"/>
+                </a:solidFill>
+                <a:highlight>
+                  <a:srgbClr val="FFFFFF"/>
+                </a:highlight>
+                <a:latin typeface="Consolas" panose="020B0609020204030204" pitchFamily="49" charset="0"/>
+              </a:rPr>
+              <a:t>        </a:t>
+            </a:r>
+            <a:r>
               <a:rPr lang="en-US" sz="1600" dirty="0">
                 <a:solidFill>
                   <a:srgbClr val="000000"/>
@@ -6929,7 +6945,7 @@
                 </a:highlight>
                 <a:latin typeface="Consolas" panose="020B0609020204030204" pitchFamily="49" charset="0"/>
               </a:rPr>
-              <a:t>        }</a:t>
+              <a:t>}</a:t>
             </a:r>
             <a:endParaRPr lang="en-US" sz="1600" dirty="0"/>
           </a:p>
@@ -7048,11 +7064,18 @@
   <p:clrMapOvr>
     <a:masterClrMapping/>
   </p:clrMapOvr>
+  <p:timing>
+    <p:tnLst>
+      <p:par>
+        <p:cTn id="1" dur="indefinite" restart="never" nodeType="tmRoot"/>
+      </p:par>
+    </p:tnLst>
+  </p:timing>
 </p:sld>
 </file>
 
 <file path=ppt/slides/slide15.xml><?xml version="1.0" encoding="utf-8"?>
-<p:sld xmlns:a="http://schemas.openxmlformats.org/drawingml/2006/main" xmlns:r="http://schemas.openxmlformats.org/officeDocument/2006/relationships" xmlns:p="http://schemas.openxmlformats.org/presentationml/2006/main">
+<p:sld xmlns:a="http://schemas.openxmlformats.org/drawingml/2006/main" xmlns:r="http://schemas.openxmlformats.org/officeDocument/2006/relationships" xmlns:p="http://schemas.openxmlformats.org/presentationml/2006/main" show="0">
   <p:cSld>
     <p:spTree>
       <p:nvGrpSpPr>
@@ -7862,6 +7885,21 @@
   <p:clrMapOvr>
     <a:masterClrMapping/>
   </p:clrMapOvr>
+  <mc:AlternateContent xmlns:mc="http://schemas.openxmlformats.org/markup-compatibility/2006">
+    <mc:Choice xmlns:p14="http://schemas.microsoft.com/office/powerpoint/2010/main" Requires="p14">
+      <p:transition spd="slow" p14:dur="2000"/>
+    </mc:Choice>
+    <mc:Fallback>
+      <p:transition spd="slow"/>
+    </mc:Fallback>
+  </mc:AlternateContent>
+  <p:timing>
+    <p:tnLst>
+      <p:par>
+        <p:cTn id="1" dur="indefinite" restart="never" nodeType="tmRoot"/>
+      </p:par>
+    </p:tnLst>
+  </p:timing>
 </p:sld>
 </file>
 
@@ -7953,7 +7991,7 @@
           <a:p>
             <a:r>
               <a:rPr lang="en-US" dirty="0" smtClean="0"/>
-              <a:t>Created a database which uses ASP.NET Identity structure</a:t>
+              <a:t>Created a database that uses ASP.NET Identity structure</a:t>
             </a:r>
           </a:p>
           <a:p>
@@ -7963,12 +8001,9 @@
             </a:r>
           </a:p>
           <a:p>
-            <a:r>
-              <a:rPr lang="en-US" dirty="0" smtClean="0"/>
-              <a:t>Added additional properties to the user identity</a:t>
-            </a:r>
-          </a:p>
-          <a:p>
+            <a:pPr marL="0" indent="0">
+              <a:buNone/>
+            </a:pPr>
             <a:endParaRPr lang="en-US" sz="2400" dirty="0"/>
           </a:p>
         </p:txBody>
@@ -7983,6 +8018,13 @@
   <p:clrMapOvr>
     <a:masterClrMapping/>
   </p:clrMapOvr>
+  <p:timing>
+    <p:tnLst>
+      <p:par>
+        <p:cTn id="1" dur="indefinite" restart="never" nodeType="tmRoot"/>
+      </p:par>
+    </p:tnLst>
+  </p:timing>
 </p:sld>
 </file>
 
@@ -9140,8 +9182,8 @@
         </p:nvSpPr>
         <p:spPr>
           <a:xfrm>
-            <a:off x="755576" y="1196752"/>
-            <a:ext cx="7931224" cy="4929411"/>
+            <a:off x="467544" y="1196752"/>
+            <a:ext cx="8219256" cy="4929411"/>
           </a:xfrm>
         </p:spPr>
         <p:txBody>
@@ -9153,8 +9195,13 @@
             </a:pPr>
             <a:r>
               <a:rPr lang="en-US" dirty="0" smtClean="0"/>
-              <a:t>We will have to add ASP.NET Identity NuGet Package.</a:t>
-            </a:r>
+              <a:t>We will have to add ASP.NET </a:t>
+            </a:r>
+            <a:r>
+              <a:rPr lang="en-US" dirty="0" smtClean="0"/>
+              <a:t>Identity</a:t>
+            </a:r>
+            <a:endParaRPr lang="en-US" dirty="0"/>
           </a:p>
           <a:p>
             <a:pPr marL="0" indent="0">
@@ -9162,7 +9209,11 @@
             </a:pPr>
             <a:r>
               <a:rPr lang="en-US" dirty="0" smtClean="0"/>
-              <a:t>Open the Package </a:t>
+              <a:t>Open </a:t>
+            </a:r>
+            <a:r>
+              <a:rPr lang="en-US" dirty="0" smtClean="0"/>
+              <a:t>the Package </a:t>
             </a:r>
             <a:r>
               <a:rPr lang="en-US" dirty="0"/>
@@ -9189,7 +9240,7 @@
         </p:nvSpPr>
         <p:spPr>
           <a:xfrm>
-            <a:off x="1012776" y="2859627"/>
+            <a:off x="1012776" y="2492896"/>
             <a:ext cx="6799584" cy="641382"/>
           </a:xfrm>
           <a:prstGeom prst="rect">
@@ -9240,14 +9291,77 @@
               </a:rPr>
               <a:t>Microsoft.AspNet.Identity.EntityFramework</a:t>
             </a:r>
-            <a:endParaRPr lang="en-US" dirty="0">
-              <a:solidFill>
-                <a:schemeClr val="tx1"/>
-              </a:solidFill>
-            </a:endParaRPr>
-          </a:p>
-        </p:txBody>
-      </p:sp>
+          </a:p>
+        </p:txBody>
+      </p:sp>
+      <p:sp>
+        <p:nvSpPr>
+          <p:cNvPr id="5" name="textruta 4"/>
+          <p:cNvSpPr txBox="1"/>
+          <p:nvPr/>
+        </p:nvSpPr>
+        <p:spPr>
+          <a:xfrm>
+            <a:off x="467544" y="3356992"/>
+            <a:ext cx="8064896" cy="2246769"/>
+          </a:xfrm>
+          <a:prstGeom prst="rect">
+            <a:avLst/>
+          </a:prstGeom>
+          <a:noFill/>
+        </p:spPr>
+        <p:txBody>
+          <a:bodyPr wrap="square" rtlCol="0">
+            <a:spAutoFit/>
+          </a:bodyPr>
+          <a:lstStyle/>
+          <a:p>
+            <a:r>
+              <a:rPr lang="en-US" sz="2800" dirty="0" smtClean="0"/>
+              <a:t>Or open the NuGet package manager by right clicking your project and choose Manage NuGet Packages</a:t>
+            </a:r>
+          </a:p>
+          <a:p>
+            <a:endParaRPr lang="en-US" sz="2800" dirty="0"/>
+          </a:p>
+          <a:p>
+            <a:endParaRPr lang="en-US" sz="2800" dirty="0"/>
+          </a:p>
+          <a:p>
+            <a:endParaRPr lang="en-US" sz="2800" dirty="0"/>
+          </a:p>
+        </p:txBody>
+      </p:sp>
+      <p:pic>
+        <p:nvPicPr>
+          <p:cNvPr id="7" name="Bildobjekt 6"/>
+          <p:cNvPicPr>
+            <a:picLocks noChangeAspect="1"/>
+          </p:cNvPicPr>
+          <p:nvPr/>
+        </p:nvPicPr>
+        <p:blipFill>
+          <a:blip r:embed="rId2">
+            <a:extLst>
+              <a:ext uri="{28A0092B-C50C-407E-A947-70E740481C1C}">
+                <a14:useLocalDpi xmlns:a14="http://schemas.microsoft.com/office/drawing/2010/main" val="0"/>
+              </a:ext>
+            </a:extLst>
+          </a:blip>
+          <a:stretch>
+            <a:fillRect/>
+          </a:stretch>
+        </p:blipFill>
+        <p:spPr>
+          <a:xfrm>
+            <a:off x="1403648" y="4622341"/>
+            <a:ext cx="6192688" cy="1204134"/>
+          </a:xfrm>
+          <a:prstGeom prst="rect">
+            <a:avLst/>
+          </a:prstGeom>
+        </p:spPr>
+      </p:pic>
     </p:spTree>
     <p:extLst>
       <p:ext uri="{BB962C8B-B14F-4D97-AF65-F5344CB8AC3E}">
@@ -9320,13 +9434,13 @@
         </p:nvSpPr>
         <p:spPr>
           <a:xfrm>
-            <a:off x="37427" y="2492896"/>
+            <a:off x="37427" y="2852936"/>
             <a:ext cx="9143085" cy="2448272"/>
           </a:xfrm>
         </p:spPr>
         <p:txBody>
           <a:bodyPr>
-            <a:normAutofit lnSpcReduction="10000"/>
+            <a:normAutofit/>
           </a:bodyPr>
           <a:lstStyle/>
           <a:p>
@@ -9480,6 +9594,30 @@
               <a:t> </a:t>
             </a:r>
             <a:r>
+              <a:rPr lang="en-US" sz="1600" dirty="0">
+                <a:solidFill>
+                  <a:srgbClr val="000000"/>
+                </a:solidFill>
+                <a:highlight>
+                  <a:srgbClr val="FFFFFF"/>
+                </a:highlight>
+                <a:latin typeface="Consolas" panose="020B0609020204030204" pitchFamily="49" charset="0"/>
+              </a:rPr>
+              <a:t>	</a:t>
+            </a:r>
+            <a:r>
+              <a:rPr lang="en-US" sz="1600" dirty="0">
+                <a:solidFill>
+                  <a:srgbClr val="000000"/>
+                </a:solidFill>
+                <a:highlight>
+                  <a:srgbClr val="FFFFFF"/>
+                </a:highlight>
+                <a:latin typeface="Consolas" panose="020B0609020204030204" pitchFamily="49" charset="0"/>
+              </a:rPr>
+              <a:t> </a:t>
+            </a:r>
+            <a:r>
               <a:rPr lang="en-US" sz="1600" dirty="0" smtClean="0">
                 <a:solidFill>
                   <a:srgbClr val="000000"/>
@@ -9489,7 +9627,7 @@
                 </a:highlight>
                 <a:latin typeface="Consolas" panose="020B0609020204030204" pitchFamily="49" charset="0"/>
               </a:rPr>
-              <a:t>		</a:t>
+              <a:t>   </a:t>
             </a:r>
             <a:r>
               <a:rPr lang="en-US" sz="1600" dirty="0" smtClean="0">
@@ -9501,19 +9639,43 @@
                 </a:highlight>
                 <a:latin typeface="Consolas" panose="020B0609020204030204" pitchFamily="49" charset="0"/>
               </a:rPr>
-              <a:t>var</a:t>
+              <a:t>new </a:t>
             </a:r>
             <a:r>
               <a:rPr lang="en-US" sz="1600" dirty="0" smtClean="0">
                 <a:solidFill>
-                  <a:srgbClr val="000000"/>
-                </a:solidFill>
-                <a:highlight>
-                  <a:srgbClr val="FFFFFF"/>
-                </a:highlight>
-                <a:latin typeface="Consolas" panose="020B0609020204030204" pitchFamily="49" charset="0"/>
-              </a:rPr>
-              <a:t> </a:t>
+                  <a:srgbClr val="2B91AF"/>
+                </a:solidFill>
+                <a:highlight>
+                  <a:srgbClr val="FFFFFF"/>
+                </a:highlight>
+                <a:latin typeface="Consolas" panose="020B0609020204030204" pitchFamily="49" charset="0"/>
+              </a:rPr>
+              <a:t>IdentityDbContext</a:t>
+            </a:r>
+            <a:r>
+              <a:rPr lang="en-US" sz="1600" dirty="0" smtClean="0">
+                <a:solidFill>
+                  <a:srgbClr val="000000"/>
+                </a:solidFill>
+                <a:highlight>
+                  <a:srgbClr val="FFFFFF"/>
+                </a:highlight>
+                <a:latin typeface="Consolas" panose="020B0609020204030204" pitchFamily="49" charset="0"/>
+              </a:rPr>
+              <a:t>&lt;</a:t>
+            </a:r>
+            <a:r>
+              <a:rPr lang="en-US" sz="1600" dirty="0" err="1" smtClean="0">
+                <a:solidFill>
+                  <a:srgbClr val="2B91AF"/>
+                </a:solidFill>
+                <a:highlight>
+                  <a:srgbClr val="FFFFFF"/>
+                </a:highlight>
+                <a:latin typeface="Consolas" panose="020B0609020204030204" pitchFamily="49" charset="0"/>
+              </a:rPr>
+              <a:t>IdentityUser</a:t>
             </a:r>
             <a:r>
               <a:rPr lang="en-US" sz="1600" dirty="0">
@@ -9525,10 +9687,10 @@
                 </a:highlight>
                 <a:latin typeface="Consolas" panose="020B0609020204030204" pitchFamily="49" charset="0"/>
               </a:rPr>
-              <a:t>dbContext = </a:t>
-            </a:r>
-            <a:r>
-              <a:rPr lang="en-US" sz="1600" dirty="0" smtClean="0">
+              <a:t>&gt;().Database.Initialize(</a:t>
+            </a:r>
+            <a:r>
+              <a:rPr lang="en-US" sz="1600" dirty="0">
                 <a:solidFill>
                   <a:srgbClr val="0000FF"/>
                 </a:solidFill>
@@ -9537,69 +9699,21 @@
                 </a:highlight>
                 <a:latin typeface="Consolas" panose="020B0609020204030204" pitchFamily="49" charset="0"/>
               </a:rPr>
-              <a:t>new</a:t>
-            </a:r>
-            <a:r>
-              <a:rPr lang="en-US" sz="1600" dirty="0" smtClean="0">
-                <a:solidFill>
-                  <a:srgbClr val="000000"/>
-                </a:solidFill>
-                <a:highlight>
-                  <a:srgbClr val="FFFFFF"/>
-                </a:highlight>
-                <a:latin typeface="Consolas" panose="020B0609020204030204" pitchFamily="49" charset="0"/>
-              </a:rPr>
-              <a:t> 				   		        </a:t>
-            </a:r>
-            <a:r>
-              <a:rPr lang="en-US" sz="1600" dirty="0" smtClean="0">
-                <a:solidFill>
-                  <a:srgbClr val="2B91AF"/>
-                </a:solidFill>
-                <a:highlight>
-                  <a:srgbClr val="FFFFFF"/>
-                </a:highlight>
-                <a:latin typeface="Consolas" panose="020B0609020204030204" pitchFamily="49" charset="0"/>
-              </a:rPr>
-              <a:t>IdentityDbContext</a:t>
-            </a:r>
-            <a:r>
-              <a:rPr lang="en-US" sz="1600" dirty="0" smtClean="0">
-                <a:solidFill>
-                  <a:srgbClr val="000000"/>
-                </a:solidFill>
-                <a:highlight>
-                  <a:srgbClr val="FFFFFF"/>
-                </a:highlight>
-                <a:latin typeface="Consolas" panose="020B0609020204030204" pitchFamily="49" charset="0"/>
-              </a:rPr>
-              <a:t>&lt;</a:t>
-            </a:r>
-            <a:r>
-              <a:rPr lang="en-US" sz="1600" dirty="0" smtClean="0">
-                <a:solidFill>
-                  <a:srgbClr val="2B91AF"/>
-                </a:solidFill>
-                <a:highlight>
-                  <a:srgbClr val="FFFFFF"/>
-                </a:highlight>
-                <a:latin typeface="Consolas" panose="020B0609020204030204" pitchFamily="49" charset="0"/>
-              </a:rPr>
-              <a:t>IdentityUser</a:t>
-            </a:r>
-            <a:r>
-              <a:rPr lang="en-US" sz="1600" dirty="0" smtClean="0">
-                <a:solidFill>
-                  <a:srgbClr val="000000"/>
-                </a:solidFill>
-                <a:highlight>
-                  <a:srgbClr val="FFFFFF"/>
-                </a:highlight>
-                <a:latin typeface="Consolas" panose="020B0609020204030204" pitchFamily="49" charset="0"/>
-              </a:rPr>
-              <a:t>&gt;();</a:t>
-            </a:r>
-            <a:endParaRPr lang="en-US" sz="1600" dirty="0">
+              <a:t>true</a:t>
+            </a:r>
+            <a:r>
+              <a:rPr lang="en-US" sz="1600" dirty="0">
+                <a:solidFill>
+                  <a:srgbClr val="000000"/>
+                </a:solidFill>
+                <a:highlight>
+                  <a:srgbClr val="FFFFFF"/>
+                </a:highlight>
+                <a:latin typeface="Consolas" panose="020B0609020204030204" pitchFamily="49" charset="0"/>
+              </a:rPr>
+              <a:t>);</a:t>
+            </a:r>
+            <a:endParaRPr lang="en-US" sz="1600" dirty="0" smtClean="0">
               <a:solidFill>
                 <a:srgbClr val="000000"/>
               </a:solidFill>
@@ -9614,60 +9728,7 @@
               <a:buNone/>
             </a:pPr>
             <a:r>
-              <a:rPr lang="en-US" sz="1600" dirty="0">
-                <a:solidFill>
-                  <a:srgbClr val="000000"/>
-                </a:solidFill>
-                <a:highlight>
-                  <a:srgbClr val="FFFFFF"/>
-                </a:highlight>
-                <a:latin typeface="Consolas" panose="020B0609020204030204" pitchFamily="49" charset="0"/>
-              </a:rPr>
-              <a:t>            </a:t>
-            </a:r>
-            <a:r>
               <a:rPr lang="en-US" sz="1600" dirty="0" smtClean="0">
-                <a:solidFill>
-                  <a:srgbClr val="000000"/>
-                </a:solidFill>
-                <a:highlight>
-                  <a:srgbClr val="FFFFFF"/>
-                </a:highlight>
-                <a:latin typeface="Consolas" panose="020B0609020204030204" pitchFamily="49" charset="0"/>
-              </a:rPr>
-              <a:t>    dbContext.Database.Initialize(</a:t>
-            </a:r>
-            <a:r>
-              <a:rPr lang="en-US" sz="1600" dirty="0" smtClean="0">
-                <a:solidFill>
-                  <a:srgbClr val="0000FF"/>
-                </a:solidFill>
-                <a:highlight>
-                  <a:srgbClr val="FFFFFF"/>
-                </a:highlight>
-                <a:latin typeface="Consolas" panose="020B0609020204030204" pitchFamily="49" charset="0"/>
-              </a:rPr>
-              <a:t>true</a:t>
-            </a:r>
-            <a:r>
-              <a:rPr lang="en-US" sz="1600" dirty="0">
-                <a:solidFill>
-                  <a:srgbClr val="000000"/>
-                </a:solidFill>
-                <a:highlight>
-                  <a:srgbClr val="FFFFFF"/>
-                </a:highlight>
-                <a:latin typeface="Consolas" panose="020B0609020204030204" pitchFamily="49" charset="0"/>
-              </a:rPr>
-              <a:t>);</a:t>
-            </a:r>
-          </a:p>
-          <a:p>
-            <a:pPr marL="0" indent="0">
-              <a:buNone/>
-            </a:pPr>
-            <a:r>
-              <a:rPr lang="en-US" sz="1600" dirty="0">
                 <a:solidFill>
                   <a:srgbClr val="000000"/>
                 </a:solidFill>
@@ -9733,7 +9794,93 @@
               </a:rPr>
               <a:t>IdentityDbContext</a:t>
             </a:r>
+            <a:r>
+              <a:rPr lang="en-US" sz="2800" dirty="0" smtClean="0"/>
+              <a:t>, and calling the Initialize method</a:t>
+            </a:r>
             <a:endParaRPr lang="en-US" sz="2800" dirty="0"/>
+          </a:p>
+        </p:txBody>
+      </p:sp>
+      <p:sp>
+        <p:nvSpPr>
+          <p:cNvPr id="8" name="Rektangulär 7"/>
+          <p:cNvSpPr/>
+          <p:nvPr/>
+        </p:nvSpPr>
+        <p:spPr>
+          <a:xfrm flipH="1">
+            <a:off x="6012160" y="2494056"/>
+            <a:ext cx="2952328" cy="1511008"/>
+          </a:xfrm>
+          <a:prstGeom prst="wedgeRectCallout">
+            <a:avLst/>
+          </a:prstGeom>
+          <a:solidFill>
+            <a:srgbClr val="FFFF99"/>
+          </a:solidFill>
+          <a:ln>
+            <a:solidFill>
+              <a:schemeClr val="bg1"/>
+            </a:solidFill>
+          </a:ln>
+        </p:spPr>
+        <p:style>
+          <a:lnRef idx="2">
+            <a:schemeClr val="accent1">
+              <a:shade val="50000"/>
+            </a:schemeClr>
+          </a:lnRef>
+          <a:fillRef idx="1">
+            <a:schemeClr val="accent1"/>
+          </a:fillRef>
+          <a:effectRef idx="0">
+            <a:schemeClr val="accent1"/>
+          </a:effectRef>
+          <a:fontRef idx="minor">
+            <a:schemeClr val="lt1"/>
+          </a:fontRef>
+        </p:style>
+        <p:txBody>
+          <a:bodyPr rtlCol="0" anchor="ctr"/>
+          <a:lstStyle/>
+          <a:p>
+            <a:pPr algn="just"/>
+            <a:r>
+              <a:rPr lang="en-US" dirty="0" smtClean="0">
+                <a:solidFill>
+                  <a:schemeClr val="tx1"/>
+                </a:solidFill>
+              </a:rPr>
+              <a:t>Bool value which determines:</a:t>
+            </a:r>
+          </a:p>
+          <a:p>
+            <a:pPr algn="just"/>
+            <a:r>
+              <a:rPr lang="en-US" dirty="0" smtClean="0">
+                <a:solidFill>
+                  <a:schemeClr val="tx1"/>
+                </a:solidFill>
+              </a:rPr>
+              <a:t>If true = run always</a:t>
+            </a:r>
+          </a:p>
+          <a:p>
+            <a:pPr algn="just"/>
+            <a:r>
+              <a:rPr lang="en-US" dirty="0" smtClean="0">
+                <a:solidFill>
+                  <a:schemeClr val="tx1"/>
+                </a:solidFill>
+              </a:rPr>
+              <a:t>If false = run only if context has not been run before </a:t>
+            </a:r>
+            <a:endParaRPr lang="en-US" dirty="0">
+              <a:solidFill>
+                <a:schemeClr val="tx1"/>
+              </a:solidFill>
+            </a:endParaRPr>
           </a:p>
         </p:txBody>
       </p:sp>
